--- a/SchulungenKGParl/Folien/XSLT.pptx
+++ b/SchulungenKGParl/Folien/XSLT.pptx
@@ -112,6 +112,11 @@
       </a:defRPr>
     </a:lvl9pPr>
   </p:defaultTextStyle>
+  <p:extLst>
+    <p:ext uri="{EFAFB233-063F-42B5-8137-9DF3F51BA10A}">
+      <p15:sldGuideLst xmlns:p15="http://schemas.microsoft.com/office/powerpoint/2012/main"/>
+    </p:ext>
+  </p:extLst>
 </p:presentation>
 </file>
 
@@ -466,7 +471,7 @@
           <a:p>
             <a:fld id="{AFBF6B35-73C7-4AB0-A79B-3856A72D124C}" type="datetimeFigureOut">
               <a:rPr lang="de-DE" smtClean="0"/>
-              <a:t>26.09.2021</a:t>
+              <a:t>27.09.2021</a:t>
             </a:fld>
             <a:endParaRPr lang="de-DE"/>
           </a:p>
@@ -664,7 +669,7 @@
           <a:p>
             <a:fld id="{AFBF6B35-73C7-4AB0-A79B-3856A72D124C}" type="datetimeFigureOut">
               <a:rPr lang="de-DE" smtClean="0"/>
-              <a:t>26.09.2021</a:t>
+              <a:t>27.09.2021</a:t>
             </a:fld>
             <a:endParaRPr lang="de-DE"/>
           </a:p>
@@ -872,7 +877,7 @@
           <a:p>
             <a:fld id="{AFBF6B35-73C7-4AB0-A79B-3856A72D124C}" type="datetimeFigureOut">
               <a:rPr lang="de-DE" smtClean="0"/>
-              <a:t>26.09.2021</a:t>
+              <a:t>27.09.2021</a:t>
             </a:fld>
             <a:endParaRPr lang="de-DE"/>
           </a:p>
@@ -1070,7 +1075,7 @@
           <a:p>
             <a:fld id="{AFBF6B35-73C7-4AB0-A79B-3856A72D124C}" type="datetimeFigureOut">
               <a:rPr lang="de-DE" smtClean="0"/>
-              <a:t>26.09.2021</a:t>
+              <a:t>27.09.2021</a:t>
             </a:fld>
             <a:endParaRPr lang="de-DE"/>
           </a:p>
@@ -1345,7 +1350,7 @@
           <a:p>
             <a:fld id="{AFBF6B35-73C7-4AB0-A79B-3856A72D124C}" type="datetimeFigureOut">
               <a:rPr lang="de-DE" smtClean="0"/>
-              <a:t>26.09.2021</a:t>
+              <a:t>27.09.2021</a:t>
             </a:fld>
             <a:endParaRPr lang="de-DE"/>
           </a:p>
@@ -1610,7 +1615,7 @@
           <a:p>
             <a:fld id="{AFBF6B35-73C7-4AB0-A79B-3856A72D124C}" type="datetimeFigureOut">
               <a:rPr lang="de-DE" smtClean="0"/>
-              <a:t>26.09.2021</a:t>
+              <a:t>27.09.2021</a:t>
             </a:fld>
             <a:endParaRPr lang="de-DE"/>
           </a:p>
@@ -2022,7 +2027,7 @@
           <a:p>
             <a:fld id="{AFBF6B35-73C7-4AB0-A79B-3856A72D124C}" type="datetimeFigureOut">
               <a:rPr lang="de-DE" smtClean="0"/>
-              <a:t>26.09.2021</a:t>
+              <a:t>27.09.2021</a:t>
             </a:fld>
             <a:endParaRPr lang="de-DE"/>
           </a:p>
@@ -2163,7 +2168,7 @@
           <a:p>
             <a:fld id="{AFBF6B35-73C7-4AB0-A79B-3856A72D124C}" type="datetimeFigureOut">
               <a:rPr lang="de-DE" smtClean="0"/>
-              <a:t>26.09.2021</a:t>
+              <a:t>27.09.2021</a:t>
             </a:fld>
             <a:endParaRPr lang="de-DE"/>
           </a:p>
@@ -2276,7 +2281,7 @@
           <a:p>
             <a:fld id="{AFBF6B35-73C7-4AB0-A79B-3856A72D124C}" type="datetimeFigureOut">
               <a:rPr lang="de-DE" smtClean="0"/>
-              <a:t>26.09.2021</a:t>
+              <a:t>27.09.2021</a:t>
             </a:fld>
             <a:endParaRPr lang="de-DE"/>
           </a:p>
@@ -2587,7 +2592,7 @@
           <a:p>
             <a:fld id="{AFBF6B35-73C7-4AB0-A79B-3856A72D124C}" type="datetimeFigureOut">
               <a:rPr lang="de-DE" smtClean="0"/>
-              <a:t>26.09.2021</a:t>
+              <a:t>27.09.2021</a:t>
             </a:fld>
             <a:endParaRPr lang="de-DE"/>
           </a:p>
@@ -2875,7 +2880,7 @@
           <a:p>
             <a:fld id="{AFBF6B35-73C7-4AB0-A79B-3856A72D124C}" type="datetimeFigureOut">
               <a:rPr lang="de-DE" smtClean="0"/>
-              <a:t>26.09.2021</a:t>
+              <a:t>27.09.2021</a:t>
             </a:fld>
             <a:endParaRPr lang="de-DE"/>
           </a:p>
@@ -3569,25 +3574,21 @@
         <p:spPr/>
         <p:txBody>
           <a:bodyPr>
-            <a:normAutofit fontScale="90000"/>
+            <a:normAutofit/>
           </a:bodyPr>
           <a:lstStyle/>
           <a:p>
             <a:r>
               <a:rPr lang="de-DE" dirty="0"/>
-              <a:t>„ #“: </a:t>
+              <a:t>Einführung in </a:t>
             </a:r>
             <a:br>
               <a:rPr lang="de-DE" dirty="0"/>
             </a:br>
             <a:r>
               <a:rPr lang="de-DE" dirty="0"/>
-              <a:t>Einführung in XSLT</a:t>
-            </a:r>
-            <a:br>
-              <a:rPr lang="de-DE" dirty="0"/>
-            </a:br>
-            <a:endParaRPr lang="de-DE" dirty="0"/>
+              <a:t>XSLT</a:t>
+            </a:r>
           </a:p>
         </p:txBody>
       </p:sp>
@@ -3627,6 +3628,51 @@
             <a:r>
               <a:rPr lang="de-DE" dirty="0"/>
               <a:t>04./05.10.2021</a:t>
+            </a:r>
+          </a:p>
+        </p:txBody>
+      </p:sp>
+      <p:sp>
+        <p:nvSpPr>
+          <p:cNvPr id="4" name="Textfeld 3">
+            <a:extLst>
+              <a:ext uri="{FF2B5EF4-FFF2-40B4-BE49-F238E27FC236}">
+                <a16:creationId xmlns:a16="http://schemas.microsoft.com/office/drawing/2014/main" id="{DB53235D-B926-4F9B-8131-E5DD39F45A00}"/>
+              </a:ext>
+            </a:extLst>
+          </p:cNvPr>
+          <p:cNvSpPr txBox="1"/>
+          <p:nvPr/>
+        </p:nvSpPr>
+        <p:spPr>
+          <a:xfrm>
+            <a:off x="2227811" y="5349875"/>
+            <a:ext cx="8503920" cy="1015663"/>
+          </a:xfrm>
+          <a:prstGeom prst="rect">
+            <a:avLst/>
+          </a:prstGeom>
+          <a:noFill/>
+        </p:spPr>
+        <p:txBody>
+          <a:bodyPr wrap="square" rtlCol="0">
+            <a:spAutoFit/>
+          </a:bodyPr>
+          <a:lstStyle/>
+          <a:p>
+            <a:r>
+              <a:rPr lang="de-DE" sz="2000" dirty="0"/>
+              <a:t>Quelle: P. Sahle, „Verarbeitung von XML mit XSLT: Einführung“, Winter School 2020, Wuppertal </a:t>
+            </a:r>
+            <a:r>
+              <a:rPr lang="de-DE" sz="2000" dirty="0">
+                <a:hlinkClick r:id="rId2"/>
+              </a:rPr>
+              <a:t>https://www.i-d-e.de/wp-content/uploads/2020/02/02_XML-Einf%C3%BChrung.pdf</a:t>
+            </a:r>
+            <a:r>
+              <a:rPr lang="de-DE" sz="2000" dirty="0"/>
+              <a:t> </a:t>
             </a:r>
           </a:p>
         </p:txBody>
@@ -3998,6 +4044,59 @@
             <a:r>
               <a:rPr lang="de-DE" dirty="0"/>
               <a:t>-  XSLT arbeitet mit Mustererkennung</a:t>
+            </a:r>
+          </a:p>
+        </p:txBody>
+      </p:sp>
+      <p:sp>
+        <p:nvSpPr>
+          <p:cNvPr id="4" name="Textfeld 3">
+            <a:extLst>
+              <a:ext uri="{FF2B5EF4-FFF2-40B4-BE49-F238E27FC236}">
+                <a16:creationId xmlns:a16="http://schemas.microsoft.com/office/drawing/2014/main" id="{BC1B68E4-2C32-4F23-ADF7-715E2C62DE1D}"/>
+              </a:ext>
+            </a:extLst>
+          </p:cNvPr>
+          <p:cNvSpPr txBox="1"/>
+          <p:nvPr/>
+        </p:nvSpPr>
+        <p:spPr>
+          <a:xfrm>
+            <a:off x="8695113" y="6149465"/>
+            <a:ext cx="3150524" cy="461665"/>
+          </a:xfrm>
+          <a:prstGeom prst="rect">
+            <a:avLst/>
+          </a:prstGeom>
+          <a:noFill/>
+        </p:spPr>
+        <p:txBody>
+          <a:bodyPr wrap="square" rtlCol="0">
+            <a:spAutoFit/>
+          </a:bodyPr>
+          <a:lstStyle/>
+          <a:p>
+            <a:r>
+              <a:rPr lang="de-DE" sz="800" dirty="0"/>
+              <a:t>Quelle: P. Sahle, „XML als Datenstruktur: Einführung in </a:t>
+            </a:r>
+            <a:r>
+              <a:rPr lang="de-DE" sz="800" dirty="0" err="1"/>
+              <a:t>Xpath</a:t>
+            </a:r>
+            <a:r>
+              <a:rPr lang="de-DE" sz="800" dirty="0"/>
+              <a:t>“, Winter School 2020, Wuppertal </a:t>
+            </a:r>
+            <a:r>
+              <a:rPr lang="de-DE" sz="800" dirty="0">
+                <a:hlinkClick r:id="rId2"/>
+              </a:rPr>
+              <a:t>https://www.i-d-e.de/wp-content/uploads/2020/02/02_XML-Einf%C3%BChrung.pdf</a:t>
+            </a:r>
+            <a:r>
+              <a:rPr lang="de-DE" sz="800" dirty="0"/>
+              <a:t> </a:t>
             </a:r>
           </a:p>
         </p:txBody>

--- a/SchulungenKGParl/Folien/XSLT.pptx
+++ b/SchulungenKGParl/Folien/XSLT.pptx
@@ -7,13 +7,36 @@
   <p:sldIdLst>
     <p:sldId id="256" r:id="rId2"/>
     <p:sldId id="257" r:id="rId3"/>
-    <p:sldId id="258" r:id="rId4"/>
-    <p:sldId id="259" r:id="rId5"/>
-    <p:sldId id="262" r:id="rId6"/>
-    <p:sldId id="266" r:id="rId7"/>
-    <p:sldId id="267" r:id="rId8"/>
-    <p:sldId id="263" r:id="rId9"/>
-    <p:sldId id="265" r:id="rId10"/>
+    <p:sldId id="277" r:id="rId4"/>
+    <p:sldId id="258" r:id="rId5"/>
+    <p:sldId id="259" r:id="rId6"/>
+    <p:sldId id="262" r:id="rId7"/>
+    <p:sldId id="266" r:id="rId8"/>
+    <p:sldId id="267" r:id="rId9"/>
+    <p:sldId id="276" r:id="rId10"/>
+    <p:sldId id="268" r:id="rId11"/>
+    <p:sldId id="269" r:id="rId12"/>
+    <p:sldId id="270" r:id="rId13"/>
+    <p:sldId id="271" r:id="rId14"/>
+    <p:sldId id="272" r:id="rId15"/>
+    <p:sldId id="273" r:id="rId16"/>
+    <p:sldId id="274" r:id="rId17"/>
+    <p:sldId id="275" r:id="rId18"/>
+    <p:sldId id="278" r:id="rId19"/>
+    <p:sldId id="279" r:id="rId20"/>
+    <p:sldId id="280" r:id="rId21"/>
+    <p:sldId id="283" r:id="rId22"/>
+    <p:sldId id="284" r:id="rId23"/>
+    <p:sldId id="285" r:id="rId24"/>
+    <p:sldId id="286" r:id="rId25"/>
+    <p:sldId id="287" r:id="rId26"/>
+    <p:sldId id="288" r:id="rId27"/>
+    <p:sldId id="289" r:id="rId28"/>
+    <p:sldId id="265" r:id="rId29"/>
+    <p:sldId id="292" r:id="rId30"/>
+    <p:sldId id="291" r:id="rId31"/>
+    <p:sldId id="293" r:id="rId32"/>
+    <p:sldId id="290" r:id="rId33"/>
   </p:sldIdLst>
   <p:sldSz cx="12192000" cy="6858000"/>
   <p:notesSz cx="6858000" cy="9144000"/>
@@ -471,7 +494,7 @@
           <a:p>
             <a:fld id="{AFBF6B35-73C7-4AB0-A79B-3856A72D124C}" type="datetimeFigureOut">
               <a:rPr lang="de-DE" smtClean="0"/>
-              <a:t>27.09.2021</a:t>
+              <a:t>02.10.2021</a:t>
             </a:fld>
             <a:endParaRPr lang="de-DE"/>
           </a:p>
@@ -669,7 +692,7 @@
           <a:p>
             <a:fld id="{AFBF6B35-73C7-4AB0-A79B-3856A72D124C}" type="datetimeFigureOut">
               <a:rPr lang="de-DE" smtClean="0"/>
-              <a:t>27.09.2021</a:t>
+              <a:t>02.10.2021</a:t>
             </a:fld>
             <a:endParaRPr lang="de-DE"/>
           </a:p>
@@ -877,7 +900,7 @@
           <a:p>
             <a:fld id="{AFBF6B35-73C7-4AB0-A79B-3856A72D124C}" type="datetimeFigureOut">
               <a:rPr lang="de-DE" smtClean="0"/>
-              <a:t>27.09.2021</a:t>
+              <a:t>02.10.2021</a:t>
             </a:fld>
             <a:endParaRPr lang="de-DE"/>
           </a:p>
@@ -1075,7 +1098,7 @@
           <a:p>
             <a:fld id="{AFBF6B35-73C7-4AB0-A79B-3856A72D124C}" type="datetimeFigureOut">
               <a:rPr lang="de-DE" smtClean="0"/>
-              <a:t>27.09.2021</a:t>
+              <a:t>02.10.2021</a:t>
             </a:fld>
             <a:endParaRPr lang="de-DE"/>
           </a:p>
@@ -1350,7 +1373,7 @@
           <a:p>
             <a:fld id="{AFBF6B35-73C7-4AB0-A79B-3856A72D124C}" type="datetimeFigureOut">
               <a:rPr lang="de-DE" smtClean="0"/>
-              <a:t>27.09.2021</a:t>
+              <a:t>02.10.2021</a:t>
             </a:fld>
             <a:endParaRPr lang="de-DE"/>
           </a:p>
@@ -1615,7 +1638,7 @@
           <a:p>
             <a:fld id="{AFBF6B35-73C7-4AB0-A79B-3856A72D124C}" type="datetimeFigureOut">
               <a:rPr lang="de-DE" smtClean="0"/>
-              <a:t>27.09.2021</a:t>
+              <a:t>02.10.2021</a:t>
             </a:fld>
             <a:endParaRPr lang="de-DE"/>
           </a:p>
@@ -2027,7 +2050,7 @@
           <a:p>
             <a:fld id="{AFBF6B35-73C7-4AB0-A79B-3856A72D124C}" type="datetimeFigureOut">
               <a:rPr lang="de-DE" smtClean="0"/>
-              <a:t>27.09.2021</a:t>
+              <a:t>02.10.2021</a:t>
             </a:fld>
             <a:endParaRPr lang="de-DE"/>
           </a:p>
@@ -2168,7 +2191,7 @@
           <a:p>
             <a:fld id="{AFBF6B35-73C7-4AB0-A79B-3856A72D124C}" type="datetimeFigureOut">
               <a:rPr lang="de-DE" smtClean="0"/>
-              <a:t>27.09.2021</a:t>
+              <a:t>02.10.2021</a:t>
             </a:fld>
             <a:endParaRPr lang="de-DE"/>
           </a:p>
@@ -2281,7 +2304,7 @@
           <a:p>
             <a:fld id="{AFBF6B35-73C7-4AB0-A79B-3856A72D124C}" type="datetimeFigureOut">
               <a:rPr lang="de-DE" smtClean="0"/>
-              <a:t>27.09.2021</a:t>
+              <a:t>02.10.2021</a:t>
             </a:fld>
             <a:endParaRPr lang="de-DE"/>
           </a:p>
@@ -2592,7 +2615,7 @@
           <a:p>
             <a:fld id="{AFBF6B35-73C7-4AB0-A79B-3856A72D124C}" type="datetimeFigureOut">
               <a:rPr lang="de-DE" smtClean="0"/>
-              <a:t>27.09.2021</a:t>
+              <a:t>02.10.2021</a:t>
             </a:fld>
             <a:endParaRPr lang="de-DE"/>
           </a:p>
@@ -2880,7 +2903,7 @@
           <a:p>
             <a:fld id="{AFBF6B35-73C7-4AB0-A79B-3856A72D124C}" type="datetimeFigureOut">
               <a:rPr lang="de-DE" smtClean="0"/>
-              <a:t>27.09.2021</a:t>
+              <a:t>02.10.2021</a:t>
             </a:fld>
             <a:endParaRPr lang="de-DE"/>
           </a:p>
@@ -3632,47 +3655,756 @@
           </a:p>
         </p:txBody>
       </p:sp>
+    </p:spTree>
+    <p:extLst>
+      <p:ext uri="{BB962C8B-B14F-4D97-AF65-F5344CB8AC3E}">
+        <p14:creationId xmlns:p14="http://schemas.microsoft.com/office/powerpoint/2010/main" val="1805568244"/>
+      </p:ext>
+    </p:extLst>
+  </p:cSld>
+  <p:clrMapOvr>
+    <a:masterClrMapping/>
+  </p:clrMapOvr>
+</p:sld>
+</file>
+
+<file path=ppt/slides/slide10.xml><?xml version="1.0" encoding="utf-8"?>
+<p:sld xmlns:a="http://schemas.openxmlformats.org/drawingml/2006/main" xmlns:r="http://schemas.openxmlformats.org/officeDocument/2006/relationships" xmlns:p="http://schemas.openxmlformats.org/presentationml/2006/main">
+  <p:cSld>
+    <p:spTree>
+      <p:nvGrpSpPr>
+        <p:cNvPr id="1" name=""/>
+        <p:cNvGrpSpPr/>
+        <p:nvPr/>
+      </p:nvGrpSpPr>
+      <p:grpSpPr>
+        <a:xfrm>
+          <a:off x="0" y="0"/>
+          <a:ext cx="0" cy="0"/>
+          <a:chOff x="0" y="0"/>
+          <a:chExt cx="0" cy="0"/>
+        </a:xfrm>
+      </p:grpSpPr>
       <p:sp>
         <p:nvSpPr>
-          <p:cNvPr id="4" name="Textfeld 3">
+          <p:cNvPr id="2" name="Titel 1">
             <a:extLst>
               <a:ext uri="{FF2B5EF4-FFF2-40B4-BE49-F238E27FC236}">
-                <a16:creationId xmlns:a16="http://schemas.microsoft.com/office/drawing/2014/main" id="{DB53235D-B926-4F9B-8131-E5DD39F45A00}"/>
+                <a16:creationId xmlns:a16="http://schemas.microsoft.com/office/drawing/2014/main" id="{D70E6152-862C-4795-92BA-319845791692}"/>
               </a:ext>
             </a:extLst>
           </p:cNvPr>
-          <p:cNvSpPr txBox="1"/>
-          <p:nvPr/>
+          <p:cNvSpPr>
+            <a:spLocks noGrp="1"/>
+          </p:cNvSpPr>
+          <p:nvPr>
+            <p:ph type="title"/>
+          </p:nvPr>
         </p:nvSpPr>
-        <p:spPr>
-          <a:xfrm>
-            <a:off x="2227811" y="5349875"/>
-            <a:ext cx="8503920" cy="1015663"/>
-          </a:xfrm>
-          <a:prstGeom prst="rect">
-            <a:avLst/>
-          </a:prstGeom>
-          <a:noFill/>
-        </p:spPr>
+        <p:spPr/>
         <p:txBody>
-          <a:bodyPr wrap="square" rtlCol="0">
-            <a:spAutoFit/>
+          <a:bodyPr/>
+          <a:lstStyle/>
+          <a:p>
+            <a:r>
+              <a:rPr lang="de-DE" dirty="0"/>
+              <a:t>Grundsätzliche Funktionsweise</a:t>
+            </a:r>
+          </a:p>
+        </p:txBody>
+      </p:sp>
+      <p:sp>
+        <p:nvSpPr>
+          <p:cNvPr id="3" name="Inhaltsplatzhalter 2">
+            <a:extLst>
+              <a:ext uri="{FF2B5EF4-FFF2-40B4-BE49-F238E27FC236}">
+                <a16:creationId xmlns:a16="http://schemas.microsoft.com/office/drawing/2014/main" id="{2096A097-61CD-44F5-8725-B91A0F5595B1}"/>
+              </a:ext>
+            </a:extLst>
+          </p:cNvPr>
+          <p:cNvSpPr>
+            <a:spLocks noGrp="1"/>
+          </p:cNvSpPr>
+          <p:nvPr>
+            <p:ph idx="1"/>
+          </p:nvPr>
+        </p:nvSpPr>
+        <p:spPr/>
+        <p:txBody>
+          <a:bodyPr>
+            <a:normAutofit fontScale="85000" lnSpcReduction="20000"/>
           </a:bodyPr>
           <a:lstStyle/>
           <a:p>
-            <a:r>
-              <a:rPr lang="de-DE" sz="2000" dirty="0"/>
-              <a:t>Quelle: P. Sahle, „Verarbeitung von XML mit XSLT: Einführung“, Winter School 2020, Wuppertal </a:t>
-            </a:r>
-            <a:r>
-              <a:rPr lang="de-DE" sz="2000" dirty="0">
-                <a:hlinkClick r:id="rId2"/>
-              </a:rPr>
-              <a:t>https://www.i-d-e.de/wp-content/uploads/2020/02/02_XML-Einf%C3%BChrung.pdf</a:t>
-            </a:r>
-            <a:r>
-              <a:rPr lang="de-DE" sz="2000" dirty="0"/>
+            <a:pPr marL="0" indent="0">
+              <a:buNone/>
+            </a:pPr>
+            <a:r>
+              <a:rPr lang="de-DE" dirty="0"/>
+              <a:t>Deutsch -&gt; XSLT</a:t>
+            </a:r>
+          </a:p>
+          <a:p>
+            <a:pPr marL="0" indent="0">
+              <a:buNone/>
+            </a:pPr>
+            <a:r>
+              <a:rPr lang="de-DE" sz="2400" dirty="0">
+                <a:solidFill>
+                  <a:srgbClr val="8A25C8"/>
+                </a:solidFill>
+                <a:latin typeface="Liberation Sans" panose="020B0604020202020204" pitchFamily="34" charset="0"/>
+              </a:rPr>
+              <a:t>&lt;?</a:t>
+            </a:r>
+            <a:r>
+              <a:rPr lang="de-DE" sz="2400" dirty="0" err="1">
+                <a:solidFill>
+                  <a:srgbClr val="8A25C8"/>
+                </a:solidFill>
+                <a:latin typeface="Liberation Sans" panose="020B0604020202020204" pitchFamily="34" charset="0"/>
+              </a:rPr>
+              <a:t>xml</a:t>
+            </a:r>
+            <a:r>
+              <a:rPr lang="de-DE" sz="2400" dirty="0">
+                <a:solidFill>
+                  <a:srgbClr val="8A25C8"/>
+                </a:solidFill>
+                <a:latin typeface="Liberation Sans" panose="020B0604020202020204" pitchFamily="34" charset="0"/>
+              </a:rPr>
               <a:t> </a:t>
+            </a:r>
+            <a:r>
+              <a:rPr lang="de-DE" sz="2400" dirty="0" err="1">
+                <a:solidFill>
+                  <a:srgbClr val="8A25C8"/>
+                </a:solidFill>
+                <a:latin typeface="Liberation Sans" panose="020B0604020202020204" pitchFamily="34" charset="0"/>
+              </a:rPr>
+              <a:t>version</a:t>
+            </a:r>
+            <a:r>
+              <a:rPr lang="de-DE" sz="2400" dirty="0">
+                <a:solidFill>
+                  <a:srgbClr val="8A25C8"/>
+                </a:solidFill>
+                <a:latin typeface="Liberation Sans" panose="020B0604020202020204" pitchFamily="34" charset="0"/>
+              </a:rPr>
+              <a:t>="1.0" </a:t>
+            </a:r>
+            <a:r>
+              <a:rPr lang="de-DE" sz="2400" dirty="0" err="1">
+                <a:solidFill>
+                  <a:srgbClr val="8A25C8"/>
+                </a:solidFill>
+                <a:latin typeface="Liberation Sans" panose="020B0604020202020204" pitchFamily="34" charset="0"/>
+              </a:rPr>
+              <a:t>encoding</a:t>
+            </a:r>
+            <a:r>
+              <a:rPr lang="de-DE" sz="2400" dirty="0">
+                <a:solidFill>
+                  <a:srgbClr val="8A25C8"/>
+                </a:solidFill>
+                <a:latin typeface="Liberation Sans" panose="020B0604020202020204" pitchFamily="34" charset="0"/>
+              </a:rPr>
+              <a:t>="UTF-8"?&gt;</a:t>
+            </a:r>
+          </a:p>
+          <a:p>
+            <a:pPr marL="0" indent="0">
+              <a:buNone/>
+            </a:pPr>
+            <a:r>
+              <a:rPr lang="de-DE" sz="2400" dirty="0">
+                <a:solidFill>
+                  <a:srgbClr val="005AB4"/>
+                </a:solidFill>
+                <a:latin typeface="Liberation Sans" panose="020B0604020202020204" pitchFamily="34" charset="0"/>
+              </a:rPr>
+              <a:t>&lt;</a:t>
+            </a:r>
+            <a:r>
+              <a:rPr lang="de-DE" sz="2400" dirty="0" err="1">
+                <a:solidFill>
+                  <a:srgbClr val="005AB4"/>
+                </a:solidFill>
+                <a:latin typeface="Liberation Sans" panose="020B0604020202020204" pitchFamily="34" charset="0"/>
+              </a:rPr>
+              <a:t>xsl:stylesheet</a:t>
+            </a:r>
+            <a:r>
+              <a:rPr lang="de-DE" sz="2400" dirty="0">
+                <a:solidFill>
+                  <a:srgbClr val="005AB4"/>
+                </a:solidFill>
+                <a:latin typeface="Liberation Sans" panose="020B0604020202020204" pitchFamily="34" charset="0"/>
+              </a:rPr>
+              <a:t> </a:t>
+            </a:r>
+            <a:r>
+              <a:rPr lang="de-DE" sz="2400" dirty="0" err="1">
+                <a:solidFill>
+                  <a:srgbClr val="0099CC"/>
+                </a:solidFill>
+                <a:latin typeface="Liberation Sans" panose="020B0604020202020204" pitchFamily="34" charset="0"/>
+              </a:rPr>
+              <a:t>xmlns:xsl</a:t>
+            </a:r>
+            <a:r>
+              <a:rPr lang="de-DE" sz="2400" dirty="0">
+                <a:solidFill>
+                  <a:srgbClr val="FF8040"/>
+                </a:solidFill>
+                <a:latin typeface="Liberation Sans" panose="020B0604020202020204" pitchFamily="34" charset="0"/>
+              </a:rPr>
+              <a:t>=</a:t>
+            </a:r>
+            <a:r>
+              <a:rPr lang="de-DE" sz="2400" u="sng" dirty="0">
+                <a:solidFill>
+                  <a:srgbClr val="993300"/>
+                </a:solidFill>
+                <a:latin typeface="Liberation Sans" panose="020B0604020202020204" pitchFamily="34" charset="0"/>
+                <a:hlinkClick r:id="rId2">
+                  <a:extLst>
+                    <a:ext uri="{A12FA001-AC4F-418D-AE19-62706E023703}">
+                      <ahyp:hlinkClr xmlns:ahyp="http://schemas.microsoft.com/office/drawing/2018/hyperlinkcolor" val="tx"/>
+                    </a:ext>
+                  </a:extLst>
+                </a:hlinkClick>
+              </a:rPr>
+              <a:t>"</a:t>
+            </a:r>
+            <a:r>
+              <a:rPr lang="de-DE" sz="2400" dirty="0">
+                <a:solidFill>
+                  <a:srgbClr val="0000FF"/>
+                </a:solidFill>
+                <a:latin typeface="Liberation Sans" panose="020B0604020202020204" pitchFamily="34" charset="0"/>
+                <a:hlinkClick r:id="rId2">
+                  <a:extLst>
+                    <a:ext uri="{A12FA001-AC4F-418D-AE19-62706E023703}">
+                      <ahyp:hlinkClr xmlns:ahyp="http://schemas.microsoft.com/office/drawing/2018/hyperlinkcolor" val="tx"/>
+                    </a:ext>
+                  </a:extLst>
+                </a:hlinkClick>
+              </a:rPr>
+              <a:t>http://www.w3.o g/1999/XSL/Transform</a:t>
+            </a:r>
+            <a:r>
+              <a:rPr lang="de-DE" sz="2400" dirty="0">
+                <a:solidFill>
+                  <a:srgbClr val="0000FF"/>
+                </a:solidFill>
+                <a:latin typeface="Liberation Sans" panose="020B0604020202020204" pitchFamily="34" charset="0"/>
+                <a:hlinkClick r:id="rId2">
+                  <a:extLst>
+                    <a:ext uri="{A12FA001-AC4F-418D-AE19-62706E023703}">
+                      <ahyp:hlinkClr xmlns:ahyp="http://schemas.microsoft.com/office/drawing/2018/hyperlinkcolor" val="tx"/>
+                    </a:ext>
+                  </a:extLst>
+                </a:hlinkClick>
+              </a:rPr>
+              <a:t>"</a:t>
+            </a:r>
+            <a:endParaRPr lang="de-DE" sz="2400" dirty="0">
+              <a:solidFill>
+                <a:srgbClr val="0000FF"/>
+              </a:solidFill>
+              <a:latin typeface="Liberation Sans" panose="020B0604020202020204" pitchFamily="34" charset="0"/>
+            </a:endParaRPr>
+          </a:p>
+          <a:p>
+            <a:pPr marL="0" indent="0">
+              <a:buNone/>
+            </a:pPr>
+            <a:r>
+              <a:rPr lang="de-DE" sz="2400" dirty="0">
+                <a:solidFill>
+                  <a:srgbClr val="0000FF"/>
+                </a:solidFill>
+                <a:latin typeface="Liberation Sans" panose="020B0604020202020204" pitchFamily="34" charset="0"/>
+              </a:rPr>
+              <a:t> </a:t>
+            </a:r>
+            <a:r>
+              <a:rPr lang="de-DE" sz="2400" dirty="0" err="1">
+                <a:solidFill>
+                  <a:srgbClr val="F5844B"/>
+                </a:solidFill>
+                <a:latin typeface="Liberation Sans" panose="020B0604020202020204" pitchFamily="34" charset="0"/>
+              </a:rPr>
+              <a:t>version</a:t>
+            </a:r>
+            <a:r>
+              <a:rPr lang="de-DE" sz="2400" dirty="0">
+                <a:solidFill>
+                  <a:srgbClr val="FF8040"/>
+                </a:solidFill>
+                <a:latin typeface="Liberation Sans" panose="020B0604020202020204" pitchFamily="34" charset="0"/>
+              </a:rPr>
+              <a:t>=</a:t>
+            </a:r>
+            <a:r>
+              <a:rPr lang="de-DE" sz="2400" dirty="0">
+                <a:solidFill>
+                  <a:srgbClr val="993300"/>
+                </a:solidFill>
+                <a:latin typeface="Liberation Sans" panose="020B0604020202020204" pitchFamily="34" charset="0"/>
+              </a:rPr>
+              <a:t>"2.0"</a:t>
+            </a:r>
+            <a:r>
+              <a:rPr lang="de-DE" sz="2400" dirty="0">
+                <a:solidFill>
+                  <a:srgbClr val="000095"/>
+                </a:solidFill>
+                <a:latin typeface="Liberation Sans" panose="020B0604020202020204" pitchFamily="34" charset="0"/>
+              </a:rPr>
+              <a:t>&gt; </a:t>
+            </a:r>
+          </a:p>
+          <a:p>
+            <a:pPr marL="0" indent="0">
+              <a:buNone/>
+            </a:pPr>
+            <a:r>
+              <a:rPr lang="de-DE" sz="2400" dirty="0">
+                <a:solidFill>
+                  <a:srgbClr val="005AB4"/>
+                </a:solidFill>
+                <a:latin typeface="Liberation Sans" panose="020B0604020202020204" pitchFamily="34" charset="0"/>
+              </a:rPr>
+              <a:t>    &lt;</a:t>
+            </a:r>
+            <a:r>
+              <a:rPr lang="de-DE" sz="2400" dirty="0" err="1">
+                <a:solidFill>
+                  <a:srgbClr val="005AB4"/>
+                </a:solidFill>
+                <a:latin typeface="Liberation Sans" panose="020B0604020202020204" pitchFamily="34" charset="0"/>
+              </a:rPr>
+              <a:t>xsl:template</a:t>
+            </a:r>
+            <a:r>
+              <a:rPr lang="de-DE" sz="2400" dirty="0">
+                <a:solidFill>
+                  <a:srgbClr val="005AB4"/>
+                </a:solidFill>
+                <a:latin typeface="Liberation Sans" panose="020B0604020202020204" pitchFamily="34" charset="0"/>
+              </a:rPr>
+              <a:t> </a:t>
+            </a:r>
+            <a:r>
+              <a:rPr lang="de-DE" sz="2400" dirty="0" err="1">
+                <a:solidFill>
+                  <a:srgbClr val="F5844B"/>
+                </a:solidFill>
+                <a:latin typeface="Liberation Sans" panose="020B0604020202020204" pitchFamily="34" charset="0"/>
+              </a:rPr>
+              <a:t>match</a:t>
+            </a:r>
+            <a:r>
+              <a:rPr lang="de-DE" sz="2400" dirty="0">
+                <a:solidFill>
+                  <a:srgbClr val="FF8040"/>
+                </a:solidFill>
+                <a:latin typeface="Liberation Sans" panose="020B0604020202020204" pitchFamily="34" charset="0"/>
+              </a:rPr>
+              <a:t>=</a:t>
+            </a:r>
+            <a:r>
+              <a:rPr lang="de-DE" sz="2400" dirty="0">
+                <a:solidFill>
+                  <a:srgbClr val="993300"/>
+                </a:solidFill>
+                <a:latin typeface="Liberation Sans" panose="020B0604020202020204" pitchFamily="34" charset="0"/>
+              </a:rPr>
+              <a:t>"/"</a:t>
+            </a:r>
+            <a:r>
+              <a:rPr lang="de-DE" sz="2400" dirty="0">
+                <a:solidFill>
+                  <a:srgbClr val="000095"/>
+                </a:solidFill>
+                <a:latin typeface="Liberation Sans" panose="020B0604020202020204" pitchFamily="34" charset="0"/>
+              </a:rPr>
+              <a:t>&gt;</a:t>
+            </a:r>
+          </a:p>
+          <a:p>
+            <a:pPr marL="914400" lvl="2" indent="0">
+              <a:buNone/>
+            </a:pPr>
+            <a:r>
+              <a:rPr lang="de-DE" sz="2400" dirty="0">
+                <a:solidFill>
+                  <a:srgbClr val="000095"/>
+                </a:solidFill>
+                <a:latin typeface="Liberation Sans" panose="020B0604020202020204" pitchFamily="34" charset="0"/>
+              </a:rPr>
+              <a:t>&lt;h1&gt;</a:t>
+            </a:r>
+          </a:p>
+          <a:p>
+            <a:pPr marL="1371600" lvl="3" indent="0">
+              <a:buNone/>
+            </a:pPr>
+            <a:r>
+              <a:rPr lang="de-DE" sz="2400" dirty="0">
+                <a:solidFill>
+                  <a:srgbClr val="005AB4"/>
+                </a:solidFill>
+                <a:latin typeface="Liberation Sans" panose="020B0604020202020204" pitchFamily="34" charset="0"/>
+              </a:rPr>
+              <a:t>&lt;</a:t>
+            </a:r>
+            <a:r>
+              <a:rPr lang="de-DE" sz="2400" dirty="0" err="1">
+                <a:solidFill>
+                  <a:srgbClr val="005AB4"/>
+                </a:solidFill>
+                <a:latin typeface="Liberation Sans" panose="020B0604020202020204" pitchFamily="34" charset="0"/>
+              </a:rPr>
+              <a:t>xsl:value-of</a:t>
+            </a:r>
+            <a:r>
+              <a:rPr lang="de-DE" sz="2400" dirty="0">
+                <a:solidFill>
+                  <a:srgbClr val="005AB4"/>
+                </a:solidFill>
+                <a:latin typeface="Liberation Sans" panose="020B0604020202020204" pitchFamily="34" charset="0"/>
+              </a:rPr>
+              <a:t> </a:t>
+            </a:r>
+            <a:r>
+              <a:rPr lang="de-DE" sz="2400" dirty="0" err="1">
+                <a:solidFill>
+                  <a:srgbClr val="F5844B"/>
+                </a:solidFill>
+                <a:latin typeface="Liberation Sans" panose="020B0604020202020204" pitchFamily="34" charset="0"/>
+              </a:rPr>
+              <a:t>select</a:t>
+            </a:r>
+            <a:r>
+              <a:rPr lang="de-DE" sz="2400" dirty="0">
+                <a:solidFill>
+                  <a:srgbClr val="FF8040"/>
+                </a:solidFill>
+                <a:latin typeface="Liberation Sans" panose="020B0604020202020204" pitchFamily="34" charset="0"/>
+              </a:rPr>
+              <a:t>=</a:t>
+            </a:r>
+            <a:r>
+              <a:rPr lang="de-DE" sz="2400" dirty="0">
+                <a:solidFill>
+                  <a:srgbClr val="993300"/>
+                </a:solidFill>
+                <a:latin typeface="Liberation Sans" panose="020B0604020202020204" pitchFamily="34" charset="0"/>
+              </a:rPr>
+              <a:t>"//</a:t>
+            </a:r>
+            <a:r>
+              <a:rPr lang="de-DE" sz="2400" dirty="0" err="1">
+                <a:solidFill>
+                  <a:srgbClr val="993300"/>
+                </a:solidFill>
+                <a:latin typeface="Liberation Sans" panose="020B0604020202020204" pitchFamily="34" charset="0"/>
+              </a:rPr>
+              <a:t>titel</a:t>
+            </a:r>
+            <a:r>
+              <a:rPr lang="de-DE" sz="2400" dirty="0">
+                <a:solidFill>
+                  <a:srgbClr val="993300"/>
+                </a:solidFill>
+                <a:latin typeface="Liberation Sans" panose="020B0604020202020204" pitchFamily="34" charset="0"/>
+              </a:rPr>
+              <a:t>" </a:t>
+            </a:r>
+            <a:r>
+              <a:rPr lang="de-DE" sz="2400" dirty="0">
+                <a:solidFill>
+                  <a:srgbClr val="000095"/>
+                </a:solidFill>
+                <a:latin typeface="Liberation Sans" panose="020B0604020202020204" pitchFamily="34" charset="0"/>
+              </a:rPr>
+              <a:t>/&gt;</a:t>
+            </a:r>
+          </a:p>
+          <a:p>
+            <a:pPr marL="914400" lvl="2" indent="0">
+              <a:buNone/>
+            </a:pPr>
+            <a:r>
+              <a:rPr lang="de-DE" sz="2400" dirty="0">
+                <a:solidFill>
+                  <a:srgbClr val="000095"/>
+                </a:solidFill>
+                <a:latin typeface="Liberation Sans" panose="020B0604020202020204" pitchFamily="34" charset="0"/>
+              </a:rPr>
+              <a:t>&lt;/h1&gt;</a:t>
+            </a:r>
+          </a:p>
+          <a:p>
+            <a:pPr marL="914400" lvl="2" indent="0">
+              <a:buNone/>
+            </a:pPr>
+            <a:r>
+              <a:rPr lang="en-US" sz="2400" dirty="0">
+                <a:solidFill>
+                  <a:srgbClr val="005AB4"/>
+                </a:solidFill>
+                <a:latin typeface="Liberation Sans" panose="020B0604020202020204" pitchFamily="34" charset="0"/>
+              </a:rPr>
+              <a:t>&lt;</a:t>
+            </a:r>
+            <a:r>
+              <a:rPr lang="en-US" sz="2400" dirty="0" err="1">
+                <a:solidFill>
+                  <a:srgbClr val="005AB4"/>
+                </a:solidFill>
+                <a:latin typeface="Liberation Sans" panose="020B0604020202020204" pitchFamily="34" charset="0"/>
+              </a:rPr>
+              <a:t>xsl:text</a:t>
+            </a:r>
+            <a:r>
+              <a:rPr lang="en-US" sz="2400" dirty="0">
+                <a:solidFill>
+                  <a:srgbClr val="005AB4"/>
+                </a:solidFill>
+                <a:latin typeface="Liberation Sans" panose="020B0604020202020204" pitchFamily="34" charset="0"/>
+              </a:rPr>
+              <a:t>&gt;Hallo Welt&lt;/</a:t>
+            </a:r>
+            <a:r>
+              <a:rPr lang="en-US" sz="2400" dirty="0" err="1">
+                <a:solidFill>
+                  <a:srgbClr val="005AB4"/>
+                </a:solidFill>
+                <a:latin typeface="Liberation Sans" panose="020B0604020202020204" pitchFamily="34" charset="0"/>
+              </a:rPr>
+              <a:t>xsl:text</a:t>
+            </a:r>
+            <a:r>
+              <a:rPr lang="en-US" sz="2400" dirty="0">
+                <a:solidFill>
+                  <a:srgbClr val="005AB4"/>
+                </a:solidFill>
+                <a:latin typeface="Liberation Sans" panose="020B0604020202020204" pitchFamily="34" charset="0"/>
+              </a:rPr>
+              <a:t>&gt;</a:t>
+            </a:r>
+          </a:p>
+          <a:p>
+            <a:pPr marL="0" indent="0">
+              <a:buNone/>
+            </a:pPr>
+            <a:r>
+              <a:rPr lang="de-DE" sz="2400" dirty="0">
+                <a:solidFill>
+                  <a:srgbClr val="005AB4"/>
+                </a:solidFill>
+                <a:latin typeface="Liberation Sans" panose="020B0604020202020204" pitchFamily="34" charset="0"/>
+              </a:rPr>
+              <a:t>    &lt;/</a:t>
+            </a:r>
+            <a:r>
+              <a:rPr lang="de-DE" sz="2400" dirty="0" err="1">
+                <a:solidFill>
+                  <a:srgbClr val="005AB4"/>
+                </a:solidFill>
+                <a:latin typeface="Liberation Sans" panose="020B0604020202020204" pitchFamily="34" charset="0"/>
+              </a:rPr>
+              <a:t>xsl:template</a:t>
+            </a:r>
+            <a:r>
+              <a:rPr lang="de-DE" sz="2400" dirty="0">
+                <a:solidFill>
+                  <a:srgbClr val="005AB4"/>
+                </a:solidFill>
+                <a:latin typeface="Liberation Sans" panose="020B0604020202020204" pitchFamily="34" charset="0"/>
+              </a:rPr>
+              <a:t>&gt;</a:t>
+            </a:r>
+          </a:p>
+          <a:p>
+            <a:pPr marL="0" indent="0">
+              <a:buNone/>
+            </a:pPr>
+            <a:r>
+              <a:rPr lang="de-DE" sz="2400" dirty="0">
+                <a:solidFill>
+                  <a:srgbClr val="005AB4"/>
+                </a:solidFill>
+                <a:latin typeface="Liberation Sans" panose="020B0604020202020204" pitchFamily="34" charset="0"/>
+              </a:rPr>
+              <a:t>   </a:t>
+            </a:r>
+          </a:p>
+          <a:p>
+            <a:pPr marL="0" indent="0">
+              <a:buNone/>
+            </a:pPr>
+            <a:r>
+              <a:rPr lang="de-DE" sz="2400" dirty="0">
+                <a:solidFill>
+                  <a:srgbClr val="005AB4"/>
+                </a:solidFill>
+                <a:latin typeface="Liberation Sans" panose="020B0604020202020204" pitchFamily="34" charset="0"/>
+              </a:rPr>
+              <a:t>    &lt;</a:t>
+            </a:r>
+            <a:r>
+              <a:rPr lang="de-DE" sz="2400" dirty="0" err="1">
+                <a:solidFill>
+                  <a:srgbClr val="005AB4"/>
+                </a:solidFill>
+                <a:latin typeface="Liberation Sans" panose="020B0604020202020204" pitchFamily="34" charset="0"/>
+              </a:rPr>
+              <a:t>xsl:template</a:t>
+            </a:r>
+            <a:r>
+              <a:rPr lang="de-DE" sz="2400" dirty="0">
+                <a:solidFill>
+                  <a:srgbClr val="005AB4"/>
+                </a:solidFill>
+                <a:latin typeface="Liberation Sans" panose="020B0604020202020204" pitchFamily="34" charset="0"/>
+              </a:rPr>
+              <a:t> </a:t>
+            </a:r>
+            <a:r>
+              <a:rPr lang="de-DE" sz="2400" dirty="0" err="1">
+                <a:solidFill>
+                  <a:srgbClr val="F5844B"/>
+                </a:solidFill>
+                <a:latin typeface="Liberation Sans" panose="020B0604020202020204" pitchFamily="34" charset="0"/>
+              </a:rPr>
+              <a:t>match</a:t>
+            </a:r>
+            <a:r>
+              <a:rPr lang="de-DE" sz="2400" dirty="0">
+                <a:solidFill>
+                  <a:srgbClr val="FF8040"/>
+                </a:solidFill>
+                <a:latin typeface="Liberation Sans" panose="020B0604020202020204" pitchFamily="34" charset="0"/>
+              </a:rPr>
+              <a:t>=</a:t>
+            </a:r>
+            <a:r>
+              <a:rPr lang="de-DE" sz="2400" dirty="0">
+                <a:solidFill>
+                  <a:srgbClr val="993300"/>
+                </a:solidFill>
+                <a:latin typeface="Liberation Sans" panose="020B0604020202020204" pitchFamily="34" charset="0"/>
+              </a:rPr>
+              <a:t>"</a:t>
+            </a:r>
+            <a:r>
+              <a:rPr lang="de-DE" sz="2400" dirty="0" err="1">
+                <a:solidFill>
+                  <a:srgbClr val="993300"/>
+                </a:solidFill>
+                <a:latin typeface="Liberation Sans" panose="020B0604020202020204" pitchFamily="34" charset="0"/>
+              </a:rPr>
+              <a:t>lb</a:t>
+            </a:r>
+            <a:r>
+              <a:rPr lang="de-DE" sz="2400" dirty="0">
+                <a:solidFill>
+                  <a:srgbClr val="993300"/>
+                </a:solidFill>
+                <a:latin typeface="Liberation Sans" panose="020B0604020202020204" pitchFamily="34" charset="0"/>
+              </a:rPr>
+              <a:t>"</a:t>
+            </a:r>
+            <a:r>
+              <a:rPr lang="de-DE" sz="2400" dirty="0">
+                <a:solidFill>
+                  <a:srgbClr val="000095"/>
+                </a:solidFill>
+                <a:latin typeface="Liberation Sans" panose="020B0604020202020204" pitchFamily="34" charset="0"/>
+              </a:rPr>
+              <a:t>&gt;&lt;</a:t>
+            </a:r>
+            <a:r>
+              <a:rPr lang="de-DE" sz="2400" dirty="0" err="1">
+                <a:solidFill>
+                  <a:srgbClr val="000095"/>
+                </a:solidFill>
+                <a:latin typeface="Liberation Sans" panose="020B0604020202020204" pitchFamily="34" charset="0"/>
+              </a:rPr>
+              <a:t>br</a:t>
+            </a:r>
+            <a:r>
+              <a:rPr lang="de-DE" sz="2400" dirty="0">
+                <a:solidFill>
+                  <a:srgbClr val="000095"/>
+                </a:solidFill>
+                <a:latin typeface="Liberation Sans" panose="020B0604020202020204" pitchFamily="34" charset="0"/>
+              </a:rPr>
+              <a:t>/&gt;</a:t>
+            </a:r>
+            <a:r>
+              <a:rPr lang="de-DE" sz="2400" dirty="0">
+                <a:solidFill>
+                  <a:srgbClr val="005AB4"/>
+                </a:solidFill>
+                <a:latin typeface="Liberation Sans" panose="020B0604020202020204" pitchFamily="34" charset="0"/>
+              </a:rPr>
+              <a:t>&lt;/</a:t>
+            </a:r>
+            <a:r>
+              <a:rPr lang="de-DE" sz="2400" dirty="0" err="1">
+                <a:solidFill>
+                  <a:srgbClr val="005AB4"/>
+                </a:solidFill>
+                <a:latin typeface="Liberation Sans" panose="020B0604020202020204" pitchFamily="34" charset="0"/>
+              </a:rPr>
+              <a:t>xsl:template</a:t>
+            </a:r>
+            <a:r>
+              <a:rPr lang="de-DE" sz="2400" dirty="0">
+                <a:solidFill>
+                  <a:srgbClr val="005AB4"/>
+                </a:solidFill>
+                <a:latin typeface="Liberation Sans" panose="020B0604020202020204" pitchFamily="34" charset="0"/>
+              </a:rPr>
+              <a:t>&gt;</a:t>
+            </a:r>
+          </a:p>
+          <a:p>
+            <a:pPr marL="0" indent="0">
+              <a:buNone/>
+            </a:pPr>
+            <a:r>
+              <a:rPr lang="de-DE" sz="2400" dirty="0">
+                <a:solidFill>
+                  <a:srgbClr val="005AB4"/>
+                </a:solidFill>
+                <a:latin typeface="Liberation Sans" panose="020B0604020202020204" pitchFamily="34" charset="0"/>
+              </a:rPr>
+              <a:t>&lt;/</a:t>
+            </a:r>
+            <a:r>
+              <a:rPr lang="de-DE" sz="2400" dirty="0" err="1">
+                <a:solidFill>
+                  <a:srgbClr val="005AB4"/>
+                </a:solidFill>
+                <a:latin typeface="Liberation Sans" panose="020B0604020202020204" pitchFamily="34" charset="0"/>
+              </a:rPr>
+              <a:t>xsl:stylesheet</a:t>
+            </a:r>
+            <a:r>
+              <a:rPr lang="de-DE" sz="2400" dirty="0">
+                <a:solidFill>
+                  <a:srgbClr val="005AB4"/>
+                </a:solidFill>
+                <a:latin typeface="Liberation Sans" panose="020B0604020202020204" pitchFamily="34" charset="0"/>
+              </a:rPr>
+              <a:t>&gt;</a:t>
             </a:r>
           </a:p>
         </p:txBody>
@@ -3680,7 +4412,3367 @@
     </p:spTree>
     <p:extLst>
       <p:ext uri="{BB962C8B-B14F-4D97-AF65-F5344CB8AC3E}">
-        <p14:creationId xmlns:p14="http://schemas.microsoft.com/office/powerpoint/2010/main" val="1805568244"/>
+        <p14:creationId xmlns:p14="http://schemas.microsoft.com/office/powerpoint/2010/main" val="3917153256"/>
+      </p:ext>
+    </p:extLst>
+  </p:cSld>
+  <p:clrMapOvr>
+    <a:masterClrMapping/>
+  </p:clrMapOvr>
+</p:sld>
+</file>
+
+<file path=ppt/slides/slide11.xml><?xml version="1.0" encoding="utf-8"?>
+<p:sld xmlns:a="http://schemas.openxmlformats.org/drawingml/2006/main" xmlns:r="http://schemas.openxmlformats.org/officeDocument/2006/relationships" xmlns:p="http://schemas.openxmlformats.org/presentationml/2006/main">
+  <p:cSld>
+    <p:spTree>
+      <p:nvGrpSpPr>
+        <p:cNvPr id="1" name=""/>
+        <p:cNvGrpSpPr/>
+        <p:nvPr/>
+      </p:nvGrpSpPr>
+      <p:grpSpPr>
+        <a:xfrm>
+          <a:off x="0" y="0"/>
+          <a:ext cx="0" cy="0"/>
+          <a:chOff x="0" y="0"/>
+          <a:chExt cx="0" cy="0"/>
+        </a:xfrm>
+      </p:grpSpPr>
+      <p:sp>
+        <p:nvSpPr>
+          <p:cNvPr id="2" name="Titel 1">
+            <a:extLst>
+              <a:ext uri="{FF2B5EF4-FFF2-40B4-BE49-F238E27FC236}">
+                <a16:creationId xmlns:a16="http://schemas.microsoft.com/office/drawing/2014/main" id="{1155EBEC-B1B1-4907-8925-420F014FD501}"/>
+              </a:ext>
+            </a:extLst>
+          </p:cNvPr>
+          <p:cNvSpPr>
+            <a:spLocks noGrp="1"/>
+          </p:cNvSpPr>
+          <p:nvPr>
+            <p:ph type="title"/>
+          </p:nvPr>
+        </p:nvSpPr>
+        <p:spPr/>
+        <p:txBody>
+          <a:bodyPr/>
+          <a:lstStyle/>
+          <a:p>
+            <a:r>
+              <a:rPr lang="de-DE" dirty="0"/>
+              <a:t>Ein XSLT-Stylesheet in </a:t>
+            </a:r>
+            <a:r>
+              <a:rPr lang="de-DE" dirty="0" err="1"/>
+              <a:t>oXygen</a:t>
+            </a:r>
+            <a:endParaRPr lang="de-DE" dirty="0"/>
+          </a:p>
+        </p:txBody>
+      </p:sp>
+      <p:sp>
+        <p:nvSpPr>
+          <p:cNvPr id="3" name="Inhaltsplatzhalter 2">
+            <a:extLst>
+              <a:ext uri="{FF2B5EF4-FFF2-40B4-BE49-F238E27FC236}">
+                <a16:creationId xmlns:a16="http://schemas.microsoft.com/office/drawing/2014/main" id="{EB1522D0-84FF-4658-B420-8A2BB8AB3CA1}"/>
+              </a:ext>
+            </a:extLst>
+          </p:cNvPr>
+          <p:cNvSpPr>
+            <a:spLocks noGrp="1"/>
+          </p:cNvSpPr>
+          <p:nvPr>
+            <p:ph idx="1"/>
+          </p:nvPr>
+        </p:nvSpPr>
+        <p:spPr>
+          <a:xfrm>
+            <a:off x="838200" y="1825625"/>
+            <a:ext cx="6360622" cy="4351338"/>
+          </a:xfrm>
+        </p:spPr>
+        <p:txBody>
+          <a:bodyPr>
+            <a:normAutofit/>
+          </a:bodyPr>
+          <a:lstStyle/>
+          <a:p>
+            <a:r>
+              <a:rPr lang="de-DE" dirty="0" err="1">
+                <a:latin typeface="Carlito" panose="020F0502020204030204" pitchFamily="34" charset="0"/>
+              </a:rPr>
+              <a:t>Strg+n</a:t>
+            </a:r>
+            <a:endParaRPr lang="de-DE" dirty="0">
+              <a:latin typeface="Carlito" panose="020F0502020204030204" pitchFamily="34" charset="0"/>
+            </a:endParaRPr>
+          </a:p>
+          <a:p>
+            <a:pPr marL="0" indent="0">
+              <a:buNone/>
+            </a:pPr>
+            <a:endParaRPr lang="de-DE" dirty="0">
+              <a:latin typeface="Carlito" panose="020F0502020204030204" pitchFamily="34" charset="0"/>
+            </a:endParaRPr>
+          </a:p>
+          <a:p>
+            <a:pPr marL="0" indent="0">
+              <a:buNone/>
+            </a:pPr>
+            <a:r>
+              <a:rPr lang="de-DE" sz="1800" dirty="0">
+                <a:solidFill>
+                  <a:srgbClr val="8A25C8"/>
+                </a:solidFill>
+                <a:latin typeface="Calibri" panose="020F0502020204030204" pitchFamily="34" charset="0"/>
+              </a:rPr>
+              <a:t>&lt;?</a:t>
+            </a:r>
+            <a:r>
+              <a:rPr lang="de-DE" sz="1800" dirty="0" err="1">
+                <a:solidFill>
+                  <a:srgbClr val="8A25C8"/>
+                </a:solidFill>
+                <a:latin typeface="Calibri" panose="020F0502020204030204" pitchFamily="34" charset="0"/>
+              </a:rPr>
+              <a:t>xml</a:t>
+            </a:r>
+            <a:r>
+              <a:rPr lang="de-DE" sz="1800" dirty="0">
+                <a:solidFill>
+                  <a:srgbClr val="8A25C8"/>
+                </a:solidFill>
+                <a:latin typeface="Calibri" panose="020F0502020204030204" pitchFamily="34" charset="0"/>
+              </a:rPr>
+              <a:t> </a:t>
+            </a:r>
+            <a:r>
+              <a:rPr lang="de-DE" sz="1800" dirty="0" err="1">
+                <a:solidFill>
+                  <a:srgbClr val="8A25C8"/>
+                </a:solidFill>
+                <a:latin typeface="Calibri" panose="020F0502020204030204" pitchFamily="34" charset="0"/>
+              </a:rPr>
+              <a:t>version</a:t>
+            </a:r>
+            <a:r>
+              <a:rPr lang="de-DE" sz="1800" dirty="0">
+                <a:solidFill>
+                  <a:srgbClr val="8A25C8"/>
+                </a:solidFill>
+                <a:latin typeface="Calibri" panose="020F0502020204030204" pitchFamily="34" charset="0"/>
+              </a:rPr>
+              <a:t>="1.0" </a:t>
+            </a:r>
+            <a:r>
+              <a:rPr lang="de-DE" sz="1800" dirty="0" err="1">
+                <a:solidFill>
+                  <a:srgbClr val="8A25C8"/>
+                </a:solidFill>
+                <a:latin typeface="Calibri" panose="020F0502020204030204" pitchFamily="34" charset="0"/>
+              </a:rPr>
+              <a:t>encoding</a:t>
+            </a:r>
+            <a:r>
+              <a:rPr lang="de-DE" sz="1800" dirty="0">
+                <a:solidFill>
+                  <a:srgbClr val="8A25C8"/>
+                </a:solidFill>
+                <a:latin typeface="Calibri" panose="020F0502020204030204" pitchFamily="34" charset="0"/>
+              </a:rPr>
+              <a:t>="UTF-8"?&gt;</a:t>
+            </a:r>
+          </a:p>
+          <a:p>
+            <a:pPr marL="0" indent="0">
+              <a:buNone/>
+            </a:pPr>
+            <a:r>
+              <a:rPr lang="en-US" sz="1800" dirty="0">
+                <a:solidFill>
+                  <a:srgbClr val="005AB4"/>
+                </a:solidFill>
+                <a:latin typeface="Calibri" panose="020F0502020204030204" pitchFamily="34" charset="0"/>
+              </a:rPr>
+              <a:t>&lt;</a:t>
+            </a:r>
+            <a:r>
+              <a:rPr lang="en-US" sz="1800" dirty="0" err="1">
+                <a:solidFill>
+                  <a:srgbClr val="005AB4"/>
+                </a:solidFill>
+                <a:latin typeface="Calibri" panose="020F0502020204030204" pitchFamily="34" charset="0"/>
+              </a:rPr>
+              <a:t>xsl:stylesheet</a:t>
+            </a:r>
+            <a:r>
+              <a:rPr lang="en-US" sz="1800" dirty="0">
+                <a:solidFill>
+                  <a:srgbClr val="005AB4"/>
+                </a:solidFill>
+                <a:latin typeface="Calibri" panose="020F0502020204030204" pitchFamily="34" charset="0"/>
+              </a:rPr>
+              <a:t>        </a:t>
+            </a:r>
+            <a:r>
+              <a:rPr lang="en-US" sz="1800" dirty="0" err="1">
+                <a:solidFill>
+                  <a:srgbClr val="0099CC"/>
+                </a:solidFill>
+                <a:latin typeface="Calibri" panose="020F0502020204030204" pitchFamily="34" charset="0"/>
+              </a:rPr>
+              <a:t>xmlns:xsl</a:t>
+            </a:r>
+            <a:r>
+              <a:rPr lang="en-US" sz="1800" dirty="0">
+                <a:solidFill>
+                  <a:srgbClr val="FF8040"/>
+                </a:solidFill>
+                <a:latin typeface="Calibri" panose="020F0502020204030204" pitchFamily="34" charset="0"/>
+              </a:rPr>
+              <a:t>=</a:t>
+            </a:r>
+            <a:r>
+              <a:rPr lang="en-US" sz="1800" dirty="0">
+                <a:solidFill>
+                  <a:srgbClr val="993300"/>
+                </a:solidFill>
+                <a:latin typeface="Calibri" panose="020F0502020204030204" pitchFamily="34" charset="0"/>
+                <a:hlinkClick r:id="rId2">
+                  <a:extLst>
+                    <a:ext uri="{A12FA001-AC4F-418D-AE19-62706E023703}">
+                      <ahyp:hlinkClr xmlns:ahyp="http://schemas.microsoft.com/office/drawing/2018/hyperlinkcolor" val="tx"/>
+                    </a:ext>
+                  </a:extLst>
+                </a:hlinkClick>
+              </a:rPr>
+              <a:t>"http://www.w3.org/1999/XSL/Transform"</a:t>
+            </a:r>
+          </a:p>
+          <a:p>
+            <a:pPr marL="457200" lvl="1" indent="0">
+              <a:buNone/>
+            </a:pPr>
+            <a:r>
+              <a:rPr lang="de-DE" sz="1800" dirty="0" err="1">
+                <a:solidFill>
+                  <a:srgbClr val="0099CC"/>
+                </a:solidFill>
+                <a:latin typeface="Calibri" panose="020F0502020204030204" pitchFamily="34" charset="0"/>
+              </a:rPr>
+              <a:t>xmlns:xs</a:t>
+            </a:r>
+            <a:r>
+              <a:rPr lang="de-DE" sz="1800" dirty="0">
+                <a:solidFill>
+                  <a:srgbClr val="FF8040"/>
+                </a:solidFill>
+                <a:latin typeface="Calibri" panose="020F0502020204030204" pitchFamily="34" charset="0"/>
+              </a:rPr>
+              <a:t>=</a:t>
+            </a:r>
+            <a:r>
+              <a:rPr lang="de-DE" sz="1800" dirty="0">
+                <a:solidFill>
+                  <a:srgbClr val="993300"/>
+                </a:solidFill>
+                <a:latin typeface="Calibri" panose="020F0502020204030204" pitchFamily="34" charset="0"/>
+                <a:hlinkClick r:id="rId3">
+                  <a:extLst>
+                    <a:ext uri="{A12FA001-AC4F-418D-AE19-62706E023703}">
+                      <ahyp:hlinkClr xmlns:ahyp="http://schemas.microsoft.com/office/drawing/2018/hyperlinkcolor" val="tx"/>
+                    </a:ext>
+                  </a:extLst>
+                </a:hlinkClick>
+              </a:rPr>
+              <a:t>"http://www.w3.org/2001/XMLSchema"</a:t>
+            </a:r>
+          </a:p>
+          <a:p>
+            <a:pPr marL="457200" lvl="1" indent="0">
+              <a:buNone/>
+            </a:pPr>
+            <a:r>
+              <a:rPr lang="de-DE" sz="1800" dirty="0" err="1">
+                <a:solidFill>
+                  <a:srgbClr val="F5844B"/>
+                </a:solidFill>
+                <a:latin typeface="Calibri" panose="020F0502020204030204" pitchFamily="34" charset="0"/>
+              </a:rPr>
+              <a:t>exclude-result-prefixes</a:t>
+            </a:r>
+            <a:r>
+              <a:rPr lang="de-DE" sz="1800" dirty="0">
+                <a:solidFill>
+                  <a:srgbClr val="FF8040"/>
+                </a:solidFill>
+                <a:latin typeface="Calibri" panose="020F0502020204030204" pitchFamily="34" charset="0"/>
+              </a:rPr>
+              <a:t>=</a:t>
+            </a:r>
+            <a:r>
+              <a:rPr lang="de-DE" sz="1800" dirty="0">
+                <a:solidFill>
+                  <a:srgbClr val="993300"/>
+                </a:solidFill>
+                <a:latin typeface="Calibri" panose="020F0502020204030204" pitchFamily="34" charset="0"/>
+              </a:rPr>
+              <a:t>"</a:t>
+            </a:r>
+            <a:r>
+              <a:rPr lang="de-DE" sz="1800" dirty="0" err="1">
+                <a:solidFill>
+                  <a:srgbClr val="993300"/>
+                </a:solidFill>
+                <a:latin typeface="Calibri" panose="020F0502020204030204" pitchFamily="34" charset="0"/>
+              </a:rPr>
+              <a:t>xs</a:t>
+            </a:r>
+            <a:r>
+              <a:rPr lang="de-DE" sz="1800" dirty="0">
+                <a:solidFill>
+                  <a:srgbClr val="993300"/>
+                </a:solidFill>
+                <a:latin typeface="Calibri" panose="020F0502020204030204" pitchFamily="34" charset="0"/>
+              </a:rPr>
+              <a:t>"</a:t>
+            </a:r>
+          </a:p>
+          <a:p>
+            <a:pPr marL="457200" lvl="1" indent="0">
+              <a:buNone/>
+            </a:pPr>
+            <a:r>
+              <a:rPr lang="de-DE" sz="1800" dirty="0" err="1">
+                <a:solidFill>
+                  <a:srgbClr val="F5844B"/>
+                </a:solidFill>
+                <a:latin typeface="Calibri" panose="020F0502020204030204" pitchFamily="34" charset="0"/>
+              </a:rPr>
+              <a:t>version</a:t>
+            </a:r>
+            <a:r>
+              <a:rPr lang="de-DE" sz="1800" dirty="0">
+                <a:solidFill>
+                  <a:srgbClr val="FF8040"/>
+                </a:solidFill>
+                <a:latin typeface="Calibri" panose="020F0502020204030204" pitchFamily="34" charset="0"/>
+              </a:rPr>
+              <a:t>=</a:t>
+            </a:r>
+            <a:r>
+              <a:rPr lang="de-DE" sz="1800" dirty="0">
+                <a:solidFill>
+                  <a:srgbClr val="993300"/>
+                </a:solidFill>
+                <a:latin typeface="Calibri" panose="020F0502020204030204" pitchFamily="34" charset="0"/>
+              </a:rPr>
+              <a:t>"2.0"</a:t>
+            </a:r>
+            <a:r>
+              <a:rPr lang="de-DE" sz="1800" dirty="0">
+                <a:solidFill>
+                  <a:srgbClr val="000095"/>
+                </a:solidFill>
+                <a:latin typeface="Calibri" panose="020F0502020204030204" pitchFamily="34" charset="0"/>
+              </a:rPr>
+              <a:t>&gt;</a:t>
+            </a:r>
+          </a:p>
+          <a:p>
+            <a:pPr marL="0" indent="0">
+              <a:buNone/>
+            </a:pPr>
+            <a:r>
+              <a:rPr lang="de-DE" sz="1800" dirty="0">
+                <a:solidFill>
+                  <a:srgbClr val="005AB4"/>
+                </a:solidFill>
+                <a:latin typeface="Calibri" panose="020F0502020204030204" pitchFamily="34" charset="0"/>
+              </a:rPr>
+              <a:t>&lt;/</a:t>
+            </a:r>
+            <a:r>
+              <a:rPr lang="de-DE" sz="1800" dirty="0" err="1">
+                <a:solidFill>
+                  <a:srgbClr val="005AB4"/>
+                </a:solidFill>
+                <a:latin typeface="Calibri" panose="020F0502020204030204" pitchFamily="34" charset="0"/>
+              </a:rPr>
+              <a:t>xsl:stylesheet</a:t>
+            </a:r>
+            <a:r>
+              <a:rPr lang="de-DE" sz="1800" dirty="0">
+                <a:solidFill>
+                  <a:srgbClr val="005AB4"/>
+                </a:solidFill>
+                <a:latin typeface="Calibri" panose="020F0502020204030204" pitchFamily="34" charset="0"/>
+              </a:rPr>
+              <a:t>&gt;</a:t>
+            </a:r>
+          </a:p>
+        </p:txBody>
+      </p:sp>
+      <p:pic>
+        <p:nvPicPr>
+          <p:cNvPr id="4" name="Grafik 3">
+            <a:extLst>
+              <a:ext uri="{FF2B5EF4-FFF2-40B4-BE49-F238E27FC236}">
+                <a16:creationId xmlns:a16="http://schemas.microsoft.com/office/drawing/2014/main" id="{B5B0F909-1E3F-4C09-81C2-1D92750CAEBD}"/>
+              </a:ext>
+            </a:extLst>
+          </p:cNvPr>
+          <p:cNvPicPr>
+            <a:picLocks noChangeAspect="1"/>
+          </p:cNvPicPr>
+          <p:nvPr/>
+        </p:nvPicPr>
+        <p:blipFill>
+          <a:blip r:embed="rId4"/>
+          <a:stretch>
+            <a:fillRect/>
+          </a:stretch>
+        </p:blipFill>
+        <p:spPr>
+          <a:xfrm>
+            <a:off x="6996615" y="1593760"/>
+            <a:ext cx="4699322" cy="4815068"/>
+          </a:xfrm>
+          <a:prstGeom prst="rect">
+            <a:avLst/>
+          </a:prstGeom>
+        </p:spPr>
+      </p:pic>
+    </p:spTree>
+    <p:extLst>
+      <p:ext uri="{BB962C8B-B14F-4D97-AF65-F5344CB8AC3E}">
+        <p14:creationId xmlns:p14="http://schemas.microsoft.com/office/powerpoint/2010/main" val="2076883206"/>
+      </p:ext>
+    </p:extLst>
+  </p:cSld>
+  <p:clrMapOvr>
+    <a:masterClrMapping/>
+  </p:clrMapOvr>
+</p:sld>
+</file>
+
+<file path=ppt/slides/slide12.xml><?xml version="1.0" encoding="utf-8"?>
+<p:sld xmlns:a="http://schemas.openxmlformats.org/drawingml/2006/main" xmlns:r="http://schemas.openxmlformats.org/officeDocument/2006/relationships" xmlns:p="http://schemas.openxmlformats.org/presentationml/2006/main">
+  <p:cSld>
+    <p:spTree>
+      <p:nvGrpSpPr>
+        <p:cNvPr id="1" name=""/>
+        <p:cNvGrpSpPr/>
+        <p:nvPr/>
+      </p:nvGrpSpPr>
+      <p:grpSpPr>
+        <a:xfrm>
+          <a:off x="0" y="0"/>
+          <a:ext cx="0" cy="0"/>
+          <a:chOff x="0" y="0"/>
+          <a:chExt cx="0" cy="0"/>
+        </a:xfrm>
+      </p:grpSpPr>
+      <p:sp>
+        <p:nvSpPr>
+          <p:cNvPr id="2" name="Titel 1">
+            <a:extLst>
+              <a:ext uri="{FF2B5EF4-FFF2-40B4-BE49-F238E27FC236}">
+                <a16:creationId xmlns:a16="http://schemas.microsoft.com/office/drawing/2014/main" id="{5E8B6E19-9565-4659-BF18-B71AEC98BA3E}"/>
+              </a:ext>
+            </a:extLst>
+          </p:cNvPr>
+          <p:cNvSpPr>
+            <a:spLocks noGrp="1"/>
+          </p:cNvSpPr>
+          <p:nvPr>
+            <p:ph type="title"/>
+          </p:nvPr>
+        </p:nvSpPr>
+        <p:spPr/>
+        <p:txBody>
+          <a:bodyPr/>
+          <a:lstStyle/>
+          <a:p>
+            <a:r>
+              <a:rPr lang="de-DE" dirty="0"/>
+              <a:t>Transformationsszenarien</a:t>
+            </a:r>
+          </a:p>
+        </p:txBody>
+      </p:sp>
+      <p:sp>
+        <p:nvSpPr>
+          <p:cNvPr id="3" name="Inhaltsplatzhalter 2">
+            <a:extLst>
+              <a:ext uri="{FF2B5EF4-FFF2-40B4-BE49-F238E27FC236}">
+                <a16:creationId xmlns:a16="http://schemas.microsoft.com/office/drawing/2014/main" id="{9AE09388-28F5-4597-ADA5-9B91EA8BE037}"/>
+              </a:ext>
+            </a:extLst>
+          </p:cNvPr>
+          <p:cNvSpPr>
+            <a:spLocks noGrp="1"/>
+          </p:cNvSpPr>
+          <p:nvPr>
+            <p:ph idx="1"/>
+          </p:nvPr>
+        </p:nvSpPr>
+        <p:spPr/>
+        <p:txBody>
+          <a:bodyPr/>
+          <a:lstStyle/>
+          <a:p>
+            <a:pPr marL="0" indent="0">
+              <a:buNone/>
+            </a:pPr>
+            <a:r>
+              <a:rPr lang="de-DE" dirty="0"/>
+              <a:t>Wie bringt man XML, XSLT und den Prozessor zusammen?</a:t>
+            </a:r>
+          </a:p>
+          <a:p>
+            <a:pPr marL="0" indent="0">
+              <a:buNone/>
+            </a:pPr>
+            <a:r>
+              <a:rPr lang="de-DE" dirty="0"/>
+              <a:t>a)Dieses XML-Dokument soll mit jenem XSLT-Dokument verarbeitet werden</a:t>
+            </a:r>
+          </a:p>
+          <a:p>
+            <a:pPr marL="0" indent="0">
+              <a:buNone/>
+            </a:pPr>
+            <a:r>
+              <a:rPr lang="de-DE" dirty="0"/>
+              <a:t>b)Dieses XSLT-Dokument soll jenes XML-Dokument verarbeiten</a:t>
+            </a:r>
+          </a:p>
+          <a:p>
+            <a:pPr marL="0" indent="0">
+              <a:buNone/>
+            </a:pPr>
+            <a:r>
+              <a:rPr lang="de-DE" dirty="0"/>
+              <a:t>c)Lieber Prozessor, verarbeite jenes XML-Dokument mit jenem XSLT-Dokument</a:t>
+            </a:r>
+          </a:p>
+          <a:p>
+            <a:pPr marL="0" indent="0">
+              <a:buNone/>
+            </a:pPr>
+            <a:r>
+              <a:rPr lang="de-DE" dirty="0"/>
+              <a:t>-&gt; </a:t>
+            </a:r>
+            <a:r>
+              <a:rPr lang="de-DE" dirty="0" err="1"/>
+              <a:t>oXygen„Transformationsszenario</a:t>
+            </a:r>
+            <a:r>
+              <a:rPr lang="de-DE" dirty="0"/>
+              <a:t>“</a:t>
+            </a:r>
+          </a:p>
+          <a:p>
+            <a:endParaRPr lang="de-DE" dirty="0"/>
+          </a:p>
+        </p:txBody>
+      </p:sp>
+    </p:spTree>
+    <p:extLst>
+      <p:ext uri="{BB962C8B-B14F-4D97-AF65-F5344CB8AC3E}">
+        <p14:creationId xmlns:p14="http://schemas.microsoft.com/office/powerpoint/2010/main" val="1828410466"/>
+      </p:ext>
+    </p:extLst>
+  </p:cSld>
+  <p:clrMapOvr>
+    <a:masterClrMapping/>
+  </p:clrMapOvr>
+</p:sld>
+</file>
+
+<file path=ppt/slides/slide13.xml><?xml version="1.0" encoding="utf-8"?>
+<p:sld xmlns:a="http://schemas.openxmlformats.org/drawingml/2006/main" xmlns:r="http://schemas.openxmlformats.org/officeDocument/2006/relationships" xmlns:p="http://schemas.openxmlformats.org/presentationml/2006/main">
+  <p:cSld>
+    <p:spTree>
+      <p:nvGrpSpPr>
+        <p:cNvPr id="1" name=""/>
+        <p:cNvGrpSpPr/>
+        <p:nvPr/>
+      </p:nvGrpSpPr>
+      <p:grpSpPr>
+        <a:xfrm>
+          <a:off x="0" y="0"/>
+          <a:ext cx="0" cy="0"/>
+          <a:chOff x="0" y="0"/>
+          <a:chExt cx="0" cy="0"/>
+        </a:xfrm>
+      </p:grpSpPr>
+      <p:sp>
+        <p:nvSpPr>
+          <p:cNvPr id="2" name="Titel 1">
+            <a:extLst>
+              <a:ext uri="{FF2B5EF4-FFF2-40B4-BE49-F238E27FC236}">
+                <a16:creationId xmlns:a16="http://schemas.microsoft.com/office/drawing/2014/main" id="{C8550CD7-DEF2-4687-9CF1-4B50B04CC2CE}"/>
+              </a:ext>
+            </a:extLst>
+          </p:cNvPr>
+          <p:cNvSpPr>
+            <a:spLocks noGrp="1"/>
+          </p:cNvSpPr>
+          <p:nvPr>
+            <p:ph type="title"/>
+          </p:nvPr>
+        </p:nvSpPr>
+        <p:spPr/>
+        <p:txBody>
+          <a:bodyPr/>
+          <a:lstStyle/>
+          <a:p>
+            <a:r>
+              <a:rPr lang="de-DE" dirty="0" err="1"/>
+              <a:t>oXygen</a:t>
+            </a:r>
+            <a:r>
+              <a:rPr lang="de-DE" dirty="0"/>
+              <a:t>-Transformationsszenario</a:t>
+            </a:r>
+          </a:p>
+        </p:txBody>
+      </p:sp>
+      <p:pic>
+        <p:nvPicPr>
+          <p:cNvPr id="4" name="Grafik 3">
+            <a:extLst>
+              <a:ext uri="{FF2B5EF4-FFF2-40B4-BE49-F238E27FC236}">
+                <a16:creationId xmlns:a16="http://schemas.microsoft.com/office/drawing/2014/main" id="{C334A62A-E2BF-4116-8147-091EA3637651}"/>
+              </a:ext>
+            </a:extLst>
+          </p:cNvPr>
+          <p:cNvPicPr>
+            <a:picLocks noChangeAspect="1"/>
+          </p:cNvPicPr>
+          <p:nvPr/>
+        </p:nvPicPr>
+        <p:blipFill>
+          <a:blip r:embed="rId2"/>
+          <a:stretch>
+            <a:fillRect/>
+          </a:stretch>
+        </p:blipFill>
+        <p:spPr>
+          <a:xfrm>
+            <a:off x="838201" y="2268505"/>
+            <a:ext cx="10515600" cy="3880242"/>
+          </a:xfrm>
+          <a:prstGeom prst="rect">
+            <a:avLst/>
+          </a:prstGeom>
+        </p:spPr>
+      </p:pic>
+    </p:spTree>
+    <p:extLst>
+      <p:ext uri="{BB962C8B-B14F-4D97-AF65-F5344CB8AC3E}">
+        <p14:creationId xmlns:p14="http://schemas.microsoft.com/office/powerpoint/2010/main" val="412711304"/>
+      </p:ext>
+    </p:extLst>
+  </p:cSld>
+  <p:clrMapOvr>
+    <a:masterClrMapping/>
+  </p:clrMapOvr>
+</p:sld>
+</file>
+
+<file path=ppt/slides/slide14.xml><?xml version="1.0" encoding="utf-8"?>
+<p:sld xmlns:a="http://schemas.openxmlformats.org/drawingml/2006/main" xmlns:r="http://schemas.openxmlformats.org/officeDocument/2006/relationships" xmlns:p="http://schemas.openxmlformats.org/presentationml/2006/main">
+  <p:cSld>
+    <p:spTree>
+      <p:nvGrpSpPr>
+        <p:cNvPr id="1" name=""/>
+        <p:cNvGrpSpPr/>
+        <p:nvPr/>
+      </p:nvGrpSpPr>
+      <p:grpSpPr>
+        <a:xfrm>
+          <a:off x="0" y="0"/>
+          <a:ext cx="0" cy="0"/>
+          <a:chOff x="0" y="0"/>
+          <a:chExt cx="0" cy="0"/>
+        </a:xfrm>
+      </p:grpSpPr>
+      <p:sp>
+        <p:nvSpPr>
+          <p:cNvPr id="2" name="Titel 1">
+            <a:extLst>
+              <a:ext uri="{FF2B5EF4-FFF2-40B4-BE49-F238E27FC236}">
+                <a16:creationId xmlns:a16="http://schemas.microsoft.com/office/drawing/2014/main" id="{E6D294CE-AE8F-46F7-A841-25B4494A40B0}"/>
+              </a:ext>
+            </a:extLst>
+          </p:cNvPr>
+          <p:cNvSpPr>
+            <a:spLocks noGrp="1"/>
+          </p:cNvSpPr>
+          <p:nvPr>
+            <p:ph type="title"/>
+          </p:nvPr>
+        </p:nvSpPr>
+        <p:spPr/>
+        <p:txBody>
+          <a:bodyPr/>
+          <a:lstStyle/>
+          <a:p>
+            <a:r>
+              <a:rPr lang="de-DE" dirty="0" err="1"/>
+              <a:t>oXygen</a:t>
+            </a:r>
+            <a:r>
+              <a:rPr lang="de-DE" dirty="0"/>
+              <a:t>-Transformationsszenario</a:t>
+            </a:r>
+          </a:p>
+        </p:txBody>
+      </p:sp>
+      <p:pic>
+        <p:nvPicPr>
+          <p:cNvPr id="4" name="Grafik 3">
+            <a:extLst>
+              <a:ext uri="{FF2B5EF4-FFF2-40B4-BE49-F238E27FC236}">
+                <a16:creationId xmlns:a16="http://schemas.microsoft.com/office/drawing/2014/main" id="{B8E8F901-FBD9-46EE-AEE2-2FC75541C679}"/>
+              </a:ext>
+            </a:extLst>
+          </p:cNvPr>
+          <p:cNvPicPr>
+            <a:picLocks noChangeAspect="1"/>
+          </p:cNvPicPr>
+          <p:nvPr/>
+        </p:nvPicPr>
+        <p:blipFill>
+          <a:blip r:embed="rId2"/>
+          <a:stretch>
+            <a:fillRect/>
+          </a:stretch>
+        </p:blipFill>
+        <p:spPr>
+          <a:xfrm>
+            <a:off x="681644" y="1846566"/>
+            <a:ext cx="5583990" cy="4867554"/>
+          </a:xfrm>
+          <a:prstGeom prst="rect">
+            <a:avLst/>
+          </a:prstGeom>
+        </p:spPr>
+      </p:pic>
+      <p:pic>
+        <p:nvPicPr>
+          <p:cNvPr id="5" name="Grafik 4">
+            <a:extLst>
+              <a:ext uri="{FF2B5EF4-FFF2-40B4-BE49-F238E27FC236}">
+                <a16:creationId xmlns:a16="http://schemas.microsoft.com/office/drawing/2014/main" id="{A0139B17-E650-4954-9C3B-4D8962D15972}"/>
+              </a:ext>
+            </a:extLst>
+          </p:cNvPr>
+          <p:cNvPicPr>
+            <a:picLocks noChangeAspect="1"/>
+          </p:cNvPicPr>
+          <p:nvPr/>
+        </p:nvPicPr>
+        <p:blipFill>
+          <a:blip r:embed="rId3"/>
+          <a:stretch>
+            <a:fillRect/>
+          </a:stretch>
+        </p:blipFill>
+        <p:spPr>
+          <a:xfrm>
+            <a:off x="6366247" y="1846566"/>
+            <a:ext cx="5446137" cy="4779964"/>
+          </a:xfrm>
+          <a:prstGeom prst="rect">
+            <a:avLst/>
+          </a:prstGeom>
+        </p:spPr>
+      </p:pic>
+    </p:spTree>
+    <p:extLst>
+      <p:ext uri="{BB962C8B-B14F-4D97-AF65-F5344CB8AC3E}">
+        <p14:creationId xmlns:p14="http://schemas.microsoft.com/office/powerpoint/2010/main" val="581223794"/>
+      </p:ext>
+    </p:extLst>
+  </p:cSld>
+  <p:clrMapOvr>
+    <a:masterClrMapping/>
+  </p:clrMapOvr>
+</p:sld>
+</file>
+
+<file path=ppt/slides/slide15.xml><?xml version="1.0" encoding="utf-8"?>
+<p:sld xmlns:a="http://schemas.openxmlformats.org/drawingml/2006/main" xmlns:r="http://schemas.openxmlformats.org/officeDocument/2006/relationships" xmlns:p="http://schemas.openxmlformats.org/presentationml/2006/main">
+  <p:cSld>
+    <p:spTree>
+      <p:nvGrpSpPr>
+        <p:cNvPr id="1" name=""/>
+        <p:cNvGrpSpPr/>
+        <p:nvPr/>
+      </p:nvGrpSpPr>
+      <p:grpSpPr>
+        <a:xfrm>
+          <a:off x="0" y="0"/>
+          <a:ext cx="0" cy="0"/>
+          <a:chOff x="0" y="0"/>
+          <a:chExt cx="0" cy="0"/>
+        </a:xfrm>
+      </p:grpSpPr>
+      <p:sp>
+        <p:nvSpPr>
+          <p:cNvPr id="2" name="Titel 1">
+            <a:extLst>
+              <a:ext uri="{FF2B5EF4-FFF2-40B4-BE49-F238E27FC236}">
+                <a16:creationId xmlns:a16="http://schemas.microsoft.com/office/drawing/2014/main" id="{D45C4C44-9C00-41A9-A3E8-81ADC0D0EF2F}"/>
+              </a:ext>
+            </a:extLst>
+          </p:cNvPr>
+          <p:cNvSpPr>
+            <a:spLocks noGrp="1"/>
+          </p:cNvSpPr>
+          <p:nvPr>
+            <p:ph type="title"/>
+          </p:nvPr>
+        </p:nvSpPr>
+        <p:spPr/>
+        <p:txBody>
+          <a:bodyPr/>
+          <a:lstStyle/>
+          <a:p>
+            <a:r>
+              <a:rPr lang="de-DE" dirty="0"/>
+              <a:t>Einige </a:t>
+            </a:r>
+            <a:r>
+              <a:rPr lang="de-DE" strike="sngStrike" dirty="0" err="1"/>
+              <a:t>Befehle</a:t>
+            </a:r>
+            <a:r>
+              <a:rPr lang="de-DE" dirty="0" err="1"/>
+              <a:t>Elemente</a:t>
+            </a:r>
+            <a:endParaRPr lang="de-DE" dirty="0"/>
+          </a:p>
+        </p:txBody>
+      </p:sp>
+      <p:sp>
+        <p:nvSpPr>
+          <p:cNvPr id="3" name="Inhaltsplatzhalter 2">
+            <a:extLst>
+              <a:ext uri="{FF2B5EF4-FFF2-40B4-BE49-F238E27FC236}">
+                <a16:creationId xmlns:a16="http://schemas.microsoft.com/office/drawing/2014/main" id="{70755315-0BCA-4036-9094-B8D49BE61D01}"/>
+              </a:ext>
+            </a:extLst>
+          </p:cNvPr>
+          <p:cNvSpPr>
+            <a:spLocks noGrp="1"/>
+          </p:cNvSpPr>
+          <p:nvPr>
+            <p:ph idx="1"/>
+          </p:nvPr>
+        </p:nvSpPr>
+        <p:spPr/>
+        <p:txBody>
+          <a:bodyPr>
+            <a:normAutofit fontScale="92500" lnSpcReduction="20000"/>
+          </a:bodyPr>
+          <a:lstStyle/>
+          <a:p>
+            <a:pPr marL="0" indent="0">
+              <a:buNone/>
+            </a:pPr>
+            <a:r>
+              <a:rPr lang="de-DE" dirty="0"/>
+              <a:t>Vorab:</a:t>
+            </a:r>
+          </a:p>
+          <a:p>
+            <a:r>
+              <a:rPr lang="de-DE" dirty="0"/>
+              <a:t>Nochmal zu XSLT 1.0, XSLT 2.0, XSLT 3.0 …</a:t>
+            </a:r>
+          </a:p>
+          <a:p>
+            <a:r>
+              <a:rPr lang="de-DE" dirty="0"/>
+              <a:t>Ca. 50 Elemente (in XSLT 2.0)</a:t>
+            </a:r>
+          </a:p>
+          <a:p>
+            <a:r>
+              <a:rPr lang="de-DE" dirty="0"/>
+              <a:t>Von denen Sie ca. 10-20 brauchen (um schon mal sehr weit zu kommen)</a:t>
+            </a:r>
+          </a:p>
+          <a:p>
+            <a:pPr lvl="1"/>
+            <a:r>
+              <a:rPr lang="de-DE" dirty="0"/>
+              <a:t>Erklärung: ein großer Teil der Magie findet in </a:t>
+            </a:r>
+            <a:r>
+              <a:rPr lang="de-DE" dirty="0" err="1"/>
+              <a:t>XPath</a:t>
+            </a:r>
+            <a:r>
+              <a:rPr lang="de-DE" dirty="0"/>
+              <a:t> statt</a:t>
+            </a:r>
+          </a:p>
+          <a:p>
+            <a:r>
+              <a:rPr lang="de-DE" dirty="0"/>
+              <a:t>Einfaches Tutorial (etwas veraltet): </a:t>
+            </a:r>
+            <a:r>
+              <a:rPr lang="de-DE" dirty="0">
+                <a:hlinkClick r:id="rId2"/>
+              </a:rPr>
+              <a:t>https://www.w3schools.com/xml/xsl_intro.asp</a:t>
+            </a:r>
+            <a:r>
+              <a:rPr lang="de-DE" dirty="0"/>
+              <a:t> </a:t>
+            </a:r>
+          </a:p>
+          <a:p>
+            <a:r>
+              <a:rPr lang="de-DE" dirty="0"/>
+              <a:t>Nicht gut (nur XSLT 1.0): </a:t>
+            </a:r>
+            <a:r>
+              <a:rPr lang="de-DE" dirty="0">
+                <a:hlinkClick r:id="rId3"/>
+              </a:rPr>
+              <a:t>https://www.w3schools.com/xml/xsl_elementref.asp</a:t>
+            </a:r>
+            <a:r>
+              <a:rPr lang="de-DE" dirty="0"/>
+              <a:t> </a:t>
+            </a:r>
+          </a:p>
+          <a:p>
+            <a:r>
+              <a:rPr lang="de-DE" dirty="0"/>
+              <a:t>Eine etwas bessere Referenz (mit XSLT 2.0): </a:t>
+            </a:r>
+            <a:r>
+              <a:rPr lang="de-DE" dirty="0">
+                <a:hlinkClick r:id="rId4"/>
+              </a:rPr>
+              <a:t>https://www.data2type.de/xml-xslt-xslfo/xslt/xslt-referenz/alphabetische-referenz-der-xslt-elemente/</a:t>
+            </a:r>
+            <a:r>
+              <a:rPr lang="de-DE" dirty="0"/>
+              <a:t> </a:t>
+            </a:r>
+          </a:p>
+          <a:p>
+            <a:endParaRPr lang="de-DE" dirty="0"/>
+          </a:p>
+        </p:txBody>
+      </p:sp>
+    </p:spTree>
+    <p:extLst>
+      <p:ext uri="{BB962C8B-B14F-4D97-AF65-F5344CB8AC3E}">
+        <p14:creationId xmlns:p14="http://schemas.microsoft.com/office/powerpoint/2010/main" val="1951909452"/>
+      </p:ext>
+    </p:extLst>
+  </p:cSld>
+  <p:clrMapOvr>
+    <a:masterClrMapping/>
+  </p:clrMapOvr>
+</p:sld>
+</file>
+
+<file path=ppt/slides/slide16.xml><?xml version="1.0" encoding="utf-8"?>
+<p:sld xmlns:a="http://schemas.openxmlformats.org/drawingml/2006/main" xmlns:r="http://schemas.openxmlformats.org/officeDocument/2006/relationships" xmlns:p="http://schemas.openxmlformats.org/presentationml/2006/main">
+  <p:cSld>
+    <p:spTree>
+      <p:nvGrpSpPr>
+        <p:cNvPr id="1" name=""/>
+        <p:cNvGrpSpPr/>
+        <p:nvPr/>
+      </p:nvGrpSpPr>
+      <p:grpSpPr>
+        <a:xfrm>
+          <a:off x="0" y="0"/>
+          <a:ext cx="0" cy="0"/>
+          <a:chOff x="0" y="0"/>
+          <a:chExt cx="0" cy="0"/>
+        </a:xfrm>
+      </p:grpSpPr>
+      <p:sp>
+        <p:nvSpPr>
+          <p:cNvPr id="2" name="Titel 1">
+            <a:extLst>
+              <a:ext uri="{FF2B5EF4-FFF2-40B4-BE49-F238E27FC236}">
+                <a16:creationId xmlns:a16="http://schemas.microsoft.com/office/drawing/2014/main" id="{8AB5DAF8-F931-474C-BDC4-2C4503F88898}"/>
+              </a:ext>
+            </a:extLst>
+          </p:cNvPr>
+          <p:cNvSpPr>
+            <a:spLocks noGrp="1"/>
+          </p:cNvSpPr>
+          <p:nvPr>
+            <p:ph type="title"/>
+          </p:nvPr>
+        </p:nvSpPr>
+        <p:spPr>
+          <a:xfrm>
+            <a:off x="838200" y="348499"/>
+            <a:ext cx="10515600" cy="1325563"/>
+          </a:xfrm>
+        </p:spPr>
+        <p:txBody>
+          <a:bodyPr/>
+          <a:lstStyle/>
+          <a:p>
+            <a:r>
+              <a:rPr lang="de-DE" dirty="0"/>
+              <a:t>Einige Elemente</a:t>
+            </a:r>
+          </a:p>
+        </p:txBody>
+      </p:sp>
+      <p:graphicFrame>
+        <p:nvGraphicFramePr>
+          <p:cNvPr id="4" name="Inhaltsplatzhalter 3">
+            <a:extLst>
+              <a:ext uri="{FF2B5EF4-FFF2-40B4-BE49-F238E27FC236}">
+                <a16:creationId xmlns:a16="http://schemas.microsoft.com/office/drawing/2014/main" id="{DCFCD496-6FCF-4EC7-922B-C595F2E47515}"/>
+              </a:ext>
+            </a:extLst>
+          </p:cNvPr>
+          <p:cNvGraphicFramePr>
+            <a:graphicFrameLocks noGrp="1"/>
+          </p:cNvGraphicFramePr>
+          <p:nvPr>
+            <p:ph idx="1"/>
+            <p:extLst>
+              <p:ext uri="{D42A27DB-BD31-4B8C-83A1-F6EECF244321}">
+                <p14:modId xmlns:p14="http://schemas.microsoft.com/office/powerpoint/2010/main" val="2046868963"/>
+              </p:ext>
+            </p:extLst>
+          </p:nvPr>
+        </p:nvGraphicFramePr>
+        <p:xfrm>
+          <a:off x="838200" y="1825625"/>
+          <a:ext cx="10515600" cy="3383280"/>
+        </p:xfrm>
+        <a:graphic>
+          <a:graphicData uri="http://schemas.openxmlformats.org/drawingml/2006/table">
+            <a:tbl>
+              <a:tblPr firstRow="1" bandRow="1">
+                <a:tableStyleId>{5C22544A-7EE6-4342-B048-85BDC9FD1C3A}</a:tableStyleId>
+              </a:tblPr>
+              <a:tblGrid>
+                <a:gridCol w="5257800">
+                  <a:extLst>
+                    <a:ext uri="{9D8B030D-6E8A-4147-A177-3AD203B41FA5}">
+                      <a16:colId xmlns:a16="http://schemas.microsoft.com/office/drawing/2014/main" val="1511244855"/>
+                    </a:ext>
+                  </a:extLst>
+                </a:gridCol>
+                <a:gridCol w="5257800">
+                  <a:extLst>
+                    <a:ext uri="{9D8B030D-6E8A-4147-A177-3AD203B41FA5}">
+                      <a16:colId xmlns:a16="http://schemas.microsoft.com/office/drawing/2014/main" val="1260371555"/>
+                    </a:ext>
+                  </a:extLst>
+                </a:gridCol>
+              </a:tblGrid>
+              <a:tr h="370840">
+                <a:tc>
+                  <a:txBody>
+                    <a:bodyPr/>
+                    <a:lstStyle/>
+                    <a:p>
+                      <a:pPr marL="0" marR="0" lvl="0" indent="0" algn="l" defTabSz="914400" rtl="0" eaLnBrk="1" fontAlgn="auto" latinLnBrk="0" hangingPunct="1">
+                        <a:lnSpc>
+                          <a:spcPct val="100000"/>
+                        </a:lnSpc>
+                        <a:spcBef>
+                          <a:spcPts val="0"/>
+                        </a:spcBef>
+                        <a:spcAft>
+                          <a:spcPts val="0"/>
+                        </a:spcAft>
+                        <a:buClrTx/>
+                        <a:buSzTx/>
+                        <a:buFontTx/>
+                        <a:buNone/>
+                        <a:tabLst/>
+                        <a:defRPr/>
+                      </a:pPr>
+                      <a:r>
+                        <a:rPr lang="de-DE" sz="1800" b="0" i="0" u="none" strike="noStrike" kern="1200" baseline="0" dirty="0">
+                          <a:solidFill>
+                            <a:schemeClr val="lt1"/>
+                          </a:solidFill>
+                          <a:latin typeface="+mn-lt"/>
+                          <a:ea typeface="+mn-ea"/>
+                          <a:cs typeface="+mn-cs"/>
+                          <a:hlinkClick r:id="rId2"/>
+                        </a:rPr>
+                        <a:t>xsl:stylesheet</a:t>
+                      </a:r>
+                      <a:r>
+                        <a:rPr lang="de-DE" sz="1800" b="0" i="0" u="none" strike="noStrike" kern="1200" baseline="0" dirty="0">
+                          <a:solidFill>
+                            <a:schemeClr val="lt1"/>
+                          </a:solidFill>
+                          <a:latin typeface="+mn-lt"/>
+                          <a:ea typeface="+mn-ea"/>
+                          <a:cs typeface="+mn-cs"/>
+                        </a:rPr>
+                        <a:t>	</a:t>
+                      </a:r>
+                    </a:p>
+                    <a:p>
+                      <a:endParaRPr lang="de-DE" dirty="0"/>
+                    </a:p>
+                  </a:txBody>
+                  <a:tcPr>
+                    <a:solidFill>
+                      <a:schemeClr val="accent1">
+                        <a:tint val="40000"/>
+                      </a:schemeClr>
+                    </a:solidFill>
+                  </a:tcPr>
+                </a:tc>
+                <a:tc>
+                  <a:txBody>
+                    <a:bodyPr/>
+                    <a:lstStyle/>
+                    <a:p>
+                      <a:r>
+                        <a:rPr lang="de-DE" sz="1800" b="0" i="0" u="none" strike="noStrike" kern="1200" baseline="0" dirty="0">
+                          <a:solidFill>
+                            <a:schemeClr val="tx1"/>
+                          </a:solidFill>
+                          <a:latin typeface="+mn-lt"/>
+                          <a:ea typeface="+mn-ea"/>
+                          <a:cs typeface="+mn-cs"/>
+                        </a:rPr>
+                        <a:t>ist das Wurzelelement eines XSL-Dokumentes</a:t>
+                      </a:r>
+                      <a:r>
+                        <a:rPr lang="de-DE" sz="1800" b="0" i="0" u="none" strike="noStrike" kern="1200" baseline="0" dirty="0">
+                          <a:solidFill>
+                            <a:schemeClr val="lt1"/>
+                          </a:solidFill>
+                          <a:latin typeface="+mn-lt"/>
+                          <a:ea typeface="+mn-ea"/>
+                          <a:cs typeface="+mn-cs"/>
+                        </a:rPr>
+                        <a:t>	</a:t>
+                      </a:r>
+                      <a:endParaRPr lang="de-DE" dirty="0"/>
+                    </a:p>
+                  </a:txBody>
+                  <a:tcPr>
+                    <a:solidFill>
+                      <a:schemeClr val="accent1">
+                        <a:tint val="40000"/>
+                      </a:schemeClr>
+                    </a:solidFill>
+                  </a:tcPr>
+                </a:tc>
+                <a:extLst>
+                  <a:ext uri="{0D108BD9-81ED-4DB2-BD59-A6C34878D82A}">
+                    <a16:rowId xmlns:a16="http://schemas.microsoft.com/office/drawing/2014/main" val="1436058584"/>
+                  </a:ext>
+                </a:extLst>
+              </a:tr>
+              <a:tr h="370840">
+                <a:tc>
+                  <a:txBody>
+                    <a:bodyPr/>
+                    <a:lstStyle/>
+                    <a:p>
+                      <a:pPr marL="0" marR="0" lvl="0" indent="0" algn="l" defTabSz="914400" rtl="0" eaLnBrk="1" fontAlgn="auto" latinLnBrk="0" hangingPunct="1">
+                        <a:lnSpc>
+                          <a:spcPct val="100000"/>
+                        </a:lnSpc>
+                        <a:spcBef>
+                          <a:spcPts val="0"/>
+                        </a:spcBef>
+                        <a:spcAft>
+                          <a:spcPts val="0"/>
+                        </a:spcAft>
+                        <a:buClrTx/>
+                        <a:buSzTx/>
+                        <a:buFontTx/>
+                        <a:buNone/>
+                        <a:tabLst/>
+                        <a:defRPr/>
+                      </a:pPr>
+                      <a:r>
+                        <a:rPr lang="de-DE" sz="1800" b="0" i="0" u="none" strike="noStrike" kern="1200" baseline="0" dirty="0">
+                          <a:solidFill>
+                            <a:schemeClr val="dk1"/>
+                          </a:solidFill>
+                          <a:latin typeface="+mn-lt"/>
+                          <a:ea typeface="+mn-ea"/>
+                          <a:cs typeface="+mn-cs"/>
+                          <a:hlinkClick r:id="rId3"/>
+                        </a:rPr>
+                        <a:t>xsl:template</a:t>
+                      </a:r>
+                      <a:r>
+                        <a:rPr lang="de-DE" sz="1800" b="0" i="0" u="none" strike="noStrike" kern="1200" baseline="0" dirty="0">
+                          <a:solidFill>
+                            <a:schemeClr val="dk1"/>
+                          </a:solidFill>
+                          <a:latin typeface="+mn-lt"/>
+                          <a:ea typeface="+mn-ea"/>
+                          <a:cs typeface="+mn-cs"/>
+                        </a:rPr>
+                        <a:t>		</a:t>
+                      </a:r>
+                    </a:p>
+                    <a:p>
+                      <a:endParaRPr lang="de-DE" dirty="0"/>
+                    </a:p>
+                  </a:txBody>
+                  <a:tcPr>
+                    <a:solidFill>
+                      <a:schemeClr val="accent1">
+                        <a:tint val="40000"/>
+                      </a:schemeClr>
+                    </a:solidFill>
+                  </a:tcPr>
+                </a:tc>
+                <a:tc>
+                  <a:txBody>
+                    <a:bodyPr/>
+                    <a:lstStyle/>
+                    <a:p>
+                      <a:r>
+                        <a:rPr lang="de-DE" sz="1800" b="0" i="0" u="none" strike="noStrike" kern="1200" baseline="0" dirty="0">
+                          <a:solidFill>
+                            <a:schemeClr val="dk1"/>
+                          </a:solidFill>
+                          <a:latin typeface="+mn-lt"/>
+                          <a:ea typeface="+mn-ea"/>
+                          <a:cs typeface="+mn-cs"/>
+                        </a:rPr>
+                        <a:t>enthält Instruktionen, deren Ausgabe direkt in das Ergebnisdokument eingetragen werden. Das Attribut </a:t>
+                      </a:r>
+                      <a:r>
+                        <a:rPr lang="de-DE" sz="1800" b="0" i="0" u="none" strike="noStrike" kern="1200" baseline="0" dirty="0" err="1">
+                          <a:solidFill>
+                            <a:schemeClr val="dk1"/>
+                          </a:solidFill>
+                          <a:latin typeface="+mn-lt"/>
+                          <a:ea typeface="+mn-ea"/>
+                          <a:cs typeface="+mn-cs"/>
+                        </a:rPr>
+                        <a:t>match</a:t>
+                      </a:r>
+                      <a:r>
+                        <a:rPr lang="de-DE" sz="1800" b="0" i="0" u="none" strike="noStrike" kern="1200" baseline="0" dirty="0">
+                          <a:solidFill>
+                            <a:schemeClr val="dk1"/>
+                          </a:solidFill>
+                          <a:latin typeface="+mn-lt"/>
+                          <a:ea typeface="+mn-ea"/>
+                          <a:cs typeface="+mn-cs"/>
+                        </a:rPr>
+                        <a:t> (</a:t>
+                      </a:r>
+                      <a:r>
+                        <a:rPr lang="de-DE" sz="1800" b="0" i="1" u="none" strike="noStrike" kern="1200" baseline="0" dirty="0" err="1">
+                          <a:solidFill>
+                            <a:schemeClr val="dk1"/>
+                          </a:solidFill>
+                          <a:latin typeface="+mn-lt"/>
+                          <a:ea typeface="+mn-ea"/>
+                          <a:cs typeface="+mn-cs"/>
+                        </a:rPr>
+                        <a:t>XPath</a:t>
+                      </a:r>
+                      <a:r>
+                        <a:rPr lang="de-DE" sz="1800" b="0" i="0" u="none" strike="noStrike" kern="1200" baseline="0" dirty="0">
+                          <a:solidFill>
+                            <a:schemeClr val="dk1"/>
+                          </a:solidFill>
+                          <a:latin typeface="+mn-lt"/>
+                          <a:ea typeface="+mn-ea"/>
+                          <a:cs typeface="+mn-cs"/>
+                        </a:rPr>
+                        <a:t>) sagt, auf welches Muster die Schablone passen soll</a:t>
+                      </a:r>
+                      <a:endParaRPr lang="de-DE" dirty="0"/>
+                    </a:p>
+                  </a:txBody>
+                  <a:tcPr>
+                    <a:solidFill>
+                      <a:schemeClr val="accent1">
+                        <a:tint val="40000"/>
+                      </a:schemeClr>
+                    </a:solidFill>
+                  </a:tcPr>
+                </a:tc>
+                <a:extLst>
+                  <a:ext uri="{0D108BD9-81ED-4DB2-BD59-A6C34878D82A}">
+                    <a16:rowId xmlns:a16="http://schemas.microsoft.com/office/drawing/2014/main" val="2228304943"/>
+                  </a:ext>
+                </a:extLst>
+              </a:tr>
+              <a:tr h="370840">
+                <a:tc>
+                  <a:txBody>
+                    <a:bodyPr/>
+                    <a:lstStyle/>
+                    <a:p>
+                      <a:pPr marL="0" marR="0" lvl="0" indent="0" algn="l" defTabSz="914400" rtl="0" eaLnBrk="1" fontAlgn="auto" latinLnBrk="0" hangingPunct="1">
+                        <a:lnSpc>
+                          <a:spcPct val="100000"/>
+                        </a:lnSpc>
+                        <a:spcBef>
+                          <a:spcPts val="0"/>
+                        </a:spcBef>
+                        <a:spcAft>
+                          <a:spcPts val="0"/>
+                        </a:spcAft>
+                        <a:buClrTx/>
+                        <a:buSzTx/>
+                        <a:buFontTx/>
+                        <a:buNone/>
+                        <a:tabLst/>
+                        <a:defRPr/>
+                      </a:pPr>
+                      <a:r>
+                        <a:rPr lang="de-DE" sz="1800" b="0" i="0" u="none" strike="noStrike" kern="1200" baseline="0" dirty="0">
+                          <a:solidFill>
+                            <a:schemeClr val="dk1"/>
+                          </a:solidFill>
+                          <a:latin typeface="+mn-lt"/>
+                          <a:ea typeface="+mn-ea"/>
+                          <a:cs typeface="+mn-cs"/>
+                          <a:hlinkClick r:id="rId4"/>
+                        </a:rPr>
+                        <a:t>xsl:apply-templates</a:t>
+                      </a:r>
+                      <a:r>
+                        <a:rPr lang="de-DE" sz="1800" b="0" i="0" u="none" strike="noStrike" kern="1200" baseline="0" dirty="0">
+                          <a:solidFill>
+                            <a:schemeClr val="dk1"/>
+                          </a:solidFill>
+                          <a:latin typeface="+mn-lt"/>
+                          <a:ea typeface="+mn-ea"/>
+                          <a:cs typeface="+mn-cs"/>
+                        </a:rPr>
+                        <a:t>	</a:t>
+                      </a:r>
+                      <a:endParaRPr lang="de-DE" dirty="0"/>
+                    </a:p>
+                  </a:txBody>
+                  <a:tcPr>
+                    <a:solidFill>
+                      <a:schemeClr val="accent1">
+                        <a:tint val="40000"/>
+                      </a:schemeClr>
+                    </a:solidFill>
+                  </a:tcPr>
+                </a:tc>
+                <a:tc>
+                  <a:txBody>
+                    <a:bodyPr/>
+                    <a:lstStyle/>
+                    <a:p>
+                      <a:pPr marL="0" marR="0" lvl="0" indent="0" algn="l" defTabSz="914400" rtl="0" eaLnBrk="1" fontAlgn="auto" latinLnBrk="0" hangingPunct="1">
+                        <a:lnSpc>
+                          <a:spcPct val="100000"/>
+                        </a:lnSpc>
+                        <a:spcBef>
+                          <a:spcPts val="0"/>
+                        </a:spcBef>
+                        <a:spcAft>
+                          <a:spcPts val="0"/>
+                        </a:spcAft>
+                        <a:buClrTx/>
+                        <a:buSzTx/>
+                        <a:buFontTx/>
+                        <a:buNone/>
+                        <a:tabLst/>
+                        <a:defRPr/>
+                      </a:pPr>
+                      <a:r>
+                        <a:rPr lang="de-DE" sz="1800" b="0" i="0" u="none" strike="noStrike" kern="1200" baseline="0" dirty="0">
+                          <a:solidFill>
+                            <a:schemeClr val="dk1"/>
+                          </a:solidFill>
+                          <a:latin typeface="+mn-lt"/>
+                          <a:ea typeface="+mn-ea"/>
+                          <a:cs typeface="+mn-cs"/>
+                        </a:rPr>
+                        <a:t>ruft das Template auf, dessen match-Attribut auf ein </a:t>
+                      </a:r>
+                      <a:r>
+                        <a:rPr lang="de-DE" sz="1800" b="0" i="0" u="none" strike="noStrike" kern="1200" baseline="0" dirty="0" err="1">
+                          <a:solidFill>
+                            <a:schemeClr val="dk1"/>
+                          </a:solidFill>
+                          <a:latin typeface="+mn-lt"/>
+                          <a:ea typeface="+mn-ea"/>
+                          <a:cs typeface="+mn-cs"/>
+                        </a:rPr>
+                        <a:t>Kindknoten</a:t>
+                      </a:r>
+                      <a:r>
+                        <a:rPr lang="de-DE" sz="1800" b="0" i="0" u="none" strike="noStrike" kern="1200" baseline="0" dirty="0">
+                          <a:solidFill>
+                            <a:schemeClr val="dk1"/>
+                          </a:solidFill>
+                          <a:latin typeface="+mn-lt"/>
+                          <a:ea typeface="+mn-ea"/>
+                          <a:cs typeface="+mn-cs"/>
+                        </a:rPr>
+                        <a:t> des aktuellen Kontextknotens passt.	</a:t>
+                      </a:r>
+                    </a:p>
+                  </a:txBody>
+                  <a:tcPr>
+                    <a:solidFill>
+                      <a:schemeClr val="accent1">
+                        <a:tint val="40000"/>
+                      </a:schemeClr>
+                    </a:solidFill>
+                  </a:tcPr>
+                </a:tc>
+                <a:extLst>
+                  <a:ext uri="{0D108BD9-81ED-4DB2-BD59-A6C34878D82A}">
+                    <a16:rowId xmlns:a16="http://schemas.microsoft.com/office/drawing/2014/main" val="1902613364"/>
+                  </a:ext>
+                </a:extLst>
+              </a:tr>
+              <a:tr h="370840">
+                <a:tc>
+                  <a:txBody>
+                    <a:bodyPr/>
+                    <a:lstStyle/>
+                    <a:p>
+                      <a:pPr marL="0" marR="0" lvl="0" indent="0" algn="l" defTabSz="914400" rtl="0" eaLnBrk="1" fontAlgn="auto" latinLnBrk="0" hangingPunct="1">
+                        <a:lnSpc>
+                          <a:spcPct val="100000"/>
+                        </a:lnSpc>
+                        <a:spcBef>
+                          <a:spcPts val="0"/>
+                        </a:spcBef>
+                        <a:spcAft>
+                          <a:spcPts val="0"/>
+                        </a:spcAft>
+                        <a:buClrTx/>
+                        <a:buSzTx/>
+                        <a:buFontTx/>
+                        <a:buNone/>
+                        <a:tabLst/>
+                        <a:defRPr/>
+                      </a:pPr>
+                      <a:r>
+                        <a:rPr lang="de-DE" sz="1800" b="0" i="0" u="none" strike="noStrike" kern="1200" baseline="0" dirty="0" err="1">
+                          <a:solidFill>
+                            <a:schemeClr val="dk1"/>
+                          </a:solidFill>
+                          <a:latin typeface="+mn-lt"/>
+                          <a:ea typeface="+mn-ea"/>
+                          <a:cs typeface="+mn-cs"/>
+                          <a:hlinkClick r:id="rId5"/>
+                        </a:rPr>
+                        <a:t>xsl:value-of</a:t>
+                      </a:r>
+                      <a:endParaRPr lang="de-DE" sz="1800" b="0" i="0" u="none" strike="noStrike" kern="1200" baseline="0" dirty="0">
+                        <a:solidFill>
+                          <a:schemeClr val="dk1"/>
+                        </a:solidFill>
+                        <a:latin typeface="+mn-lt"/>
+                        <a:ea typeface="+mn-ea"/>
+                        <a:cs typeface="+mn-cs"/>
+                      </a:endParaRPr>
+                    </a:p>
+                    <a:p>
+                      <a:endParaRPr lang="de-DE" dirty="0"/>
+                    </a:p>
+                  </a:txBody>
+                  <a:tcPr>
+                    <a:solidFill>
+                      <a:schemeClr val="accent1">
+                        <a:tint val="40000"/>
+                      </a:schemeClr>
+                    </a:solidFill>
+                  </a:tcPr>
+                </a:tc>
+                <a:tc>
+                  <a:txBody>
+                    <a:bodyPr/>
+                    <a:lstStyle/>
+                    <a:p>
+                      <a:pPr marL="0" marR="0" lvl="0" indent="0" algn="l" defTabSz="914400" rtl="0" eaLnBrk="1" fontAlgn="auto" latinLnBrk="0" hangingPunct="1">
+                        <a:lnSpc>
+                          <a:spcPct val="100000"/>
+                        </a:lnSpc>
+                        <a:spcBef>
+                          <a:spcPts val="0"/>
+                        </a:spcBef>
+                        <a:spcAft>
+                          <a:spcPts val="0"/>
+                        </a:spcAft>
+                        <a:buClrTx/>
+                        <a:buSzTx/>
+                        <a:buFontTx/>
+                        <a:buNone/>
+                        <a:tabLst/>
+                        <a:defRPr/>
+                      </a:pPr>
+                      <a:r>
+                        <a:rPr lang="de-DE" sz="1800" b="0" i="0" u="none" strike="noStrike" kern="1200" baseline="0" dirty="0">
+                          <a:solidFill>
+                            <a:schemeClr val="dk1"/>
+                          </a:solidFill>
+                          <a:latin typeface="+mn-lt"/>
+                          <a:ea typeface="+mn-ea"/>
+                          <a:cs typeface="+mn-cs"/>
+                        </a:rPr>
+                        <a:t>wandelt eine im </a:t>
+                      </a:r>
+                      <a:r>
+                        <a:rPr lang="de-DE" sz="1800" b="0" i="0" u="none" strike="noStrike" kern="1200" baseline="0" dirty="0" err="1">
+                          <a:solidFill>
+                            <a:schemeClr val="dk1"/>
+                          </a:solidFill>
+                          <a:latin typeface="+mn-lt"/>
+                          <a:ea typeface="+mn-ea"/>
+                          <a:cs typeface="+mn-cs"/>
+                        </a:rPr>
+                        <a:t>select</a:t>
+                      </a:r>
+                      <a:r>
+                        <a:rPr lang="de-DE" sz="1800" b="0" i="0" u="none" strike="noStrike" kern="1200" baseline="0" dirty="0">
+                          <a:solidFill>
+                            <a:schemeClr val="dk1"/>
+                          </a:solidFill>
+                          <a:latin typeface="+mn-lt"/>
+                          <a:ea typeface="+mn-ea"/>
+                          <a:cs typeface="+mn-cs"/>
+                        </a:rPr>
+                        <a:t>-Attribut angegebene Sequenz in Werte um, die als Output in das Ergebnisdokument kopiert werden.	</a:t>
+                      </a:r>
+                    </a:p>
+                  </a:txBody>
+                  <a:tcPr>
+                    <a:solidFill>
+                      <a:schemeClr val="accent1">
+                        <a:tint val="40000"/>
+                      </a:schemeClr>
+                    </a:solidFill>
+                  </a:tcPr>
+                </a:tc>
+                <a:extLst>
+                  <a:ext uri="{0D108BD9-81ED-4DB2-BD59-A6C34878D82A}">
+                    <a16:rowId xmlns:a16="http://schemas.microsoft.com/office/drawing/2014/main" val="1996218083"/>
+                  </a:ext>
+                </a:extLst>
+              </a:tr>
+            </a:tbl>
+          </a:graphicData>
+        </a:graphic>
+      </p:graphicFrame>
+    </p:spTree>
+    <p:extLst>
+      <p:ext uri="{BB962C8B-B14F-4D97-AF65-F5344CB8AC3E}">
+        <p14:creationId xmlns:p14="http://schemas.microsoft.com/office/powerpoint/2010/main" val="1665244694"/>
+      </p:ext>
+    </p:extLst>
+  </p:cSld>
+  <p:clrMapOvr>
+    <a:masterClrMapping/>
+  </p:clrMapOvr>
+</p:sld>
+</file>
+
+<file path=ppt/slides/slide17.xml><?xml version="1.0" encoding="utf-8"?>
+<p:sld xmlns:a="http://schemas.openxmlformats.org/drawingml/2006/main" xmlns:r="http://schemas.openxmlformats.org/officeDocument/2006/relationships" xmlns:p="http://schemas.openxmlformats.org/presentationml/2006/main">
+  <p:cSld>
+    <p:spTree>
+      <p:nvGrpSpPr>
+        <p:cNvPr id="1" name=""/>
+        <p:cNvGrpSpPr/>
+        <p:nvPr/>
+      </p:nvGrpSpPr>
+      <p:grpSpPr>
+        <a:xfrm>
+          <a:off x="0" y="0"/>
+          <a:ext cx="0" cy="0"/>
+          <a:chOff x="0" y="0"/>
+          <a:chExt cx="0" cy="0"/>
+        </a:xfrm>
+      </p:grpSpPr>
+      <p:sp>
+        <p:nvSpPr>
+          <p:cNvPr id="2" name="Titel 1">
+            <a:extLst>
+              <a:ext uri="{FF2B5EF4-FFF2-40B4-BE49-F238E27FC236}">
+                <a16:creationId xmlns:a16="http://schemas.microsoft.com/office/drawing/2014/main" id="{8AB5DAF8-F931-474C-BDC4-2C4503F88898}"/>
+              </a:ext>
+            </a:extLst>
+          </p:cNvPr>
+          <p:cNvSpPr>
+            <a:spLocks noGrp="1"/>
+          </p:cNvSpPr>
+          <p:nvPr>
+            <p:ph type="title"/>
+          </p:nvPr>
+        </p:nvSpPr>
+        <p:spPr>
+          <a:xfrm>
+            <a:off x="838200" y="348499"/>
+            <a:ext cx="10515600" cy="1325563"/>
+          </a:xfrm>
+        </p:spPr>
+        <p:txBody>
+          <a:bodyPr/>
+          <a:lstStyle/>
+          <a:p>
+            <a:r>
+              <a:rPr lang="de-DE" dirty="0"/>
+              <a:t>Einige Elemente</a:t>
+            </a:r>
+          </a:p>
+        </p:txBody>
+      </p:sp>
+      <p:graphicFrame>
+        <p:nvGraphicFramePr>
+          <p:cNvPr id="4" name="Inhaltsplatzhalter 3">
+            <a:extLst>
+              <a:ext uri="{FF2B5EF4-FFF2-40B4-BE49-F238E27FC236}">
+                <a16:creationId xmlns:a16="http://schemas.microsoft.com/office/drawing/2014/main" id="{DCFCD496-6FCF-4EC7-922B-C595F2E47515}"/>
+              </a:ext>
+            </a:extLst>
+          </p:cNvPr>
+          <p:cNvGraphicFramePr>
+            <a:graphicFrameLocks noGrp="1"/>
+          </p:cNvGraphicFramePr>
+          <p:nvPr>
+            <p:ph idx="1"/>
+            <p:extLst>
+              <p:ext uri="{D42A27DB-BD31-4B8C-83A1-F6EECF244321}">
+                <p14:modId xmlns:p14="http://schemas.microsoft.com/office/powerpoint/2010/main" val="598875153"/>
+              </p:ext>
+            </p:extLst>
+          </p:nvPr>
+        </p:nvGraphicFramePr>
+        <p:xfrm>
+          <a:off x="644457" y="1674062"/>
+          <a:ext cx="10903086" cy="5120640"/>
+        </p:xfrm>
+        <a:graphic>
+          <a:graphicData uri="http://schemas.openxmlformats.org/drawingml/2006/table">
+            <a:tbl>
+              <a:tblPr firstRow="1" bandRow="1">
+                <a:tableStyleId>{5C22544A-7EE6-4342-B048-85BDC9FD1C3A}</a:tableStyleId>
+              </a:tblPr>
+              <a:tblGrid>
+                <a:gridCol w="5451543">
+                  <a:extLst>
+                    <a:ext uri="{9D8B030D-6E8A-4147-A177-3AD203B41FA5}">
+                      <a16:colId xmlns:a16="http://schemas.microsoft.com/office/drawing/2014/main" val="1511244855"/>
+                    </a:ext>
+                  </a:extLst>
+                </a:gridCol>
+                <a:gridCol w="5451543">
+                  <a:extLst>
+                    <a:ext uri="{9D8B030D-6E8A-4147-A177-3AD203B41FA5}">
+                      <a16:colId xmlns:a16="http://schemas.microsoft.com/office/drawing/2014/main" val="1260371555"/>
+                    </a:ext>
+                  </a:extLst>
+                </a:gridCol>
+              </a:tblGrid>
+              <a:tr h="370840">
+                <a:tc>
+                  <a:txBody>
+                    <a:bodyPr/>
+                    <a:lstStyle/>
+                    <a:p>
+                      <a:r>
+                        <a:rPr lang="de-DE" sz="1800" b="0" i="0" u="none" strike="noStrike" kern="1200" baseline="0" dirty="0">
+                          <a:solidFill>
+                            <a:schemeClr val="tx1"/>
+                          </a:solidFill>
+                          <a:latin typeface="+mn-lt"/>
+                          <a:ea typeface="+mn-ea"/>
+                          <a:cs typeface="+mn-cs"/>
+                          <a:hlinkClick r:id="rId2"/>
+                        </a:rPr>
+                        <a:t>xsl:for-each</a:t>
+                      </a:r>
+                      <a:r>
+                        <a:rPr lang="de-DE" sz="1800" b="0" i="0" u="none" strike="noStrike" kern="1200" baseline="0" dirty="0">
+                          <a:solidFill>
+                            <a:schemeClr val="tx1"/>
+                          </a:solidFill>
+                          <a:latin typeface="+mn-lt"/>
+                          <a:ea typeface="+mn-ea"/>
+                          <a:cs typeface="+mn-cs"/>
+                        </a:rPr>
+                        <a:t>	</a:t>
+                      </a:r>
+                    </a:p>
+                    <a:p>
+                      <a:endParaRPr lang="de-DE" sz="1800" b="0" i="0" u="none" strike="noStrike" kern="1200" baseline="0" dirty="0">
+                        <a:solidFill>
+                          <a:schemeClr val="tx1"/>
+                        </a:solidFill>
+                        <a:latin typeface="+mn-lt"/>
+                        <a:ea typeface="+mn-ea"/>
+                        <a:cs typeface="+mn-cs"/>
+                      </a:endParaRPr>
+                    </a:p>
+                    <a:p>
+                      <a:endParaRPr lang="de-DE" sz="1800" b="0" i="0" u="none" strike="noStrike" kern="1200" baseline="0" dirty="0">
+                        <a:solidFill>
+                          <a:schemeClr val="tx1"/>
+                        </a:solidFill>
+                        <a:latin typeface="+mn-lt"/>
+                        <a:ea typeface="+mn-ea"/>
+                        <a:cs typeface="+mn-cs"/>
+                      </a:endParaRPr>
+                    </a:p>
+                    <a:p>
+                      <a:r>
+                        <a:rPr lang="de-DE" sz="1800" b="0" i="0" u="none" strike="noStrike" kern="1200" baseline="0" dirty="0">
+                          <a:solidFill>
+                            <a:schemeClr val="tx1"/>
+                          </a:solidFill>
+                          <a:latin typeface="+mn-lt"/>
+                          <a:ea typeface="+mn-ea"/>
+                          <a:cs typeface="+mn-cs"/>
+                          <a:hlinkClick r:id="rId3"/>
+                        </a:rPr>
+                        <a:t>xsl:for-each-group</a:t>
+                      </a:r>
+                      <a:r>
+                        <a:rPr lang="de-DE" sz="1800" b="0" i="0" u="none" strike="noStrike" kern="1200" baseline="0" dirty="0">
+                          <a:solidFill>
+                            <a:schemeClr val="tx1"/>
+                          </a:solidFill>
+                          <a:latin typeface="+mn-lt"/>
+                          <a:ea typeface="+mn-ea"/>
+                          <a:cs typeface="+mn-cs"/>
+                        </a:rPr>
+                        <a:t>	</a:t>
+                      </a:r>
+                    </a:p>
+                  </a:txBody>
+                  <a:tcPr>
+                    <a:solidFill>
+                      <a:schemeClr val="accent1">
+                        <a:tint val="40000"/>
+                      </a:schemeClr>
+                    </a:solidFill>
+                  </a:tcPr>
+                </a:tc>
+                <a:tc>
+                  <a:txBody>
+                    <a:bodyPr/>
+                    <a:lstStyle/>
+                    <a:p>
+                      <a:r>
+                        <a:rPr lang="de-DE" sz="1800" b="0" i="0" u="none" strike="noStrike" kern="1200" baseline="0" dirty="0">
+                          <a:solidFill>
+                            <a:schemeClr val="tx1"/>
+                          </a:solidFill>
+                          <a:latin typeface="+mn-lt"/>
+                          <a:ea typeface="+mn-ea"/>
+                          <a:cs typeface="+mn-cs"/>
+                        </a:rPr>
+                        <a:t>Tue für jedes … etwas. Menge wird im Attribut </a:t>
+                      </a:r>
+                      <a:r>
+                        <a:rPr lang="de-DE" sz="1800" b="0" i="0" u="none" strike="noStrike" kern="1200" baseline="0" dirty="0" err="1">
+                          <a:solidFill>
+                            <a:schemeClr val="tx1"/>
+                          </a:solidFill>
+                          <a:latin typeface="+mn-lt"/>
+                          <a:ea typeface="+mn-ea"/>
+                          <a:cs typeface="+mn-cs"/>
+                        </a:rPr>
+                        <a:t>select</a:t>
+                      </a:r>
+                      <a:r>
+                        <a:rPr lang="de-DE" sz="1800" b="0" i="0" u="none" strike="noStrike" kern="1200" baseline="0" dirty="0">
+                          <a:solidFill>
+                            <a:schemeClr val="tx1"/>
+                          </a:solidFill>
+                          <a:latin typeface="+mn-lt"/>
+                          <a:ea typeface="+mn-ea"/>
+                          <a:cs typeface="+mn-cs"/>
+                        </a:rPr>
+                        <a:t> bestimmt.</a:t>
+                      </a:r>
+                    </a:p>
+                    <a:p>
+                      <a:endParaRPr lang="de-DE" sz="1800" b="0" i="0" u="none" strike="noStrike" kern="1200" baseline="0" dirty="0">
+                        <a:solidFill>
+                          <a:schemeClr val="tx1"/>
+                        </a:solidFill>
+                        <a:latin typeface="+mn-lt"/>
+                        <a:ea typeface="+mn-ea"/>
+                        <a:cs typeface="+mn-cs"/>
+                      </a:endParaRPr>
+                    </a:p>
+                    <a:p>
+                      <a:r>
+                        <a:rPr lang="de-DE" sz="1800" b="0" i="0" u="none" strike="noStrike" kern="1200" baseline="0" dirty="0">
+                          <a:solidFill>
+                            <a:schemeClr val="tx1"/>
+                          </a:solidFill>
+                          <a:latin typeface="+mn-lt"/>
+                          <a:ea typeface="+mn-ea"/>
+                          <a:cs typeface="+mn-cs"/>
+                        </a:rPr>
+                        <a:t>dient dazu, eine im </a:t>
+                      </a:r>
+                      <a:r>
+                        <a:rPr lang="de-DE" sz="1800" b="0" i="0" u="none" strike="noStrike" kern="1200" baseline="0" dirty="0" err="1">
+                          <a:solidFill>
+                            <a:schemeClr val="tx1"/>
+                          </a:solidFill>
+                          <a:latin typeface="+mn-lt"/>
+                          <a:ea typeface="+mn-ea"/>
+                          <a:cs typeface="+mn-cs"/>
+                        </a:rPr>
+                        <a:t>select</a:t>
+                      </a:r>
+                      <a:r>
+                        <a:rPr lang="de-DE" sz="1800" b="0" i="0" u="none" strike="noStrike" kern="1200" baseline="0" dirty="0">
+                          <a:solidFill>
+                            <a:schemeClr val="tx1"/>
+                          </a:solidFill>
+                          <a:latin typeface="+mn-lt"/>
+                          <a:ea typeface="+mn-ea"/>
+                          <a:cs typeface="+mn-cs"/>
+                        </a:rPr>
+                        <a:t>-Attribut angegebene Eingabesequenz anhand eines Kriteriums zu gruppieren.	</a:t>
+                      </a:r>
+                    </a:p>
+                  </a:txBody>
+                  <a:tcPr>
+                    <a:solidFill>
+                      <a:schemeClr val="accent1">
+                        <a:tint val="40000"/>
+                      </a:schemeClr>
+                    </a:solidFill>
+                  </a:tcPr>
+                </a:tc>
+                <a:extLst>
+                  <a:ext uri="{0D108BD9-81ED-4DB2-BD59-A6C34878D82A}">
+                    <a16:rowId xmlns:a16="http://schemas.microsoft.com/office/drawing/2014/main" val="1436058584"/>
+                  </a:ext>
+                </a:extLst>
+              </a:tr>
+              <a:tr h="370840">
+                <a:tc>
+                  <a:txBody>
+                    <a:bodyPr/>
+                    <a:lstStyle/>
+                    <a:p>
+                      <a:pPr marL="0" marR="0" lvl="0" indent="0" algn="l" defTabSz="914400" rtl="0" eaLnBrk="1" fontAlgn="auto" latinLnBrk="0" hangingPunct="1">
+                        <a:lnSpc>
+                          <a:spcPct val="100000"/>
+                        </a:lnSpc>
+                        <a:spcBef>
+                          <a:spcPts val="0"/>
+                        </a:spcBef>
+                        <a:spcAft>
+                          <a:spcPts val="0"/>
+                        </a:spcAft>
+                        <a:buClrTx/>
+                        <a:buSzTx/>
+                        <a:buFontTx/>
+                        <a:buNone/>
+                        <a:tabLst/>
+                        <a:defRPr/>
+                      </a:pPr>
+                      <a:r>
+                        <a:rPr lang="de-DE" sz="1800" b="0" i="0" u="none" strike="noStrike" kern="1200" baseline="0" dirty="0">
+                          <a:solidFill>
+                            <a:schemeClr val="tx1"/>
+                          </a:solidFill>
+                          <a:latin typeface="+mn-lt"/>
+                          <a:ea typeface="+mn-ea"/>
+                          <a:cs typeface="+mn-cs"/>
+                          <a:hlinkClick r:id="rId4"/>
+                        </a:rPr>
+                        <a:t>xsl:sort</a:t>
+                      </a:r>
+                      <a:r>
+                        <a:rPr lang="de-DE" sz="1800" b="0" i="0" u="none" strike="noStrike" kern="1200" baseline="0" dirty="0">
+                          <a:solidFill>
+                            <a:schemeClr val="tx1"/>
+                          </a:solidFill>
+                          <a:latin typeface="+mn-lt"/>
+                          <a:ea typeface="+mn-ea"/>
+                          <a:cs typeface="+mn-cs"/>
+                        </a:rPr>
+                        <a:t>		</a:t>
+                      </a:r>
+                    </a:p>
+                    <a:p>
+                      <a:pPr marL="0" marR="0" lvl="0" indent="0" algn="l" defTabSz="914400" rtl="0" eaLnBrk="1" fontAlgn="auto" latinLnBrk="0" hangingPunct="1">
+                        <a:lnSpc>
+                          <a:spcPct val="100000"/>
+                        </a:lnSpc>
+                        <a:spcBef>
+                          <a:spcPts val="0"/>
+                        </a:spcBef>
+                        <a:spcAft>
+                          <a:spcPts val="0"/>
+                        </a:spcAft>
+                        <a:buClrTx/>
+                        <a:buSzTx/>
+                        <a:buFontTx/>
+                        <a:buNone/>
+                        <a:tabLst/>
+                        <a:defRPr/>
+                      </a:pPr>
+                      <a:r>
+                        <a:rPr lang="de-DE" sz="1800" b="0" i="0" u="none" strike="noStrike" kern="1200" baseline="0" dirty="0">
+                          <a:solidFill>
+                            <a:schemeClr val="tx1"/>
+                          </a:solidFill>
+                          <a:latin typeface="+mn-lt"/>
+                          <a:ea typeface="+mn-ea"/>
+                          <a:cs typeface="+mn-cs"/>
+                        </a:rPr>
+                        <a:t>	</a:t>
+                      </a:r>
+                    </a:p>
+                    <a:p>
+                      <a:endParaRPr lang="de-DE" dirty="0">
+                        <a:solidFill>
+                          <a:schemeClr val="tx1"/>
+                        </a:solidFill>
+                      </a:endParaRPr>
+                    </a:p>
+                  </a:txBody>
+                  <a:tcPr>
+                    <a:solidFill>
+                      <a:schemeClr val="accent1">
+                        <a:tint val="40000"/>
+                      </a:schemeClr>
+                    </a:solidFill>
+                  </a:tcPr>
+                </a:tc>
+                <a:tc>
+                  <a:txBody>
+                    <a:bodyPr/>
+                    <a:lstStyle/>
+                    <a:p>
+                      <a:r>
+                        <a:rPr lang="de-DE" sz="1800" b="0" i="0" u="none" strike="noStrike" kern="1200" baseline="0" dirty="0">
+                          <a:solidFill>
+                            <a:schemeClr val="tx1"/>
+                          </a:solidFill>
+                          <a:latin typeface="+mn-lt"/>
+                          <a:ea typeface="+mn-ea"/>
+                          <a:cs typeface="+mn-cs"/>
+                        </a:rPr>
+                        <a:t>sortiert eine (Knoten-)Sequenz anhand eines durch </a:t>
+                      </a:r>
+                      <a:r>
+                        <a:rPr lang="de-DE" sz="1800" b="0" i="0" u="none" strike="noStrike" kern="1200" baseline="0" dirty="0" err="1">
+                          <a:solidFill>
+                            <a:schemeClr val="tx1"/>
+                          </a:solidFill>
+                          <a:latin typeface="+mn-lt"/>
+                          <a:ea typeface="+mn-ea"/>
+                          <a:cs typeface="+mn-cs"/>
+                        </a:rPr>
+                        <a:t>dasselect</a:t>
+                      </a:r>
+                      <a:r>
+                        <a:rPr lang="de-DE" sz="1800" b="0" i="0" u="none" strike="noStrike" kern="1200" baseline="0" dirty="0">
+                          <a:solidFill>
+                            <a:schemeClr val="tx1"/>
+                          </a:solidFill>
+                          <a:latin typeface="+mn-lt"/>
+                          <a:ea typeface="+mn-ea"/>
+                          <a:cs typeface="+mn-cs"/>
+                        </a:rPr>
+                        <a:t>-Attribut ausgewählten Sortierkriteriums</a:t>
+                      </a:r>
+                      <a:endParaRPr lang="de-DE" dirty="0">
+                        <a:solidFill>
+                          <a:schemeClr val="tx1"/>
+                        </a:solidFill>
+                      </a:endParaRPr>
+                    </a:p>
+                  </a:txBody>
+                  <a:tcPr>
+                    <a:solidFill>
+                      <a:schemeClr val="accent1">
+                        <a:tint val="40000"/>
+                      </a:schemeClr>
+                    </a:solidFill>
+                  </a:tcPr>
+                </a:tc>
+                <a:extLst>
+                  <a:ext uri="{0D108BD9-81ED-4DB2-BD59-A6C34878D82A}">
+                    <a16:rowId xmlns:a16="http://schemas.microsoft.com/office/drawing/2014/main" val="2228304943"/>
+                  </a:ext>
+                </a:extLst>
+              </a:tr>
+              <a:tr h="370840">
+                <a:tc>
+                  <a:txBody>
+                    <a:bodyPr/>
+                    <a:lstStyle/>
+                    <a:p>
+                      <a:r>
+                        <a:rPr lang="de-DE" sz="1800" b="0" i="0" u="none" strike="noStrike" kern="1200" baseline="0" dirty="0">
+                          <a:solidFill>
+                            <a:schemeClr val="tx1"/>
+                          </a:solidFill>
+                          <a:latin typeface="+mn-lt"/>
+                          <a:ea typeface="+mn-ea"/>
+                          <a:cs typeface="+mn-cs"/>
+                          <a:hlinkClick r:id="rId5"/>
+                        </a:rPr>
+                        <a:t>xsl:if</a:t>
+                      </a:r>
+                      <a:r>
+                        <a:rPr lang="de-DE" sz="1800" b="0" i="0" u="none" strike="noStrike" kern="1200" baseline="0" dirty="0">
+                          <a:solidFill>
+                            <a:schemeClr val="tx1"/>
+                          </a:solidFill>
+                          <a:latin typeface="+mn-lt"/>
+                          <a:ea typeface="+mn-ea"/>
+                          <a:cs typeface="+mn-cs"/>
+                        </a:rPr>
+                        <a:t>		</a:t>
+                      </a:r>
+                    </a:p>
+                  </a:txBody>
+                  <a:tcPr>
+                    <a:solidFill>
+                      <a:schemeClr val="accent1">
+                        <a:tint val="40000"/>
+                      </a:schemeClr>
+                    </a:solidFill>
+                  </a:tcPr>
+                </a:tc>
+                <a:tc>
+                  <a:txBody>
+                    <a:bodyPr/>
+                    <a:lstStyle/>
+                    <a:p>
+                      <a:pPr marL="0" marR="0" lvl="0" indent="0" algn="l" defTabSz="914400" rtl="0" eaLnBrk="1" fontAlgn="auto" latinLnBrk="0" hangingPunct="1">
+                        <a:lnSpc>
+                          <a:spcPct val="100000"/>
+                        </a:lnSpc>
+                        <a:spcBef>
+                          <a:spcPts val="0"/>
+                        </a:spcBef>
+                        <a:spcAft>
+                          <a:spcPts val="0"/>
+                        </a:spcAft>
+                        <a:buClrTx/>
+                        <a:buSzTx/>
+                        <a:buFontTx/>
+                        <a:buNone/>
+                        <a:tabLst/>
+                        <a:defRPr/>
+                      </a:pPr>
+                      <a:r>
+                        <a:rPr lang="de-DE" sz="1800" b="0" i="0" u="none" strike="noStrike" kern="1200" baseline="0" dirty="0">
+                          <a:solidFill>
+                            <a:schemeClr val="tx1"/>
+                          </a:solidFill>
+                          <a:latin typeface="+mn-lt"/>
+                          <a:ea typeface="+mn-ea"/>
+                          <a:cs typeface="+mn-cs"/>
+                        </a:rPr>
+                        <a:t>die klassische IF-Abfrage, ohne jedoch eine alternative ELSE-Möglichkeit zuzulassen.	</a:t>
+                      </a:r>
+                    </a:p>
+                  </a:txBody>
+                  <a:tcPr>
+                    <a:solidFill>
+                      <a:schemeClr val="accent1">
+                        <a:tint val="40000"/>
+                      </a:schemeClr>
+                    </a:solidFill>
+                  </a:tcPr>
+                </a:tc>
+                <a:extLst>
+                  <a:ext uri="{0D108BD9-81ED-4DB2-BD59-A6C34878D82A}">
+                    <a16:rowId xmlns:a16="http://schemas.microsoft.com/office/drawing/2014/main" val="1902613364"/>
+                  </a:ext>
+                </a:extLst>
+              </a:tr>
+              <a:tr h="370840">
+                <a:tc>
+                  <a:txBody>
+                    <a:bodyPr/>
+                    <a:lstStyle/>
+                    <a:p>
+                      <a:r>
+                        <a:rPr lang="de-DE" sz="1800" b="0" i="0" u="none" strike="noStrike" kern="1200" baseline="0" dirty="0">
+                          <a:solidFill>
+                            <a:schemeClr val="tx1"/>
+                          </a:solidFill>
+                          <a:latin typeface="+mn-lt"/>
+                          <a:ea typeface="+mn-ea"/>
+                          <a:cs typeface="+mn-cs"/>
+                          <a:hlinkClick r:id="rId6"/>
+                        </a:rPr>
+                        <a:t>xsl:choose</a:t>
+                      </a:r>
+                      <a:r>
+                        <a:rPr lang="de-DE" sz="1800" b="0" i="0" u="none" strike="noStrike" kern="1200" baseline="0" dirty="0">
+                          <a:solidFill>
+                            <a:schemeClr val="tx1"/>
+                          </a:solidFill>
+                          <a:latin typeface="+mn-lt"/>
+                          <a:ea typeface="+mn-ea"/>
+                          <a:cs typeface="+mn-cs"/>
+                        </a:rPr>
+                        <a:t>	</a:t>
+                      </a:r>
+                    </a:p>
+                    <a:p>
+                      <a:endParaRPr lang="de-DE" dirty="0">
+                        <a:solidFill>
+                          <a:schemeClr val="tx1"/>
+                        </a:solidFill>
+                      </a:endParaRPr>
+                    </a:p>
+                  </a:txBody>
+                  <a:tcPr>
+                    <a:solidFill>
+                      <a:schemeClr val="accent1">
+                        <a:tint val="40000"/>
+                      </a:schemeClr>
+                    </a:solidFill>
+                  </a:tcPr>
+                </a:tc>
+                <a:tc>
+                  <a:txBody>
+                    <a:bodyPr/>
+                    <a:lstStyle/>
+                    <a:p>
+                      <a:pPr marL="0" marR="0" lvl="0" indent="0" algn="l" defTabSz="914400" rtl="0" eaLnBrk="1" fontAlgn="auto" latinLnBrk="0" hangingPunct="1">
+                        <a:lnSpc>
+                          <a:spcPct val="100000"/>
+                        </a:lnSpc>
+                        <a:spcBef>
+                          <a:spcPts val="0"/>
+                        </a:spcBef>
+                        <a:spcAft>
+                          <a:spcPts val="0"/>
+                        </a:spcAft>
+                        <a:buClrTx/>
+                        <a:buSzTx/>
+                        <a:buFontTx/>
+                        <a:buNone/>
+                        <a:tabLst/>
+                        <a:defRPr/>
+                      </a:pPr>
+                      <a:r>
+                        <a:rPr lang="de-DE" sz="1800" b="0" i="0" u="none" strike="noStrike" kern="1200" baseline="0" dirty="0">
+                          <a:solidFill>
+                            <a:schemeClr val="tx1"/>
+                          </a:solidFill>
+                          <a:latin typeface="+mn-lt"/>
+                          <a:ea typeface="+mn-ea"/>
+                          <a:cs typeface="+mn-cs"/>
+                        </a:rPr>
+                        <a:t>enthält eine oder mehrere </a:t>
+                      </a:r>
+                      <a:r>
+                        <a:rPr lang="de-DE" sz="1800" b="0" i="0" u="none" strike="noStrike" kern="1200" baseline="0" dirty="0">
+                          <a:solidFill>
+                            <a:schemeClr val="tx1"/>
+                          </a:solidFill>
+                          <a:latin typeface="+mn-lt"/>
+                          <a:ea typeface="+mn-ea"/>
+                          <a:cs typeface="+mn-cs"/>
+                          <a:hlinkClick r:id="rId7"/>
+                        </a:rPr>
+                        <a:t>xsl:when</a:t>
+                      </a:r>
+                      <a:r>
+                        <a:rPr lang="de-DE" sz="1800" b="0" i="0" u="none" strike="noStrike" kern="1200" baseline="0" dirty="0">
+                          <a:solidFill>
+                            <a:schemeClr val="tx1"/>
+                          </a:solidFill>
+                          <a:latin typeface="+mn-lt"/>
+                          <a:ea typeface="+mn-ea"/>
+                          <a:cs typeface="+mn-cs"/>
+                        </a:rPr>
+                        <a:t> -und gegebenenfalls abschließend eine </a:t>
+                      </a:r>
+                      <a:r>
+                        <a:rPr lang="de-DE" sz="1800" b="0" i="0" u="none" strike="noStrike" kern="1200" baseline="0" dirty="0">
+                          <a:solidFill>
+                            <a:schemeClr val="tx1"/>
+                          </a:solidFill>
+                          <a:latin typeface="+mn-lt"/>
+                          <a:ea typeface="+mn-ea"/>
+                          <a:cs typeface="+mn-cs"/>
+                          <a:hlinkClick r:id="rId8"/>
+                        </a:rPr>
+                        <a:t>xsl:otherwise</a:t>
+                      </a:r>
+                      <a:r>
+                        <a:rPr lang="de-DE" sz="1800" b="0" i="0" u="none" strike="noStrike" kern="1200" baseline="0" dirty="0">
+                          <a:solidFill>
+                            <a:schemeClr val="tx1"/>
+                          </a:solidFill>
+                          <a:latin typeface="+mn-lt"/>
+                          <a:ea typeface="+mn-ea"/>
+                          <a:cs typeface="+mn-cs"/>
+                        </a:rPr>
+                        <a:t>-Instruktion.	</a:t>
+                      </a:r>
+                    </a:p>
+                  </a:txBody>
+                  <a:tcPr>
+                    <a:solidFill>
+                      <a:schemeClr val="accent1">
+                        <a:tint val="40000"/>
+                      </a:schemeClr>
+                    </a:solidFill>
+                  </a:tcPr>
+                </a:tc>
+                <a:extLst>
+                  <a:ext uri="{0D108BD9-81ED-4DB2-BD59-A6C34878D82A}">
+                    <a16:rowId xmlns:a16="http://schemas.microsoft.com/office/drawing/2014/main" val="1996218083"/>
+                  </a:ext>
+                </a:extLst>
+              </a:tr>
+              <a:tr h="370840">
+                <a:tc>
+                  <a:txBody>
+                    <a:bodyPr/>
+                    <a:lstStyle/>
+                    <a:p>
+                      <a:pPr marL="0" marR="0" lvl="0" indent="0" algn="l" defTabSz="914400" rtl="0" eaLnBrk="1" fontAlgn="auto" latinLnBrk="0" hangingPunct="1">
+                        <a:lnSpc>
+                          <a:spcPct val="100000"/>
+                        </a:lnSpc>
+                        <a:spcBef>
+                          <a:spcPts val="0"/>
+                        </a:spcBef>
+                        <a:spcAft>
+                          <a:spcPts val="0"/>
+                        </a:spcAft>
+                        <a:buClrTx/>
+                        <a:buSzTx/>
+                        <a:buFontTx/>
+                        <a:buNone/>
+                        <a:tabLst/>
+                        <a:defRPr/>
+                      </a:pPr>
+                      <a:r>
+                        <a:rPr lang="de-DE" sz="1800" b="0" i="0" u="none" strike="noStrike" kern="1200" baseline="0" dirty="0">
+                          <a:solidFill>
+                            <a:schemeClr val="tx1"/>
+                          </a:solidFill>
+                          <a:latin typeface="+mn-lt"/>
+                          <a:ea typeface="+mn-ea"/>
+                          <a:cs typeface="+mn-cs"/>
+                          <a:hlinkClick r:id="rId9"/>
+                        </a:rPr>
+                        <a:t>xsl:variable</a:t>
+                      </a:r>
+                      <a:endParaRPr lang="de-DE" dirty="0">
+                        <a:solidFill>
+                          <a:schemeClr val="tx1"/>
+                        </a:solidFill>
+                      </a:endParaRPr>
+                    </a:p>
+                  </a:txBody>
+                  <a:tcPr>
+                    <a:solidFill>
+                      <a:schemeClr val="accent1">
+                        <a:tint val="40000"/>
+                      </a:schemeClr>
+                    </a:solidFill>
+                  </a:tcPr>
+                </a:tc>
+                <a:tc>
+                  <a:txBody>
+                    <a:bodyPr/>
+                    <a:lstStyle/>
+                    <a:p>
+                      <a:pPr marL="0" marR="0" lvl="0" indent="0" algn="l" defTabSz="914400" rtl="0" eaLnBrk="1" fontAlgn="auto" latinLnBrk="0" hangingPunct="1">
+                        <a:lnSpc>
+                          <a:spcPct val="100000"/>
+                        </a:lnSpc>
+                        <a:spcBef>
+                          <a:spcPts val="0"/>
+                        </a:spcBef>
+                        <a:spcAft>
+                          <a:spcPts val="0"/>
+                        </a:spcAft>
+                        <a:buClrTx/>
+                        <a:buSzTx/>
+                        <a:buFontTx/>
+                        <a:buNone/>
+                        <a:tabLst/>
+                        <a:defRPr/>
+                      </a:pPr>
+                      <a:r>
+                        <a:rPr lang="de-DE" sz="1800" b="0" i="0" u="none" strike="noStrike" kern="1200" baseline="0" dirty="0">
+                          <a:solidFill>
+                            <a:schemeClr val="tx1"/>
+                          </a:solidFill>
+                          <a:latin typeface="+mn-lt"/>
+                          <a:ea typeface="+mn-ea"/>
+                          <a:cs typeface="+mn-cs"/>
+                        </a:rPr>
+                        <a:t>definiert eine Variable, die mit einem Namen als Referenz versehen wird und der Werte, Strings oder ganzer Code zugeordnet werden kann.	</a:t>
+                      </a:r>
+                    </a:p>
+                  </a:txBody>
+                  <a:tcPr>
+                    <a:solidFill>
+                      <a:schemeClr val="accent1">
+                        <a:tint val="40000"/>
+                      </a:schemeClr>
+                    </a:solidFill>
+                  </a:tcPr>
+                </a:tc>
+                <a:extLst>
+                  <a:ext uri="{0D108BD9-81ED-4DB2-BD59-A6C34878D82A}">
+                    <a16:rowId xmlns:a16="http://schemas.microsoft.com/office/drawing/2014/main" val="2298689592"/>
+                  </a:ext>
+                </a:extLst>
+              </a:tr>
+            </a:tbl>
+          </a:graphicData>
+        </a:graphic>
+      </p:graphicFrame>
+    </p:spTree>
+    <p:extLst>
+      <p:ext uri="{BB962C8B-B14F-4D97-AF65-F5344CB8AC3E}">
+        <p14:creationId xmlns:p14="http://schemas.microsoft.com/office/powerpoint/2010/main" val="753861627"/>
+      </p:ext>
+    </p:extLst>
+  </p:cSld>
+  <p:clrMapOvr>
+    <a:masterClrMapping/>
+  </p:clrMapOvr>
+</p:sld>
+</file>
+
+<file path=ppt/slides/slide18.xml><?xml version="1.0" encoding="utf-8"?>
+<p:sld xmlns:a="http://schemas.openxmlformats.org/drawingml/2006/main" xmlns:r="http://schemas.openxmlformats.org/officeDocument/2006/relationships" xmlns:p="http://schemas.openxmlformats.org/presentationml/2006/main">
+  <p:cSld>
+    <p:spTree>
+      <p:nvGrpSpPr>
+        <p:cNvPr id="1" name=""/>
+        <p:cNvGrpSpPr/>
+        <p:nvPr/>
+      </p:nvGrpSpPr>
+      <p:grpSpPr>
+        <a:xfrm>
+          <a:off x="0" y="0"/>
+          <a:ext cx="0" cy="0"/>
+          <a:chOff x="0" y="0"/>
+          <a:chExt cx="0" cy="0"/>
+        </a:xfrm>
+      </p:grpSpPr>
+      <p:sp>
+        <p:nvSpPr>
+          <p:cNvPr id="2" name="Titel 1">
+            <a:extLst>
+              <a:ext uri="{FF2B5EF4-FFF2-40B4-BE49-F238E27FC236}">
+                <a16:creationId xmlns:a16="http://schemas.microsoft.com/office/drawing/2014/main" id="{C9BF99C9-3318-4B77-AF29-843E514EA975}"/>
+              </a:ext>
+            </a:extLst>
+          </p:cNvPr>
+          <p:cNvSpPr>
+            <a:spLocks noGrp="1"/>
+          </p:cNvSpPr>
+          <p:nvPr>
+            <p:ph type="title"/>
+          </p:nvPr>
+        </p:nvSpPr>
+        <p:spPr/>
+        <p:txBody>
+          <a:bodyPr/>
+          <a:lstStyle/>
+          <a:p>
+            <a:r>
+              <a:rPr lang="de-DE" dirty="0"/>
+              <a:t>xsl:stylesheet</a:t>
+            </a:r>
+          </a:p>
+        </p:txBody>
+      </p:sp>
+      <p:sp>
+        <p:nvSpPr>
+          <p:cNvPr id="3" name="Inhaltsplatzhalter 2">
+            <a:extLst>
+              <a:ext uri="{FF2B5EF4-FFF2-40B4-BE49-F238E27FC236}">
+                <a16:creationId xmlns:a16="http://schemas.microsoft.com/office/drawing/2014/main" id="{7919EA75-C03B-407F-A6D4-A2ADCA3C8825}"/>
+              </a:ext>
+            </a:extLst>
+          </p:cNvPr>
+          <p:cNvSpPr>
+            <a:spLocks noGrp="1"/>
+          </p:cNvSpPr>
+          <p:nvPr>
+            <p:ph idx="1"/>
+          </p:nvPr>
+        </p:nvSpPr>
+        <p:spPr/>
+        <p:txBody>
+          <a:bodyPr>
+            <a:normAutofit fontScale="92500" lnSpcReduction="20000"/>
+          </a:bodyPr>
+          <a:lstStyle/>
+          <a:p>
+            <a:pPr marL="0" indent="0">
+              <a:buNone/>
+            </a:pPr>
+            <a:r>
+              <a:rPr lang="de-DE" sz="2400" dirty="0">
+                <a:solidFill>
+                  <a:srgbClr val="0000FF"/>
+                </a:solidFill>
+                <a:latin typeface="Arial" panose="020B0604020202020204" pitchFamily="34" charset="0"/>
+              </a:rPr>
+              <a:t>&lt;xsl:stylesheet </a:t>
+            </a:r>
+            <a:r>
+              <a:rPr lang="de-DE" sz="2400" dirty="0" err="1">
+                <a:solidFill>
+                  <a:srgbClr val="FF7F7F"/>
+                </a:solidFill>
+                <a:latin typeface="Arial" panose="020B0604020202020204" pitchFamily="34" charset="0"/>
+              </a:rPr>
+              <a:t>version</a:t>
+            </a:r>
+            <a:r>
+              <a:rPr lang="de-DE" sz="2400" dirty="0">
+                <a:solidFill>
+                  <a:srgbClr val="FF7F7F"/>
+                </a:solidFill>
+                <a:latin typeface="Arial" panose="020B0604020202020204" pitchFamily="34" charset="0"/>
+              </a:rPr>
+              <a:t>="</a:t>
+            </a:r>
+            <a:r>
+              <a:rPr lang="de-DE" sz="2400" dirty="0">
+                <a:solidFill>
+                  <a:srgbClr val="7D0020"/>
+                </a:solidFill>
+                <a:latin typeface="Arial" panose="020B0604020202020204" pitchFamily="34" charset="0"/>
+              </a:rPr>
+              <a:t>1.0</a:t>
+            </a:r>
+            <a:r>
+              <a:rPr lang="de-DE" sz="2400" dirty="0">
+                <a:solidFill>
+                  <a:srgbClr val="FF7F7F"/>
+                </a:solidFill>
+                <a:latin typeface="Arial" panose="020B0604020202020204" pitchFamily="34" charset="0"/>
+              </a:rPr>
+              <a:t>"</a:t>
+            </a:r>
+          </a:p>
+          <a:p>
+            <a:pPr marL="0" indent="0">
+              <a:buNone/>
+            </a:pPr>
+            <a:r>
+              <a:rPr lang="de-DE" sz="2400" dirty="0">
+                <a:solidFill>
+                  <a:srgbClr val="FF7F7F"/>
+                </a:solidFill>
+                <a:latin typeface="Arial" panose="020B0604020202020204" pitchFamily="34" charset="0"/>
+              </a:rPr>
+              <a:t>	</a:t>
+            </a:r>
+            <a:r>
+              <a:rPr lang="de-DE" sz="2400" dirty="0" err="1">
+                <a:solidFill>
+                  <a:srgbClr val="FF7F7F"/>
+                </a:solidFill>
+                <a:latin typeface="Arial" panose="020B0604020202020204" pitchFamily="34" charset="0"/>
+              </a:rPr>
+              <a:t>xmlns:xsl</a:t>
+            </a:r>
+            <a:r>
+              <a:rPr lang="de-DE" sz="2400" dirty="0">
+                <a:solidFill>
+                  <a:srgbClr val="FF7F7F"/>
+                </a:solidFill>
+                <a:latin typeface="Arial" panose="020B0604020202020204" pitchFamily="34" charset="0"/>
+              </a:rPr>
+              <a:t>="</a:t>
+            </a:r>
+            <a:r>
+              <a:rPr lang="de-DE" sz="2400" dirty="0">
+                <a:solidFill>
+                  <a:srgbClr val="7D0020"/>
+                </a:solidFill>
+                <a:latin typeface="Arial" panose="020B0604020202020204" pitchFamily="34" charset="0"/>
+                <a:hlinkClick r:id="rId2">
+                  <a:extLst>
+                    <a:ext uri="{A12FA001-AC4F-418D-AE19-62706E023703}">
+                      <ahyp:hlinkClr xmlns:ahyp="http://schemas.microsoft.com/office/drawing/2018/hyperlinkcolor" val="tx"/>
+                    </a:ext>
+                  </a:extLst>
+                </a:hlinkClick>
+              </a:rPr>
+              <a:t>http://www.w3.org/1999/XSL/Transform</a:t>
+            </a:r>
+            <a:r>
+              <a:rPr lang="de-DE" sz="2400" dirty="0">
+                <a:solidFill>
+                  <a:srgbClr val="FF7F7F"/>
+                </a:solidFill>
+                <a:latin typeface="Arial" panose="020B0604020202020204" pitchFamily="34" charset="0"/>
+                <a:hlinkClick r:id="rId2">
+                  <a:extLst>
+                    <a:ext uri="{A12FA001-AC4F-418D-AE19-62706E023703}">
+                      <ahyp:hlinkClr xmlns:ahyp="http://schemas.microsoft.com/office/drawing/2018/hyperlinkcolor" val="tx"/>
+                    </a:ext>
+                  </a:extLst>
+                </a:hlinkClick>
+              </a:rPr>
+              <a:t>"&gt;</a:t>
+            </a:r>
+          </a:p>
+          <a:p>
+            <a:pPr marL="0" indent="0">
+              <a:buNone/>
+            </a:pPr>
+            <a:r>
+              <a:rPr lang="de-DE" sz="2400" dirty="0">
+                <a:latin typeface="Arial" panose="020B0604020202020204" pitchFamily="34" charset="0"/>
+              </a:rPr>
+              <a:t>		… Anweisungen hierher ...</a:t>
+            </a:r>
+          </a:p>
+          <a:p>
+            <a:pPr marL="0" indent="0">
+              <a:buNone/>
+            </a:pPr>
+            <a:r>
+              <a:rPr lang="de-DE" sz="2400" dirty="0">
+                <a:solidFill>
+                  <a:srgbClr val="0000FF"/>
+                </a:solidFill>
+                <a:latin typeface="Arial" panose="020B0604020202020204" pitchFamily="34" charset="0"/>
+              </a:rPr>
+              <a:t>&lt;/xsl:stylesheet&gt;</a:t>
+            </a:r>
+          </a:p>
+          <a:p>
+            <a:pPr marL="0" indent="0">
+              <a:buNone/>
+            </a:pPr>
+            <a:endParaRPr lang="de-DE" dirty="0"/>
+          </a:p>
+          <a:p>
+            <a:pPr marL="0" indent="0">
+              <a:buNone/>
+            </a:pPr>
+            <a:r>
+              <a:rPr lang="de-DE" dirty="0"/>
+              <a:t>Wichtig: TEI-Dateien müssen mit TEI-Namespace verarbeitet werden!</a:t>
+            </a:r>
+            <a:endParaRPr lang="de-DE" dirty="0">
+              <a:solidFill>
+                <a:srgbClr val="0000FF"/>
+              </a:solidFill>
+              <a:latin typeface="Arial" panose="020B0604020202020204" pitchFamily="34" charset="0"/>
+            </a:endParaRPr>
+          </a:p>
+          <a:p>
+            <a:pPr marL="0" indent="0">
+              <a:buNone/>
+            </a:pPr>
+            <a:endParaRPr lang="de-DE" dirty="0">
+              <a:solidFill>
+                <a:srgbClr val="0000FF"/>
+              </a:solidFill>
+              <a:latin typeface="Arial" panose="020B0604020202020204" pitchFamily="34" charset="0"/>
+            </a:endParaRPr>
+          </a:p>
+          <a:p>
+            <a:pPr marL="0" indent="0">
+              <a:buNone/>
+            </a:pPr>
+            <a:r>
+              <a:rPr lang="de-DE" sz="2400" dirty="0">
+                <a:solidFill>
+                  <a:srgbClr val="0000FF"/>
+                </a:solidFill>
+                <a:latin typeface="Arial" panose="020B0604020202020204" pitchFamily="34" charset="0"/>
+              </a:rPr>
+              <a:t>&lt;xsl:stylesheet </a:t>
+            </a:r>
+            <a:r>
+              <a:rPr lang="de-DE" sz="2400" dirty="0" err="1">
+                <a:solidFill>
+                  <a:srgbClr val="FF7F7F"/>
+                </a:solidFill>
+                <a:latin typeface="Arial" panose="020B0604020202020204" pitchFamily="34" charset="0"/>
+              </a:rPr>
+              <a:t>version</a:t>
+            </a:r>
+            <a:r>
+              <a:rPr lang="de-DE" sz="2400" dirty="0">
+                <a:solidFill>
+                  <a:srgbClr val="FF7F7F"/>
+                </a:solidFill>
+                <a:latin typeface="Arial" panose="020B0604020202020204" pitchFamily="34" charset="0"/>
+              </a:rPr>
+              <a:t>="</a:t>
+            </a:r>
+            <a:r>
+              <a:rPr lang="de-DE" sz="2400" dirty="0">
+                <a:solidFill>
+                  <a:srgbClr val="7D0020"/>
+                </a:solidFill>
+                <a:latin typeface="Arial" panose="020B0604020202020204" pitchFamily="34" charset="0"/>
+              </a:rPr>
+              <a:t>1.0</a:t>
+            </a:r>
+            <a:r>
+              <a:rPr lang="de-DE" sz="2400" dirty="0">
+                <a:solidFill>
+                  <a:srgbClr val="FF7F7F"/>
+                </a:solidFill>
+                <a:latin typeface="Arial" panose="020B0604020202020204" pitchFamily="34" charset="0"/>
+              </a:rPr>
+              <a:t>"</a:t>
+            </a:r>
+          </a:p>
+          <a:p>
+            <a:pPr marL="0" indent="0">
+              <a:buNone/>
+            </a:pPr>
+            <a:r>
+              <a:rPr lang="de-DE" sz="2400" dirty="0" err="1">
+                <a:solidFill>
+                  <a:srgbClr val="FF7F7F"/>
+                </a:solidFill>
+                <a:latin typeface="Arial" panose="020B0604020202020204" pitchFamily="34" charset="0"/>
+              </a:rPr>
+              <a:t>xmlns:tei</a:t>
+            </a:r>
+            <a:r>
+              <a:rPr lang="de-DE" sz="2400" dirty="0">
+                <a:solidFill>
+                  <a:srgbClr val="FF7F7F"/>
+                </a:solidFill>
+                <a:latin typeface="Arial" panose="020B0604020202020204" pitchFamily="34" charset="0"/>
+              </a:rPr>
+              <a:t>="</a:t>
+            </a:r>
+            <a:r>
+              <a:rPr lang="de-DE" sz="2400" dirty="0">
+                <a:solidFill>
+                  <a:srgbClr val="7D0020"/>
+                </a:solidFill>
+                <a:latin typeface="Arial" panose="020B0604020202020204" pitchFamily="34" charset="0"/>
+                <a:hlinkClick r:id="rId3">
+                  <a:extLst>
+                    <a:ext uri="{A12FA001-AC4F-418D-AE19-62706E023703}">
+                      <ahyp:hlinkClr xmlns:ahyp="http://schemas.microsoft.com/office/drawing/2018/hyperlinkcolor" val="tx"/>
+                    </a:ext>
+                  </a:extLst>
+                </a:hlinkClick>
+              </a:rPr>
+              <a:t>http://www.tei-c.org/ns/1.0</a:t>
+            </a:r>
+            <a:r>
+              <a:rPr lang="de-DE" sz="2400" dirty="0">
+                <a:solidFill>
+                  <a:srgbClr val="FF7F7F"/>
+                </a:solidFill>
+                <a:latin typeface="Arial" panose="020B0604020202020204" pitchFamily="34" charset="0"/>
+                <a:hlinkClick r:id="rId3">
+                  <a:extLst>
+                    <a:ext uri="{A12FA001-AC4F-418D-AE19-62706E023703}">
+                      <ahyp:hlinkClr xmlns:ahyp="http://schemas.microsoft.com/office/drawing/2018/hyperlinkcolor" val="tx"/>
+                    </a:ext>
+                  </a:extLst>
+                </a:hlinkClick>
+              </a:rPr>
+              <a:t>" 	</a:t>
+            </a:r>
+          </a:p>
+          <a:p>
+            <a:pPr marL="0" indent="0">
+              <a:buNone/>
+            </a:pPr>
+            <a:r>
+              <a:rPr lang="de-DE" sz="2400" dirty="0" err="1">
+                <a:solidFill>
+                  <a:srgbClr val="FF7F7F"/>
+                </a:solidFill>
+                <a:latin typeface="Arial" panose="020B0604020202020204" pitchFamily="34" charset="0"/>
+                <a:hlinkClick r:id="rId3">
+                  <a:extLst>
+                    <a:ext uri="{A12FA001-AC4F-418D-AE19-62706E023703}">
+                      <ahyp:hlinkClr xmlns:ahyp="http://schemas.microsoft.com/office/drawing/2018/hyperlinkcolor" val="tx"/>
+                    </a:ext>
+                  </a:extLst>
+                </a:hlinkClick>
+              </a:rPr>
+              <a:t>xmlns:xsl</a:t>
+            </a:r>
+            <a:r>
+              <a:rPr lang="de-DE" sz="2400" dirty="0">
+                <a:solidFill>
+                  <a:srgbClr val="FF7F7F"/>
+                </a:solidFill>
+                <a:latin typeface="Arial" panose="020B0604020202020204" pitchFamily="34" charset="0"/>
+                <a:hlinkClick r:id="rId3">
+                  <a:extLst>
+                    <a:ext uri="{A12FA001-AC4F-418D-AE19-62706E023703}">
+                      <ahyp:hlinkClr xmlns:ahyp="http://schemas.microsoft.com/office/drawing/2018/hyperlinkcolor" val="tx"/>
+                    </a:ext>
+                  </a:extLst>
+                </a:hlinkClick>
+              </a:rPr>
+              <a:t>="</a:t>
+            </a:r>
+            <a:r>
+              <a:rPr lang="de-DE" sz="2400" dirty="0">
+                <a:solidFill>
+                  <a:srgbClr val="7D0020"/>
+                </a:solidFill>
+                <a:latin typeface="Arial" panose="020B0604020202020204" pitchFamily="34" charset="0"/>
+                <a:hlinkClick r:id="rId2">
+                  <a:extLst>
+                    <a:ext uri="{A12FA001-AC4F-418D-AE19-62706E023703}">
+                      <ahyp:hlinkClr xmlns:ahyp="http://schemas.microsoft.com/office/drawing/2018/hyperlinkcolor" val="tx"/>
+                    </a:ext>
+                  </a:extLst>
+                </a:hlinkClick>
+              </a:rPr>
+              <a:t>http://www.w3.org/1999/XSL/Transform</a:t>
+            </a:r>
+            <a:r>
+              <a:rPr lang="de-DE" sz="2400" dirty="0">
+                <a:solidFill>
+                  <a:srgbClr val="FF7F7F"/>
+                </a:solidFill>
+                <a:latin typeface="Arial" panose="020B0604020202020204" pitchFamily="34" charset="0"/>
+                <a:hlinkClick r:id="rId2">
+                  <a:extLst>
+                    <a:ext uri="{A12FA001-AC4F-418D-AE19-62706E023703}">
+                      <ahyp:hlinkClr xmlns:ahyp="http://schemas.microsoft.com/office/drawing/2018/hyperlinkcolor" val="tx"/>
+                    </a:ext>
+                  </a:extLst>
+                </a:hlinkClick>
+              </a:rPr>
+              <a:t>"&gt;</a:t>
+            </a:r>
+          </a:p>
+          <a:p>
+            <a:pPr marL="0" indent="0">
+              <a:buNone/>
+            </a:pPr>
+            <a:r>
+              <a:rPr lang="de-DE" sz="2400" dirty="0">
+                <a:solidFill>
+                  <a:srgbClr val="0000FF"/>
+                </a:solidFill>
+                <a:latin typeface="Arial" panose="020B0604020202020204" pitchFamily="34" charset="0"/>
+              </a:rPr>
+              <a:t>&lt;/xsl:stylesheet&gt;</a:t>
+            </a:r>
+          </a:p>
+          <a:p>
+            <a:endParaRPr lang="de-DE" dirty="0">
+              <a:solidFill>
+                <a:srgbClr val="0000FF"/>
+              </a:solidFill>
+              <a:latin typeface="Arial" panose="020B0604020202020204" pitchFamily="34" charset="0"/>
+            </a:endParaRPr>
+          </a:p>
+        </p:txBody>
+      </p:sp>
+    </p:spTree>
+    <p:extLst>
+      <p:ext uri="{BB962C8B-B14F-4D97-AF65-F5344CB8AC3E}">
+        <p14:creationId xmlns:p14="http://schemas.microsoft.com/office/powerpoint/2010/main" val="589311981"/>
+      </p:ext>
+    </p:extLst>
+  </p:cSld>
+  <p:clrMapOvr>
+    <a:masterClrMapping/>
+  </p:clrMapOvr>
+</p:sld>
+</file>
+
+<file path=ppt/slides/slide19.xml><?xml version="1.0" encoding="utf-8"?>
+<p:sld xmlns:a="http://schemas.openxmlformats.org/drawingml/2006/main" xmlns:r="http://schemas.openxmlformats.org/officeDocument/2006/relationships" xmlns:p="http://schemas.openxmlformats.org/presentationml/2006/main">
+  <p:cSld>
+    <p:spTree>
+      <p:nvGrpSpPr>
+        <p:cNvPr id="1" name=""/>
+        <p:cNvGrpSpPr/>
+        <p:nvPr/>
+      </p:nvGrpSpPr>
+      <p:grpSpPr>
+        <a:xfrm>
+          <a:off x="0" y="0"/>
+          <a:ext cx="0" cy="0"/>
+          <a:chOff x="0" y="0"/>
+          <a:chExt cx="0" cy="0"/>
+        </a:xfrm>
+      </p:grpSpPr>
+      <p:sp>
+        <p:nvSpPr>
+          <p:cNvPr id="2" name="Titel 1">
+            <a:extLst>
+              <a:ext uri="{FF2B5EF4-FFF2-40B4-BE49-F238E27FC236}">
+                <a16:creationId xmlns:a16="http://schemas.microsoft.com/office/drawing/2014/main" id="{C9BF99C9-3318-4B77-AF29-843E514EA975}"/>
+              </a:ext>
+            </a:extLst>
+          </p:cNvPr>
+          <p:cNvSpPr>
+            <a:spLocks noGrp="1"/>
+          </p:cNvSpPr>
+          <p:nvPr>
+            <p:ph type="title"/>
+          </p:nvPr>
+        </p:nvSpPr>
+        <p:spPr/>
+        <p:txBody>
+          <a:bodyPr/>
+          <a:lstStyle/>
+          <a:p>
+            <a:r>
+              <a:rPr lang="de-DE" dirty="0"/>
+              <a:t>XSLT Beispiel</a:t>
+            </a:r>
+          </a:p>
+        </p:txBody>
+      </p:sp>
+      <p:sp>
+        <p:nvSpPr>
+          <p:cNvPr id="3" name="Inhaltsplatzhalter 2">
+            <a:extLst>
+              <a:ext uri="{FF2B5EF4-FFF2-40B4-BE49-F238E27FC236}">
+                <a16:creationId xmlns:a16="http://schemas.microsoft.com/office/drawing/2014/main" id="{7919EA75-C03B-407F-A6D4-A2ADCA3C8825}"/>
+              </a:ext>
+            </a:extLst>
+          </p:cNvPr>
+          <p:cNvSpPr>
+            <a:spLocks noGrp="1"/>
+          </p:cNvSpPr>
+          <p:nvPr>
+            <p:ph idx="1"/>
+          </p:nvPr>
+        </p:nvSpPr>
+        <p:spPr/>
+        <p:txBody>
+          <a:bodyPr>
+            <a:normAutofit fontScale="85000" lnSpcReduction="20000"/>
+          </a:bodyPr>
+          <a:lstStyle/>
+          <a:p>
+            <a:r>
+              <a:rPr lang="de-DE" dirty="0"/>
+              <a:t>XML: </a:t>
+            </a:r>
+            <a:r>
+              <a:rPr lang="de-DE" dirty="0">
+                <a:solidFill>
+                  <a:srgbClr val="0000FF"/>
+                </a:solidFill>
+                <a:latin typeface="Arial" panose="020B0604020202020204" pitchFamily="34" charset="0"/>
+              </a:rPr>
+              <a:t>&lt;</a:t>
+            </a:r>
+            <a:r>
+              <a:rPr lang="de-DE" dirty="0" err="1">
+                <a:solidFill>
+                  <a:srgbClr val="0000FF"/>
+                </a:solidFill>
+                <a:latin typeface="Arial" panose="020B0604020202020204" pitchFamily="34" charset="0"/>
+              </a:rPr>
+              <a:t>message</a:t>
+            </a:r>
+            <a:r>
+              <a:rPr lang="de-DE" dirty="0">
+                <a:solidFill>
+                  <a:srgbClr val="0000FF"/>
+                </a:solidFill>
+                <a:latin typeface="Arial" panose="020B0604020202020204" pitchFamily="34" charset="0"/>
+              </a:rPr>
+              <a:t>&gt;</a:t>
+            </a:r>
+            <a:r>
+              <a:rPr lang="de-DE" dirty="0">
+                <a:solidFill>
+                  <a:srgbClr val="000000"/>
+                </a:solidFill>
+                <a:latin typeface="Arial" panose="020B0604020202020204" pitchFamily="34" charset="0"/>
+              </a:rPr>
+              <a:t>Hallo Welt!</a:t>
+            </a:r>
+            <a:r>
+              <a:rPr lang="de-DE" dirty="0">
+                <a:solidFill>
+                  <a:srgbClr val="0000FF"/>
+                </a:solidFill>
+                <a:latin typeface="Arial" panose="020B0604020202020204" pitchFamily="34" charset="0"/>
+              </a:rPr>
+              <a:t>&lt;/</a:t>
+            </a:r>
+            <a:r>
+              <a:rPr lang="de-DE" dirty="0" err="1">
+                <a:solidFill>
+                  <a:srgbClr val="0000FF"/>
+                </a:solidFill>
+                <a:latin typeface="Arial" panose="020B0604020202020204" pitchFamily="34" charset="0"/>
+              </a:rPr>
+              <a:t>message</a:t>
+            </a:r>
+            <a:r>
+              <a:rPr lang="de-DE" dirty="0">
+                <a:solidFill>
+                  <a:srgbClr val="0000FF"/>
+                </a:solidFill>
+                <a:latin typeface="Arial" panose="020B0604020202020204" pitchFamily="34" charset="0"/>
+              </a:rPr>
+              <a:t>&gt;</a:t>
+            </a:r>
+          </a:p>
+          <a:p>
+            <a:r>
+              <a:rPr lang="de-DE" dirty="0"/>
+              <a:t>XSLT:</a:t>
+            </a:r>
+            <a:endParaRPr lang="de-DE" dirty="0">
+              <a:solidFill>
+                <a:srgbClr val="0000FF"/>
+              </a:solidFill>
+              <a:latin typeface="Arial" panose="020B0604020202020204" pitchFamily="34" charset="0"/>
+            </a:endParaRPr>
+          </a:p>
+          <a:p>
+            <a:pPr marL="0" indent="0">
+              <a:buNone/>
+            </a:pPr>
+            <a:r>
+              <a:rPr lang="de-DE" sz="2600" dirty="0">
+                <a:solidFill>
+                  <a:srgbClr val="0000FF"/>
+                </a:solidFill>
+                <a:latin typeface="Arial" panose="020B0604020202020204" pitchFamily="34" charset="0"/>
+              </a:rPr>
+              <a:t>&lt;xsl:stylesheet </a:t>
+            </a:r>
+            <a:r>
+              <a:rPr lang="de-DE" sz="2600" dirty="0" err="1">
+                <a:solidFill>
+                  <a:srgbClr val="FF7F7F"/>
+                </a:solidFill>
+                <a:latin typeface="Arial" panose="020B0604020202020204" pitchFamily="34" charset="0"/>
+              </a:rPr>
+              <a:t>version</a:t>
+            </a:r>
+            <a:r>
+              <a:rPr lang="de-DE" sz="2600" dirty="0">
+                <a:solidFill>
+                  <a:srgbClr val="FF7F7F"/>
+                </a:solidFill>
+                <a:latin typeface="Arial" panose="020B0604020202020204" pitchFamily="34" charset="0"/>
+              </a:rPr>
+              <a:t>="</a:t>
+            </a:r>
+            <a:r>
+              <a:rPr lang="de-DE" sz="2600" dirty="0">
+                <a:solidFill>
+                  <a:srgbClr val="7D0020"/>
+                </a:solidFill>
+                <a:latin typeface="Arial" panose="020B0604020202020204" pitchFamily="34" charset="0"/>
+              </a:rPr>
+              <a:t>1.0</a:t>
+            </a:r>
+            <a:r>
+              <a:rPr lang="de-DE" sz="2600" dirty="0">
+                <a:solidFill>
+                  <a:srgbClr val="FF7F7F"/>
+                </a:solidFill>
+                <a:latin typeface="Arial" panose="020B0604020202020204" pitchFamily="34" charset="0"/>
+              </a:rPr>
+              <a:t>"</a:t>
+            </a:r>
+          </a:p>
+          <a:p>
+            <a:pPr marL="0" indent="0">
+              <a:buNone/>
+            </a:pPr>
+            <a:r>
+              <a:rPr lang="de-DE" sz="2600" dirty="0">
+                <a:solidFill>
+                  <a:srgbClr val="FF7F7F"/>
+                </a:solidFill>
+                <a:latin typeface="Arial" panose="020B0604020202020204" pitchFamily="34" charset="0"/>
+              </a:rPr>
+              <a:t>	</a:t>
+            </a:r>
+            <a:r>
+              <a:rPr lang="de-DE" sz="2600" dirty="0" err="1">
+                <a:solidFill>
+                  <a:srgbClr val="FF7F7F"/>
+                </a:solidFill>
+                <a:latin typeface="Arial" panose="020B0604020202020204" pitchFamily="34" charset="0"/>
+              </a:rPr>
+              <a:t>xmlns:xsl</a:t>
+            </a:r>
+            <a:r>
+              <a:rPr lang="de-DE" sz="2600" dirty="0">
+                <a:solidFill>
+                  <a:srgbClr val="FF7F7F"/>
+                </a:solidFill>
+                <a:latin typeface="Arial" panose="020B0604020202020204" pitchFamily="34" charset="0"/>
+              </a:rPr>
+              <a:t>="</a:t>
+            </a:r>
+            <a:r>
+              <a:rPr lang="de-DE" sz="2600" dirty="0">
+                <a:solidFill>
+                  <a:srgbClr val="7D0020"/>
+                </a:solidFill>
+                <a:latin typeface="Arial" panose="020B0604020202020204" pitchFamily="34" charset="0"/>
+                <a:hlinkClick r:id="rId2">
+                  <a:extLst>
+                    <a:ext uri="{A12FA001-AC4F-418D-AE19-62706E023703}">
+                      <ahyp:hlinkClr xmlns:ahyp="http://schemas.microsoft.com/office/drawing/2018/hyperlinkcolor" val="tx"/>
+                    </a:ext>
+                  </a:extLst>
+                </a:hlinkClick>
+              </a:rPr>
+              <a:t>http://www.w3.org/1999/XSL/Transform</a:t>
+            </a:r>
+            <a:r>
+              <a:rPr lang="de-DE" sz="2600" dirty="0">
+                <a:solidFill>
+                  <a:srgbClr val="FF7F7F"/>
+                </a:solidFill>
+                <a:latin typeface="Arial" panose="020B0604020202020204" pitchFamily="34" charset="0"/>
+                <a:hlinkClick r:id="rId2">
+                  <a:extLst>
+                    <a:ext uri="{A12FA001-AC4F-418D-AE19-62706E023703}">
+                      <ahyp:hlinkClr xmlns:ahyp="http://schemas.microsoft.com/office/drawing/2018/hyperlinkcolor" val="tx"/>
+                    </a:ext>
+                  </a:extLst>
+                </a:hlinkClick>
+              </a:rPr>
+              <a:t>"&gt;</a:t>
+            </a:r>
+          </a:p>
+          <a:p>
+            <a:pPr marL="0" indent="0">
+              <a:buNone/>
+            </a:pPr>
+            <a:r>
+              <a:rPr lang="de-DE" sz="2600" dirty="0">
+                <a:solidFill>
+                  <a:srgbClr val="0000FF"/>
+                </a:solidFill>
+                <a:latin typeface="Arial" panose="020B0604020202020204" pitchFamily="34" charset="0"/>
+              </a:rPr>
+              <a:t>	&lt;xsl:template </a:t>
+            </a:r>
+            <a:r>
+              <a:rPr lang="de-DE" sz="2600" dirty="0" err="1">
+                <a:solidFill>
+                  <a:srgbClr val="FF7F7F"/>
+                </a:solidFill>
+                <a:latin typeface="Arial" panose="020B0604020202020204" pitchFamily="34" charset="0"/>
+              </a:rPr>
+              <a:t>match</a:t>
+            </a:r>
+            <a:r>
+              <a:rPr lang="de-DE" sz="2600" dirty="0">
+                <a:solidFill>
+                  <a:srgbClr val="FF7F7F"/>
+                </a:solidFill>
+                <a:latin typeface="Arial" panose="020B0604020202020204" pitchFamily="34" charset="0"/>
+              </a:rPr>
+              <a:t>="</a:t>
+            </a:r>
+            <a:r>
+              <a:rPr lang="de-DE" sz="2600" dirty="0">
+                <a:solidFill>
+                  <a:srgbClr val="7D0020"/>
+                </a:solidFill>
+                <a:latin typeface="Arial" panose="020B0604020202020204" pitchFamily="34" charset="0"/>
+              </a:rPr>
+              <a:t>/</a:t>
+            </a:r>
+            <a:r>
+              <a:rPr lang="de-DE" sz="2600" dirty="0">
+                <a:solidFill>
+                  <a:srgbClr val="FF7F7F"/>
+                </a:solidFill>
+                <a:latin typeface="Arial" panose="020B0604020202020204" pitchFamily="34" charset="0"/>
+              </a:rPr>
+              <a:t>"&gt;</a:t>
+            </a:r>
+          </a:p>
+          <a:p>
+            <a:pPr marL="914400" lvl="2" indent="0">
+              <a:buNone/>
+            </a:pPr>
+            <a:r>
+              <a:rPr lang="de-DE" sz="2600" dirty="0">
+                <a:solidFill>
+                  <a:srgbClr val="3EFF3E"/>
+                </a:solidFill>
+                <a:latin typeface="Arial" panose="020B0604020202020204" pitchFamily="34" charset="0"/>
+              </a:rPr>
+              <a:t>&lt;</a:t>
+            </a:r>
+            <a:r>
+              <a:rPr lang="de-DE" sz="2600" dirty="0" err="1">
+                <a:solidFill>
+                  <a:srgbClr val="3EFF3E"/>
+                </a:solidFill>
+                <a:latin typeface="Arial" panose="020B0604020202020204" pitchFamily="34" charset="0"/>
+              </a:rPr>
+              <a:t>html</a:t>
+            </a:r>
+            <a:r>
+              <a:rPr lang="de-DE" sz="2600" dirty="0">
+                <a:solidFill>
+                  <a:srgbClr val="3EFF3E"/>
+                </a:solidFill>
+                <a:latin typeface="Arial" panose="020B0604020202020204" pitchFamily="34" charset="0"/>
+              </a:rPr>
+              <a:t>&gt;&lt;</a:t>
+            </a:r>
+            <a:r>
+              <a:rPr lang="de-DE" sz="2600" dirty="0" err="1">
+                <a:solidFill>
+                  <a:srgbClr val="3EFF3E"/>
+                </a:solidFill>
+                <a:latin typeface="Arial" panose="020B0604020202020204" pitchFamily="34" charset="0"/>
+              </a:rPr>
+              <a:t>body</a:t>
+            </a:r>
+            <a:r>
+              <a:rPr lang="de-DE" sz="2600" dirty="0">
+                <a:solidFill>
+                  <a:srgbClr val="3EFF3E"/>
+                </a:solidFill>
+                <a:latin typeface="Arial" panose="020B0604020202020204" pitchFamily="34" charset="0"/>
+              </a:rPr>
+              <a:t>&gt;</a:t>
+            </a:r>
+          </a:p>
+          <a:p>
+            <a:pPr marL="1371600" lvl="3" indent="0">
+              <a:buNone/>
+            </a:pPr>
+            <a:r>
+              <a:rPr lang="en-US" sz="2600" dirty="0">
+                <a:solidFill>
+                  <a:srgbClr val="3EFF3E"/>
+                </a:solidFill>
+                <a:latin typeface="Arial" panose="020B0604020202020204" pitchFamily="34" charset="0"/>
+              </a:rPr>
+              <a:t>&lt;h1&gt;</a:t>
+            </a:r>
+            <a:r>
+              <a:rPr lang="en-US" sz="2600" dirty="0">
+                <a:solidFill>
+                  <a:srgbClr val="0000FF"/>
+                </a:solidFill>
+                <a:latin typeface="Arial" panose="020B0604020202020204" pitchFamily="34" charset="0"/>
+              </a:rPr>
+              <a:t>&lt;</a:t>
+            </a:r>
+            <a:r>
+              <a:rPr lang="en-US" sz="2600" dirty="0" err="1">
+                <a:solidFill>
+                  <a:srgbClr val="0000FF"/>
+                </a:solidFill>
+                <a:latin typeface="Arial" panose="020B0604020202020204" pitchFamily="34" charset="0"/>
+              </a:rPr>
+              <a:t>xsl:value-of</a:t>
+            </a:r>
+            <a:r>
+              <a:rPr lang="en-US" sz="2600" dirty="0">
+                <a:solidFill>
+                  <a:srgbClr val="0000FF"/>
+                </a:solidFill>
+                <a:latin typeface="Arial" panose="020B0604020202020204" pitchFamily="34" charset="0"/>
+              </a:rPr>
+              <a:t> </a:t>
+            </a:r>
+            <a:r>
+              <a:rPr lang="en-US" sz="2600" dirty="0">
+                <a:solidFill>
+                  <a:srgbClr val="FF7F7F"/>
+                </a:solidFill>
+                <a:latin typeface="Arial" panose="020B0604020202020204" pitchFamily="34" charset="0"/>
+              </a:rPr>
+              <a:t>select="</a:t>
+            </a:r>
+            <a:r>
+              <a:rPr lang="en-US" sz="2600" dirty="0">
+                <a:solidFill>
+                  <a:srgbClr val="7D0020"/>
+                </a:solidFill>
+                <a:latin typeface="Arial" panose="020B0604020202020204" pitchFamily="34" charset="0"/>
+              </a:rPr>
+              <a:t>message</a:t>
+            </a:r>
+            <a:r>
+              <a:rPr lang="en-US" sz="2600" dirty="0">
+                <a:solidFill>
+                  <a:srgbClr val="FF7F7F"/>
+                </a:solidFill>
+                <a:latin typeface="Arial" panose="020B0604020202020204" pitchFamily="34" charset="0"/>
+              </a:rPr>
+              <a:t>"/&gt;</a:t>
+            </a:r>
+            <a:r>
+              <a:rPr lang="en-US" sz="2600" dirty="0">
+                <a:solidFill>
+                  <a:srgbClr val="3EFF3E"/>
+                </a:solidFill>
+                <a:latin typeface="Arial" panose="020B0604020202020204" pitchFamily="34" charset="0"/>
+              </a:rPr>
+              <a:t>&lt;/h1&gt;</a:t>
+            </a:r>
+          </a:p>
+          <a:p>
+            <a:pPr marL="914400" lvl="2" indent="0">
+              <a:buNone/>
+            </a:pPr>
+            <a:r>
+              <a:rPr lang="de-DE" sz="2600" dirty="0">
+                <a:solidFill>
+                  <a:srgbClr val="3EFF3E"/>
+                </a:solidFill>
+                <a:latin typeface="Arial" panose="020B0604020202020204" pitchFamily="34" charset="0"/>
+              </a:rPr>
+              <a:t>&lt;/</a:t>
+            </a:r>
+            <a:r>
+              <a:rPr lang="de-DE" sz="2600" dirty="0" err="1">
+                <a:solidFill>
+                  <a:srgbClr val="3EFF3E"/>
+                </a:solidFill>
+                <a:latin typeface="Arial" panose="020B0604020202020204" pitchFamily="34" charset="0"/>
+              </a:rPr>
+              <a:t>body</a:t>
+            </a:r>
+            <a:r>
+              <a:rPr lang="de-DE" sz="2600" dirty="0">
+                <a:solidFill>
+                  <a:srgbClr val="3EFF3E"/>
+                </a:solidFill>
+                <a:latin typeface="Arial" panose="020B0604020202020204" pitchFamily="34" charset="0"/>
+              </a:rPr>
+              <a:t>&gt;&lt;/</a:t>
+            </a:r>
+            <a:r>
+              <a:rPr lang="de-DE" sz="2600" dirty="0" err="1">
+                <a:solidFill>
+                  <a:srgbClr val="3EFF3E"/>
+                </a:solidFill>
+                <a:latin typeface="Arial" panose="020B0604020202020204" pitchFamily="34" charset="0"/>
+              </a:rPr>
+              <a:t>html</a:t>
+            </a:r>
+            <a:r>
+              <a:rPr lang="de-DE" sz="2600" dirty="0">
+                <a:solidFill>
+                  <a:srgbClr val="3EFF3E"/>
+                </a:solidFill>
+                <a:latin typeface="Arial" panose="020B0604020202020204" pitchFamily="34" charset="0"/>
+              </a:rPr>
+              <a:t>&gt;</a:t>
+            </a:r>
+          </a:p>
+          <a:p>
+            <a:pPr marL="0" indent="0">
+              <a:buNone/>
+            </a:pPr>
+            <a:r>
+              <a:rPr lang="de-DE" sz="2600" dirty="0">
+                <a:solidFill>
+                  <a:srgbClr val="0000FF"/>
+                </a:solidFill>
+                <a:latin typeface="Arial" panose="020B0604020202020204" pitchFamily="34" charset="0"/>
+              </a:rPr>
+              <a:t>	&lt;/xsl:template&gt;</a:t>
+            </a:r>
+          </a:p>
+          <a:p>
+            <a:pPr marL="0" indent="0">
+              <a:buNone/>
+            </a:pPr>
+            <a:r>
+              <a:rPr lang="de-DE" sz="2600" dirty="0">
+                <a:solidFill>
+                  <a:srgbClr val="0000FF"/>
+                </a:solidFill>
+                <a:latin typeface="Arial" panose="020B0604020202020204" pitchFamily="34" charset="0"/>
+              </a:rPr>
+              <a:t>&lt;/xsl:stylesheet&gt;</a:t>
+            </a:r>
+          </a:p>
+          <a:p>
+            <a:endParaRPr lang="de-DE" dirty="0"/>
+          </a:p>
+          <a:p>
+            <a:r>
+              <a:rPr lang="de-DE" dirty="0"/>
+              <a:t>Der HTML-Namespace wird als </a:t>
+            </a:r>
+            <a:r>
+              <a:rPr lang="de-DE" dirty="0" err="1"/>
+              <a:t>default</a:t>
+            </a:r>
+            <a:r>
+              <a:rPr lang="de-DE" dirty="0"/>
+              <a:t> angenommen!</a:t>
+            </a:r>
+            <a:endParaRPr lang="de-DE" dirty="0">
+              <a:solidFill>
+                <a:srgbClr val="0000FF"/>
+              </a:solidFill>
+              <a:latin typeface="Arial" panose="020B0604020202020204" pitchFamily="34" charset="0"/>
+            </a:endParaRPr>
+          </a:p>
+        </p:txBody>
+      </p:sp>
+    </p:spTree>
+    <p:extLst>
+      <p:ext uri="{BB962C8B-B14F-4D97-AF65-F5344CB8AC3E}">
+        <p14:creationId xmlns:p14="http://schemas.microsoft.com/office/powerpoint/2010/main" val="3694795552"/>
       </p:ext>
     </p:extLst>
   </p:cSld>
@@ -3762,20 +7854,48 @@
           <a:p>
             <a:r>
               <a:rPr lang="de-DE" dirty="0"/>
-              <a:t>Einführung</a:t>
-            </a:r>
-          </a:p>
-          <a:p>
-            <a:r>
-              <a:rPr lang="de-DE" dirty="0"/>
-              <a:t>Syntax/Spezifikation</a:t>
-            </a:r>
-          </a:p>
-          <a:p>
-            <a:br>
-              <a:rPr lang="de-DE" dirty="0"/>
-            </a:br>
+              <a:t>Was ist XSLT?</a:t>
+            </a:r>
+          </a:p>
+          <a:p>
+            <a:r>
+              <a:rPr lang="de-DE" dirty="0"/>
+              <a:t>Grundsätzliche Funktionsweise</a:t>
+            </a:r>
+          </a:p>
+          <a:p>
+            <a:r>
+              <a:rPr lang="de-DE" dirty="0"/>
+              <a:t>Aufbau einer Transformation</a:t>
+            </a:r>
+          </a:p>
+          <a:p>
+            <a:r>
+              <a:rPr lang="de-DE" dirty="0"/>
+              <a:t>Wichtige </a:t>
+            </a:r>
+            <a:r>
+              <a:rPr lang="de-DE" dirty="0" err="1"/>
+              <a:t>BefehleElemente</a:t>
+            </a:r>
             <a:endParaRPr lang="de-DE" dirty="0"/>
+          </a:p>
+          <a:p>
+            <a:r>
+              <a:rPr lang="de-DE" dirty="0"/>
+              <a:t>XSLT in </a:t>
+            </a:r>
+            <a:r>
+              <a:rPr lang="de-DE" dirty="0" err="1"/>
+              <a:t>oXygen</a:t>
+            </a:r>
+            <a:endParaRPr lang="de-DE" dirty="0"/>
+          </a:p>
+          <a:p>
+            <a:r>
+              <a:rPr lang="de-DE" dirty="0"/>
+              <a:t>Übungen</a:t>
+            </a:r>
           </a:p>
         </p:txBody>
       </p:sp>
@@ -3783,6 +7903,3499 @@
     <p:extLst>
       <p:ext uri="{BB962C8B-B14F-4D97-AF65-F5344CB8AC3E}">
         <p14:creationId xmlns:p14="http://schemas.microsoft.com/office/powerpoint/2010/main" val="1785676973"/>
+      </p:ext>
+    </p:extLst>
+  </p:cSld>
+  <p:clrMapOvr>
+    <a:masterClrMapping/>
+  </p:clrMapOvr>
+</p:sld>
+</file>
+
+<file path=ppt/slides/slide20.xml><?xml version="1.0" encoding="utf-8"?>
+<p:sld xmlns:a="http://schemas.openxmlformats.org/drawingml/2006/main" xmlns:r="http://schemas.openxmlformats.org/officeDocument/2006/relationships" xmlns:p="http://schemas.openxmlformats.org/presentationml/2006/main">
+  <p:cSld>
+    <p:spTree>
+      <p:nvGrpSpPr>
+        <p:cNvPr id="1" name=""/>
+        <p:cNvGrpSpPr/>
+        <p:nvPr/>
+      </p:nvGrpSpPr>
+      <p:grpSpPr>
+        <a:xfrm>
+          <a:off x="0" y="0"/>
+          <a:ext cx="0" cy="0"/>
+          <a:chOff x="0" y="0"/>
+          <a:chExt cx="0" cy="0"/>
+        </a:xfrm>
+      </p:grpSpPr>
+      <p:sp>
+        <p:nvSpPr>
+          <p:cNvPr id="2" name="Titel 1">
+            <a:extLst>
+              <a:ext uri="{FF2B5EF4-FFF2-40B4-BE49-F238E27FC236}">
+                <a16:creationId xmlns:a16="http://schemas.microsoft.com/office/drawing/2014/main" id="{C9BF99C9-3318-4B77-AF29-843E514EA975}"/>
+              </a:ext>
+            </a:extLst>
+          </p:cNvPr>
+          <p:cNvSpPr>
+            <a:spLocks noGrp="1"/>
+          </p:cNvSpPr>
+          <p:nvPr>
+            <p:ph type="title"/>
+          </p:nvPr>
+        </p:nvSpPr>
+        <p:spPr/>
+        <p:txBody>
+          <a:bodyPr/>
+          <a:lstStyle/>
+          <a:p>
+            <a:r>
+              <a:rPr lang="de-DE" dirty="0"/>
+              <a:t>Das Grundgerüst: Templates</a:t>
+            </a:r>
+          </a:p>
+        </p:txBody>
+      </p:sp>
+      <p:sp>
+        <p:nvSpPr>
+          <p:cNvPr id="3" name="Inhaltsplatzhalter 2">
+            <a:extLst>
+              <a:ext uri="{FF2B5EF4-FFF2-40B4-BE49-F238E27FC236}">
+                <a16:creationId xmlns:a16="http://schemas.microsoft.com/office/drawing/2014/main" id="{7919EA75-C03B-407F-A6D4-A2ADCA3C8825}"/>
+              </a:ext>
+            </a:extLst>
+          </p:cNvPr>
+          <p:cNvSpPr>
+            <a:spLocks noGrp="1"/>
+          </p:cNvSpPr>
+          <p:nvPr>
+            <p:ph idx="1"/>
+          </p:nvPr>
+        </p:nvSpPr>
+        <p:spPr/>
+        <p:txBody>
+          <a:bodyPr>
+            <a:normAutofit/>
+          </a:bodyPr>
+          <a:lstStyle/>
+          <a:p>
+            <a:pPr marL="0" indent="0">
+              <a:buNone/>
+            </a:pPr>
+            <a:r>
+              <a:rPr lang="de-DE" sz="2200" dirty="0">
+                <a:solidFill>
+                  <a:srgbClr val="0000FF"/>
+                </a:solidFill>
+                <a:latin typeface="Arial" panose="020B0604020202020204" pitchFamily="34" charset="0"/>
+              </a:rPr>
+              <a:t>&lt;xsl:template </a:t>
+            </a:r>
+            <a:r>
+              <a:rPr lang="de-DE" sz="2200" dirty="0" err="1">
+                <a:solidFill>
+                  <a:srgbClr val="FF7F7F"/>
+                </a:solidFill>
+                <a:latin typeface="Arial" panose="020B0604020202020204" pitchFamily="34" charset="0"/>
+              </a:rPr>
+              <a:t>match</a:t>
+            </a:r>
+            <a:r>
+              <a:rPr lang="de-DE" sz="2200" dirty="0">
+                <a:solidFill>
+                  <a:srgbClr val="FF7F7F"/>
+                </a:solidFill>
+                <a:latin typeface="Arial" panose="020B0604020202020204" pitchFamily="34" charset="0"/>
+              </a:rPr>
+              <a:t>=</a:t>
+            </a:r>
+            <a:r>
+              <a:rPr lang="de-DE" sz="2200" dirty="0">
+                <a:solidFill>
+                  <a:srgbClr val="FF7F7F"/>
+                </a:solidFill>
+                <a:latin typeface="Trebuchet MS" panose="020B0603020202020204" pitchFamily="34" charset="0"/>
+              </a:rPr>
+              <a:t>" </a:t>
+            </a:r>
+            <a:r>
+              <a:rPr lang="de-DE" sz="2200" dirty="0" err="1">
+                <a:solidFill>
+                  <a:srgbClr val="7D0020"/>
+                </a:solidFill>
+                <a:latin typeface="Arial" panose="020B0604020202020204" pitchFamily="34" charset="0"/>
+              </a:rPr>
+              <a:t>xpath</a:t>
+            </a:r>
+            <a:r>
+              <a:rPr lang="de-DE" sz="2200" dirty="0">
+                <a:solidFill>
+                  <a:srgbClr val="7D0020"/>
+                </a:solidFill>
+                <a:latin typeface="Arial" panose="020B0604020202020204" pitchFamily="34" charset="0"/>
+              </a:rPr>
+              <a:t>-ausdruck </a:t>
+            </a:r>
+            <a:r>
+              <a:rPr lang="de-DE" sz="2200" dirty="0">
+                <a:solidFill>
+                  <a:srgbClr val="FF7F7F"/>
+                </a:solidFill>
+                <a:latin typeface="Trebuchet MS" panose="020B0603020202020204" pitchFamily="34" charset="0"/>
+              </a:rPr>
+              <a:t>"</a:t>
+            </a:r>
+            <a:r>
+              <a:rPr lang="de-DE" sz="2200" dirty="0">
+                <a:solidFill>
+                  <a:srgbClr val="0000FF"/>
+                </a:solidFill>
+                <a:latin typeface="Arial" panose="020B0604020202020204" pitchFamily="34" charset="0"/>
+              </a:rPr>
+              <a:t>&gt;</a:t>
+            </a:r>
+          </a:p>
+          <a:p>
+            <a:pPr marL="0" indent="0">
+              <a:buNone/>
+            </a:pPr>
+            <a:r>
+              <a:rPr lang="de-DE" sz="2200" dirty="0">
+                <a:latin typeface="Arial" panose="020B0604020202020204" pitchFamily="34" charset="0"/>
+              </a:rPr>
+              <a:t>… Anweisungen …</a:t>
+            </a:r>
+          </a:p>
+          <a:p>
+            <a:pPr marL="0" indent="0">
+              <a:buNone/>
+            </a:pPr>
+            <a:r>
+              <a:rPr lang="de-DE" sz="2200" dirty="0">
+                <a:solidFill>
+                  <a:srgbClr val="0000FF"/>
+                </a:solidFill>
+                <a:latin typeface="Arial" panose="020B0604020202020204" pitchFamily="34" charset="0"/>
+              </a:rPr>
+              <a:t>&lt;/xsl:template&gt;</a:t>
+            </a:r>
+          </a:p>
+          <a:p>
+            <a:pPr marL="0" indent="0">
+              <a:buNone/>
+            </a:pPr>
+            <a:endParaRPr lang="de-DE" dirty="0">
+              <a:solidFill>
+                <a:srgbClr val="0000FF"/>
+              </a:solidFill>
+              <a:latin typeface="Arial" panose="020B0604020202020204" pitchFamily="34" charset="0"/>
+            </a:endParaRPr>
+          </a:p>
+          <a:p>
+            <a:endParaRPr lang="de-DE" dirty="0"/>
+          </a:p>
+          <a:p>
+            <a:r>
+              <a:rPr lang="de-DE" dirty="0"/>
+              <a:t>Schablone als Anweisung, an welcher Stelle im XML-Dokument (</a:t>
+            </a:r>
+            <a:r>
+              <a:rPr lang="de-DE" dirty="0" err="1"/>
+              <a:t>match</a:t>
+            </a:r>
+            <a:r>
+              <a:rPr lang="de-DE" dirty="0"/>
+              <a:t>=“</a:t>
+            </a:r>
+            <a:r>
+              <a:rPr lang="de-DE" dirty="0" err="1"/>
+              <a:t>XPath</a:t>
+            </a:r>
+            <a:r>
+              <a:rPr lang="de-DE" dirty="0"/>
+              <a:t>“) etwas gemacht werden soll</a:t>
+            </a:r>
+            <a:endParaRPr lang="de-DE" dirty="0">
+              <a:solidFill>
+                <a:srgbClr val="0000FF"/>
+              </a:solidFill>
+              <a:latin typeface="Arial" panose="020B0604020202020204" pitchFamily="34" charset="0"/>
+            </a:endParaRPr>
+          </a:p>
+        </p:txBody>
+      </p:sp>
+    </p:spTree>
+    <p:extLst>
+      <p:ext uri="{BB962C8B-B14F-4D97-AF65-F5344CB8AC3E}">
+        <p14:creationId xmlns:p14="http://schemas.microsoft.com/office/powerpoint/2010/main" val="1529256569"/>
+      </p:ext>
+    </p:extLst>
+  </p:cSld>
+  <p:clrMapOvr>
+    <a:masterClrMapping/>
+  </p:clrMapOvr>
+</p:sld>
+</file>
+
+<file path=ppt/slides/slide21.xml><?xml version="1.0" encoding="utf-8"?>
+<p:sld xmlns:a="http://schemas.openxmlformats.org/drawingml/2006/main" xmlns:r="http://schemas.openxmlformats.org/officeDocument/2006/relationships" xmlns:p="http://schemas.openxmlformats.org/presentationml/2006/main">
+  <p:cSld>
+    <p:spTree>
+      <p:nvGrpSpPr>
+        <p:cNvPr id="1" name=""/>
+        <p:cNvGrpSpPr/>
+        <p:nvPr/>
+      </p:nvGrpSpPr>
+      <p:grpSpPr>
+        <a:xfrm>
+          <a:off x="0" y="0"/>
+          <a:ext cx="0" cy="0"/>
+          <a:chOff x="0" y="0"/>
+          <a:chExt cx="0" cy="0"/>
+        </a:xfrm>
+      </p:grpSpPr>
+      <p:sp>
+        <p:nvSpPr>
+          <p:cNvPr id="2" name="Titel 1">
+            <a:extLst>
+              <a:ext uri="{FF2B5EF4-FFF2-40B4-BE49-F238E27FC236}">
+                <a16:creationId xmlns:a16="http://schemas.microsoft.com/office/drawing/2014/main" id="{E13D5793-BE13-45D8-AEF6-4CD49E447DFF}"/>
+              </a:ext>
+            </a:extLst>
+          </p:cNvPr>
+          <p:cNvSpPr>
+            <a:spLocks noGrp="1"/>
+          </p:cNvSpPr>
+          <p:nvPr>
+            <p:ph type="title"/>
+          </p:nvPr>
+        </p:nvSpPr>
+        <p:spPr/>
+        <p:txBody>
+          <a:bodyPr/>
+          <a:lstStyle/>
+          <a:p>
+            <a:r>
+              <a:rPr lang="de-DE" dirty="0"/>
+              <a:t>Ausgabe von Text</a:t>
+            </a:r>
+          </a:p>
+        </p:txBody>
+      </p:sp>
+      <p:sp>
+        <p:nvSpPr>
+          <p:cNvPr id="3" name="Inhaltsplatzhalter 2">
+            <a:extLst>
+              <a:ext uri="{FF2B5EF4-FFF2-40B4-BE49-F238E27FC236}">
+                <a16:creationId xmlns:a16="http://schemas.microsoft.com/office/drawing/2014/main" id="{3BD69E32-D34F-4F86-8ABD-223D784AB348}"/>
+              </a:ext>
+            </a:extLst>
+          </p:cNvPr>
+          <p:cNvSpPr>
+            <a:spLocks noGrp="1"/>
+          </p:cNvSpPr>
+          <p:nvPr>
+            <p:ph idx="1"/>
+          </p:nvPr>
+        </p:nvSpPr>
+        <p:spPr/>
+        <p:txBody>
+          <a:bodyPr/>
+          <a:lstStyle/>
+          <a:p>
+            <a:pPr marL="0" indent="0">
+              <a:buNone/>
+            </a:pPr>
+            <a:r>
+              <a:rPr lang="de-DE" sz="2200" dirty="0">
+                <a:solidFill>
+                  <a:srgbClr val="0000FF"/>
+                </a:solidFill>
+                <a:latin typeface="Arial" panose="020B0604020202020204" pitchFamily="34" charset="0"/>
+              </a:rPr>
+              <a:t>&lt;</a:t>
+            </a:r>
+            <a:r>
+              <a:rPr lang="de-DE" sz="2200" dirty="0" err="1">
+                <a:solidFill>
+                  <a:srgbClr val="0000FF"/>
+                </a:solidFill>
+                <a:latin typeface="Arial" panose="020B0604020202020204" pitchFamily="34" charset="0"/>
+              </a:rPr>
+              <a:t>xsl:value-of</a:t>
+            </a:r>
+            <a:r>
+              <a:rPr lang="de-DE" sz="2200" dirty="0">
+                <a:solidFill>
+                  <a:srgbClr val="0000FF"/>
+                </a:solidFill>
+                <a:latin typeface="Arial" panose="020B0604020202020204" pitchFamily="34" charset="0"/>
+              </a:rPr>
+              <a:t> </a:t>
+            </a:r>
+            <a:r>
+              <a:rPr lang="de-DE" sz="2200" dirty="0" err="1">
+                <a:solidFill>
+                  <a:srgbClr val="FF7F7F"/>
+                </a:solidFill>
+                <a:latin typeface="Arial" panose="020B0604020202020204" pitchFamily="34" charset="0"/>
+              </a:rPr>
+              <a:t>select</a:t>
+            </a:r>
+            <a:r>
+              <a:rPr lang="de-DE" sz="2200" dirty="0">
+                <a:solidFill>
+                  <a:srgbClr val="FF7F7F"/>
+                </a:solidFill>
+                <a:latin typeface="Arial" panose="020B0604020202020204" pitchFamily="34" charset="0"/>
+              </a:rPr>
+              <a:t>=" </a:t>
+            </a:r>
+            <a:r>
+              <a:rPr lang="de-DE" sz="2200" i="1" dirty="0" err="1">
+                <a:solidFill>
+                  <a:srgbClr val="7D0020"/>
+                </a:solidFill>
+                <a:latin typeface="Arial" panose="020B0604020202020204" pitchFamily="34" charset="0"/>
+              </a:rPr>
+              <a:t>xpath</a:t>
+            </a:r>
+            <a:r>
+              <a:rPr lang="de-DE" sz="2200" i="1" dirty="0">
+                <a:solidFill>
+                  <a:srgbClr val="7D0020"/>
+                </a:solidFill>
+                <a:latin typeface="Arial" panose="020B0604020202020204" pitchFamily="34" charset="0"/>
+              </a:rPr>
+              <a:t>-ausdruck</a:t>
+            </a:r>
+            <a:r>
+              <a:rPr lang="de-DE" sz="2200" dirty="0">
+                <a:solidFill>
+                  <a:srgbClr val="FF7F7F"/>
+                </a:solidFill>
+                <a:latin typeface="Arial" panose="020B0604020202020204" pitchFamily="34" charset="0"/>
+              </a:rPr>
+              <a:t>"</a:t>
+            </a:r>
+            <a:r>
+              <a:rPr lang="de-DE" sz="2200" dirty="0">
+                <a:solidFill>
+                  <a:srgbClr val="0000FF"/>
+                </a:solidFill>
+                <a:latin typeface="Arial" panose="020B0604020202020204" pitchFamily="34" charset="0"/>
+              </a:rPr>
+              <a:t>/&gt;</a:t>
+            </a:r>
+          </a:p>
+          <a:p>
+            <a:pPr marR="1650" lvl="1"/>
+            <a:endParaRPr lang="de-DE" sz="1800" dirty="0">
+              <a:latin typeface="Arial" panose="020B0604020202020204" pitchFamily="34" charset="0"/>
+            </a:endParaRPr>
+          </a:p>
+          <a:p>
+            <a:pPr marR="1650" lvl="1"/>
+            <a:r>
+              <a:rPr lang="de-DE" sz="2200" dirty="0">
+                <a:latin typeface="Arial" panose="020B0604020202020204" pitchFamily="34" charset="0"/>
+              </a:rPr>
+              <a:t>Wählt den </a:t>
+            </a:r>
+            <a:r>
+              <a:rPr lang="de-DE" sz="2200" b="1" dirty="0">
+                <a:latin typeface="Arial" panose="020B0604020202020204" pitchFamily="34" charset="0"/>
+              </a:rPr>
+              <a:t>Wert </a:t>
+            </a:r>
+            <a:r>
+              <a:rPr lang="de-DE" sz="2200" dirty="0">
+                <a:latin typeface="Arial" panose="020B0604020202020204" pitchFamily="34" charset="0"/>
+              </a:rPr>
+              <a:t>eines </a:t>
+            </a:r>
+            <a:r>
+              <a:rPr lang="de-DE" sz="2200" dirty="0" err="1">
+                <a:latin typeface="Arial" panose="020B0604020202020204" pitchFamily="34" charset="0"/>
+              </a:rPr>
+              <a:t>XPath</a:t>
+            </a:r>
+            <a:r>
+              <a:rPr lang="de-DE" sz="2200" dirty="0">
+                <a:latin typeface="Arial" panose="020B0604020202020204" pitchFamily="34" charset="0"/>
+              </a:rPr>
+              <a:t>-Ausdrucks, also </a:t>
+            </a:r>
+            <a:r>
+              <a:rPr lang="de-DE" sz="2200" b="1" dirty="0">
+                <a:latin typeface="Arial" panose="020B0604020202020204" pitchFamily="34" charset="0"/>
+              </a:rPr>
+              <a:t>Text </a:t>
+            </a:r>
+            <a:r>
+              <a:rPr lang="de-DE" sz="2200" dirty="0">
+                <a:latin typeface="Arial" panose="020B0604020202020204" pitchFamily="34" charset="0"/>
+              </a:rPr>
+              <a:t>eines Elements oder Attributs und fügt diesen in die Ausgabe ein.</a:t>
+            </a:r>
+          </a:p>
+          <a:p>
+            <a:pPr marL="457200" marR="1650" lvl="1" indent="0">
+              <a:buNone/>
+            </a:pPr>
+            <a:endParaRPr lang="de-DE" sz="1800" dirty="0">
+              <a:latin typeface="Arial" panose="020B0604020202020204" pitchFamily="34" charset="0"/>
+            </a:endParaRPr>
+          </a:p>
+          <a:p>
+            <a:pPr marL="0" indent="0">
+              <a:buNone/>
+            </a:pPr>
+            <a:r>
+              <a:rPr lang="en-US" sz="2200" dirty="0">
+                <a:solidFill>
+                  <a:srgbClr val="3EFF3E"/>
+                </a:solidFill>
+                <a:latin typeface="Arial" panose="020B0604020202020204" pitchFamily="34" charset="0"/>
+              </a:rPr>
+              <a:t>&lt;h1&gt; </a:t>
+            </a:r>
+            <a:r>
+              <a:rPr lang="en-US" sz="2200" dirty="0">
+                <a:solidFill>
+                  <a:srgbClr val="0000FF"/>
+                </a:solidFill>
+                <a:latin typeface="Arial" panose="020B0604020202020204" pitchFamily="34" charset="0"/>
+              </a:rPr>
+              <a:t>&lt;</a:t>
+            </a:r>
+            <a:r>
+              <a:rPr lang="en-US" sz="2200" dirty="0" err="1">
+                <a:solidFill>
+                  <a:srgbClr val="0000FF"/>
+                </a:solidFill>
+                <a:latin typeface="Arial" panose="020B0604020202020204" pitchFamily="34" charset="0"/>
+              </a:rPr>
+              <a:t>xsl:value-of</a:t>
+            </a:r>
+            <a:r>
+              <a:rPr lang="en-US" sz="2200" dirty="0">
+                <a:solidFill>
+                  <a:srgbClr val="0000FF"/>
+                </a:solidFill>
+                <a:latin typeface="Arial" panose="020B0604020202020204" pitchFamily="34" charset="0"/>
+              </a:rPr>
+              <a:t> </a:t>
+            </a:r>
+            <a:r>
+              <a:rPr lang="en-US" sz="2200" dirty="0">
+                <a:solidFill>
+                  <a:srgbClr val="FF7F7F"/>
+                </a:solidFill>
+                <a:latin typeface="Arial" panose="020B0604020202020204" pitchFamily="34" charset="0"/>
+              </a:rPr>
+              <a:t>select="</a:t>
+            </a:r>
+            <a:r>
+              <a:rPr lang="en-US" sz="2200" dirty="0">
+                <a:solidFill>
+                  <a:srgbClr val="7D0020"/>
+                </a:solidFill>
+                <a:latin typeface="Arial" panose="020B0604020202020204" pitchFamily="34" charset="0"/>
+              </a:rPr>
+              <a:t>message</a:t>
+            </a:r>
+            <a:r>
+              <a:rPr lang="en-US" sz="2200" dirty="0">
+                <a:solidFill>
+                  <a:srgbClr val="FF7F7F"/>
+                </a:solidFill>
+                <a:latin typeface="Arial" panose="020B0604020202020204" pitchFamily="34" charset="0"/>
+              </a:rPr>
+              <a:t>"</a:t>
+            </a:r>
+            <a:r>
+              <a:rPr lang="en-US" sz="2200" dirty="0">
+                <a:solidFill>
+                  <a:srgbClr val="0000FF"/>
+                </a:solidFill>
+                <a:latin typeface="Arial" panose="020B0604020202020204" pitchFamily="34" charset="0"/>
+              </a:rPr>
+              <a:t>/&gt; </a:t>
+            </a:r>
+            <a:r>
+              <a:rPr lang="en-US" sz="2200" dirty="0">
+                <a:solidFill>
+                  <a:srgbClr val="3EFF3E"/>
+                </a:solidFill>
+                <a:latin typeface="Arial" panose="020B0604020202020204" pitchFamily="34" charset="0"/>
+              </a:rPr>
+              <a:t>&lt;/h1&gt;</a:t>
+            </a:r>
+          </a:p>
+          <a:p>
+            <a:pPr marL="0" indent="0">
+              <a:buNone/>
+            </a:pPr>
+            <a:endParaRPr lang="en-US" sz="2200" dirty="0">
+              <a:solidFill>
+                <a:srgbClr val="3EFF3E"/>
+              </a:solidFill>
+              <a:latin typeface="Arial" panose="020B0604020202020204" pitchFamily="34" charset="0"/>
+            </a:endParaRPr>
+          </a:p>
+          <a:p>
+            <a:pPr marL="0" indent="0">
+              <a:buNone/>
+            </a:pPr>
+            <a:r>
+              <a:rPr lang="de-DE" sz="2200" dirty="0">
+                <a:solidFill>
+                  <a:srgbClr val="0000FF"/>
+                </a:solidFill>
+                <a:latin typeface="Arial" panose="020B0604020202020204" pitchFamily="34" charset="0"/>
+              </a:rPr>
+              <a:t>&lt;</a:t>
+            </a:r>
+            <a:r>
+              <a:rPr lang="de-DE" sz="2200" dirty="0" err="1">
+                <a:solidFill>
+                  <a:srgbClr val="0000FF"/>
+                </a:solidFill>
+                <a:latin typeface="Arial" panose="020B0604020202020204" pitchFamily="34" charset="0"/>
+              </a:rPr>
+              <a:t>xsl:text</a:t>
+            </a:r>
+            <a:r>
+              <a:rPr lang="de-DE" sz="2200" dirty="0">
+                <a:solidFill>
+                  <a:srgbClr val="0000FF"/>
+                </a:solidFill>
+                <a:latin typeface="Arial" panose="020B0604020202020204" pitchFamily="34" charset="0"/>
+              </a:rPr>
+              <a:t>&gt; </a:t>
+            </a:r>
+            <a:r>
+              <a:rPr lang="de-DE" sz="2200" dirty="0">
+                <a:solidFill>
+                  <a:srgbClr val="000000"/>
+                </a:solidFill>
+                <a:latin typeface="Arial" panose="020B0604020202020204" pitchFamily="34" charset="0"/>
+              </a:rPr>
+              <a:t>Schreibe diesen Text … </a:t>
+            </a:r>
+            <a:r>
+              <a:rPr lang="de-DE" sz="2200" dirty="0">
+                <a:solidFill>
+                  <a:srgbClr val="0000FF"/>
+                </a:solidFill>
+                <a:latin typeface="Arial" panose="020B0604020202020204" pitchFamily="34" charset="0"/>
+              </a:rPr>
+              <a:t>&lt;/</a:t>
+            </a:r>
+            <a:r>
+              <a:rPr lang="de-DE" sz="2200" dirty="0" err="1">
+                <a:solidFill>
+                  <a:srgbClr val="0000FF"/>
+                </a:solidFill>
+                <a:latin typeface="Arial" panose="020B0604020202020204" pitchFamily="34" charset="0"/>
+              </a:rPr>
+              <a:t>xsl:text</a:t>
+            </a:r>
+            <a:r>
+              <a:rPr lang="de-DE" sz="2200" dirty="0">
+                <a:solidFill>
+                  <a:srgbClr val="0000FF"/>
+                </a:solidFill>
+                <a:latin typeface="Arial" panose="020B0604020202020204" pitchFamily="34" charset="0"/>
+              </a:rPr>
+              <a:t>&gt;</a:t>
+            </a:r>
+          </a:p>
+          <a:p>
+            <a:pPr marL="0" indent="0">
+              <a:buNone/>
+            </a:pPr>
+            <a:endParaRPr lang="de-DE" dirty="0"/>
+          </a:p>
+        </p:txBody>
+      </p:sp>
+    </p:spTree>
+    <p:extLst>
+      <p:ext uri="{BB962C8B-B14F-4D97-AF65-F5344CB8AC3E}">
+        <p14:creationId xmlns:p14="http://schemas.microsoft.com/office/powerpoint/2010/main" val="4252484916"/>
+      </p:ext>
+    </p:extLst>
+  </p:cSld>
+  <p:clrMapOvr>
+    <a:masterClrMapping/>
+  </p:clrMapOvr>
+</p:sld>
+</file>
+
+<file path=ppt/slides/slide22.xml><?xml version="1.0" encoding="utf-8"?>
+<p:sld xmlns:a="http://schemas.openxmlformats.org/drawingml/2006/main" xmlns:r="http://schemas.openxmlformats.org/officeDocument/2006/relationships" xmlns:p="http://schemas.openxmlformats.org/presentationml/2006/main">
+  <p:cSld>
+    <p:spTree>
+      <p:nvGrpSpPr>
+        <p:cNvPr id="1" name=""/>
+        <p:cNvGrpSpPr/>
+        <p:nvPr/>
+      </p:nvGrpSpPr>
+      <p:grpSpPr>
+        <a:xfrm>
+          <a:off x="0" y="0"/>
+          <a:ext cx="0" cy="0"/>
+          <a:chOff x="0" y="0"/>
+          <a:chExt cx="0" cy="0"/>
+        </a:xfrm>
+      </p:grpSpPr>
+      <p:sp>
+        <p:nvSpPr>
+          <p:cNvPr id="2" name="Titel 1">
+            <a:extLst>
+              <a:ext uri="{FF2B5EF4-FFF2-40B4-BE49-F238E27FC236}">
+                <a16:creationId xmlns:a16="http://schemas.microsoft.com/office/drawing/2014/main" id="{10B553A1-18C2-4CFF-A22D-C28C702BF82B}"/>
+              </a:ext>
+            </a:extLst>
+          </p:cNvPr>
+          <p:cNvSpPr>
+            <a:spLocks noGrp="1"/>
+          </p:cNvSpPr>
+          <p:nvPr>
+            <p:ph type="title"/>
+          </p:nvPr>
+        </p:nvSpPr>
+        <p:spPr/>
+        <p:txBody>
+          <a:bodyPr/>
+          <a:lstStyle/>
+          <a:p>
+            <a:r>
+              <a:rPr lang="de-DE" dirty="0"/>
+              <a:t>Schleifen</a:t>
+            </a:r>
+          </a:p>
+        </p:txBody>
+      </p:sp>
+      <p:sp>
+        <p:nvSpPr>
+          <p:cNvPr id="3" name="Inhaltsplatzhalter 2">
+            <a:extLst>
+              <a:ext uri="{FF2B5EF4-FFF2-40B4-BE49-F238E27FC236}">
+                <a16:creationId xmlns:a16="http://schemas.microsoft.com/office/drawing/2014/main" id="{981B27BA-D611-402A-A7C8-CC7F674E3C25}"/>
+              </a:ext>
+            </a:extLst>
+          </p:cNvPr>
+          <p:cNvSpPr>
+            <a:spLocks noGrp="1"/>
+          </p:cNvSpPr>
+          <p:nvPr>
+            <p:ph idx="1"/>
+          </p:nvPr>
+        </p:nvSpPr>
+        <p:spPr/>
+        <p:txBody>
+          <a:bodyPr>
+            <a:normAutofit lnSpcReduction="10000"/>
+          </a:bodyPr>
+          <a:lstStyle/>
+          <a:p>
+            <a:pPr marL="0" indent="0">
+              <a:buNone/>
+            </a:pPr>
+            <a:r>
+              <a:rPr lang="de-DE" sz="2200" dirty="0">
+                <a:solidFill>
+                  <a:srgbClr val="0000FF"/>
+                </a:solidFill>
+                <a:latin typeface="Arial" panose="020B0604020202020204" pitchFamily="34" charset="0"/>
+              </a:rPr>
+              <a:t>&lt;xsl:for-each </a:t>
+            </a:r>
+            <a:r>
+              <a:rPr lang="de-DE" sz="2200" dirty="0" err="1">
+                <a:solidFill>
+                  <a:srgbClr val="FF7F7F"/>
+                </a:solidFill>
+                <a:latin typeface="Arial" panose="020B0604020202020204" pitchFamily="34" charset="0"/>
+              </a:rPr>
+              <a:t>select</a:t>
+            </a:r>
+            <a:r>
+              <a:rPr lang="de-DE" sz="2200" dirty="0">
+                <a:solidFill>
+                  <a:srgbClr val="FF7F7F"/>
+                </a:solidFill>
+                <a:latin typeface="Arial" panose="020B0604020202020204" pitchFamily="34" charset="0"/>
+              </a:rPr>
+              <a:t>=" </a:t>
+            </a:r>
+            <a:r>
+              <a:rPr lang="de-DE" sz="2200" i="1" dirty="0" err="1">
+                <a:solidFill>
+                  <a:srgbClr val="7D0020"/>
+                </a:solidFill>
+                <a:latin typeface="Arial" panose="020B0604020202020204" pitchFamily="34" charset="0"/>
+              </a:rPr>
+              <a:t>xpath</a:t>
+            </a:r>
+            <a:r>
+              <a:rPr lang="de-DE" sz="2200" i="1" dirty="0">
+                <a:solidFill>
+                  <a:srgbClr val="7D0020"/>
+                </a:solidFill>
+                <a:latin typeface="Arial" panose="020B0604020202020204" pitchFamily="34" charset="0"/>
+              </a:rPr>
+              <a:t>-ausdruck </a:t>
+            </a:r>
+            <a:r>
+              <a:rPr lang="de-DE" sz="2200" dirty="0">
+                <a:solidFill>
+                  <a:srgbClr val="FF7F7F"/>
+                </a:solidFill>
+                <a:latin typeface="Arial" panose="020B0604020202020204" pitchFamily="34" charset="0"/>
+              </a:rPr>
+              <a:t>"</a:t>
+            </a:r>
+            <a:r>
+              <a:rPr lang="de-DE" sz="2200" dirty="0">
+                <a:solidFill>
+                  <a:srgbClr val="0000FF"/>
+                </a:solidFill>
+                <a:latin typeface="Arial" panose="020B0604020202020204" pitchFamily="34" charset="0"/>
+              </a:rPr>
+              <a:t>&gt;</a:t>
+            </a:r>
+          </a:p>
+          <a:p>
+            <a:pPr marL="457200" lvl="1" indent="0">
+              <a:buNone/>
+            </a:pPr>
+            <a:r>
+              <a:rPr lang="de-DE" sz="2200" dirty="0">
+                <a:solidFill>
+                  <a:srgbClr val="0000FF"/>
+                </a:solidFill>
+                <a:latin typeface="Arial" panose="020B0604020202020204" pitchFamily="34" charset="0"/>
+              </a:rPr>
+              <a:t>…</a:t>
+            </a:r>
+          </a:p>
+          <a:p>
+            <a:pPr marL="0" indent="0">
+              <a:buNone/>
+            </a:pPr>
+            <a:r>
+              <a:rPr lang="de-DE" sz="2200" dirty="0">
+                <a:solidFill>
+                  <a:srgbClr val="0000FF"/>
+                </a:solidFill>
+                <a:latin typeface="Arial" panose="020B0604020202020204" pitchFamily="34" charset="0"/>
+              </a:rPr>
+              <a:t>&lt;/xsl:for-each&gt;</a:t>
+            </a:r>
+          </a:p>
+          <a:p>
+            <a:pPr marL="457200" lvl="1" indent="0">
+              <a:buNone/>
+            </a:pPr>
+            <a:endParaRPr lang="de-DE" sz="2200" dirty="0">
+              <a:latin typeface="Arial" panose="020B0604020202020204" pitchFamily="34" charset="0"/>
+            </a:endParaRPr>
+          </a:p>
+          <a:p>
+            <a:pPr lvl="1"/>
+            <a:r>
+              <a:rPr lang="de-DE" sz="2200" dirty="0">
+                <a:latin typeface="Arial" panose="020B0604020202020204" pitchFamily="34" charset="0"/>
+              </a:rPr>
+              <a:t>Beispiel: Wähle jeden Text (</a:t>
+            </a:r>
+            <a:r>
+              <a:rPr lang="de-DE" sz="2200" dirty="0">
+                <a:solidFill>
+                  <a:srgbClr val="7D0020"/>
+                </a:solidFill>
+                <a:latin typeface="Arial" panose="020B0604020202020204" pitchFamily="34" charset="0"/>
+              </a:rPr>
+              <a:t>//</a:t>
+            </a:r>
+            <a:r>
+              <a:rPr lang="de-DE" sz="2200" dirty="0" err="1">
+                <a:solidFill>
+                  <a:srgbClr val="7D0020"/>
+                </a:solidFill>
+                <a:latin typeface="Arial" panose="020B0604020202020204" pitchFamily="34" charset="0"/>
+              </a:rPr>
+              <a:t>msItem</a:t>
+            </a:r>
+            <a:r>
+              <a:rPr lang="de-DE" sz="2200" dirty="0">
+                <a:latin typeface="Arial" panose="020B0604020202020204" pitchFamily="34" charset="0"/>
+              </a:rPr>
+              <a:t>) und generiere eine Aufzählung (</a:t>
+            </a:r>
+            <a:r>
+              <a:rPr lang="de-DE" sz="2200" dirty="0">
+                <a:solidFill>
+                  <a:srgbClr val="3CEA3C"/>
+                </a:solidFill>
+                <a:latin typeface="Arial" panose="020B0604020202020204" pitchFamily="34" charset="0"/>
+              </a:rPr>
+              <a:t>&lt;</a:t>
+            </a:r>
+            <a:r>
+              <a:rPr lang="de-DE" sz="2200" dirty="0" err="1">
+                <a:solidFill>
+                  <a:srgbClr val="3CEA3C"/>
+                </a:solidFill>
+                <a:latin typeface="Arial" panose="020B0604020202020204" pitchFamily="34" charset="0"/>
+              </a:rPr>
+              <a:t>ul</a:t>
+            </a:r>
+            <a:r>
+              <a:rPr lang="de-DE" sz="2200" dirty="0">
+                <a:solidFill>
+                  <a:srgbClr val="3CEA3C"/>
+                </a:solidFill>
+                <a:latin typeface="Arial" panose="020B0604020202020204" pitchFamily="34" charset="0"/>
+              </a:rPr>
+              <a:t>&gt;</a:t>
+            </a:r>
+            <a:r>
+              <a:rPr lang="de-DE" sz="2200" dirty="0">
+                <a:latin typeface="Arial" panose="020B0604020202020204" pitchFamily="34" charset="0"/>
+              </a:rPr>
+              <a:t>) der Titel (title):</a:t>
+            </a:r>
+          </a:p>
+          <a:p>
+            <a:pPr marL="914400" lvl="2" indent="0">
+              <a:buNone/>
+            </a:pPr>
+            <a:endParaRPr lang="de-DE" sz="2200" dirty="0">
+              <a:solidFill>
+                <a:srgbClr val="3EFF3E"/>
+              </a:solidFill>
+              <a:latin typeface="Arial" panose="020B0604020202020204" pitchFamily="34" charset="0"/>
+            </a:endParaRPr>
+          </a:p>
+          <a:p>
+            <a:pPr marL="914400" lvl="2" indent="0">
+              <a:buNone/>
+            </a:pPr>
+            <a:r>
+              <a:rPr lang="de-DE" sz="2200" dirty="0">
+                <a:solidFill>
+                  <a:srgbClr val="3EFF3E"/>
+                </a:solidFill>
+                <a:latin typeface="Arial" panose="020B0604020202020204" pitchFamily="34" charset="0"/>
+              </a:rPr>
+              <a:t>&lt;</a:t>
+            </a:r>
+            <a:r>
+              <a:rPr lang="de-DE" sz="2200" dirty="0" err="1">
+                <a:solidFill>
+                  <a:srgbClr val="3EFF3E"/>
+                </a:solidFill>
+                <a:latin typeface="Arial" panose="020B0604020202020204" pitchFamily="34" charset="0"/>
+              </a:rPr>
+              <a:t>ul</a:t>
+            </a:r>
+            <a:r>
+              <a:rPr lang="de-DE" sz="2200" dirty="0">
+                <a:solidFill>
+                  <a:srgbClr val="3EFF3E"/>
+                </a:solidFill>
+                <a:latin typeface="Arial" panose="020B0604020202020204" pitchFamily="34" charset="0"/>
+              </a:rPr>
+              <a:t>&gt;</a:t>
+            </a:r>
+          </a:p>
+          <a:p>
+            <a:pPr marL="1371600" lvl="3" indent="0">
+              <a:buNone/>
+            </a:pPr>
+            <a:r>
+              <a:rPr lang="de-DE" sz="2200" dirty="0">
+                <a:solidFill>
+                  <a:srgbClr val="0000FF"/>
+                </a:solidFill>
+                <a:latin typeface="Arial" panose="020B0604020202020204" pitchFamily="34" charset="0"/>
+              </a:rPr>
+              <a:t>&lt;xsl:for-each </a:t>
+            </a:r>
+            <a:r>
+              <a:rPr lang="de-DE" sz="2200" dirty="0" err="1">
+                <a:solidFill>
+                  <a:srgbClr val="FF7F7F"/>
+                </a:solidFill>
+                <a:latin typeface="Arial" panose="020B0604020202020204" pitchFamily="34" charset="0"/>
+              </a:rPr>
+              <a:t>select</a:t>
+            </a:r>
+            <a:r>
+              <a:rPr lang="de-DE" sz="2200" dirty="0">
+                <a:solidFill>
+                  <a:srgbClr val="FF7F7F"/>
+                </a:solidFill>
+                <a:latin typeface="Arial" panose="020B0604020202020204" pitchFamily="34" charset="0"/>
+              </a:rPr>
+              <a:t>="</a:t>
+            </a:r>
+            <a:r>
+              <a:rPr lang="de-DE" sz="2200" dirty="0">
+                <a:solidFill>
+                  <a:srgbClr val="7D0020"/>
+                </a:solidFill>
+                <a:latin typeface="Arial" panose="020B0604020202020204" pitchFamily="34" charset="0"/>
+              </a:rPr>
+              <a:t>//</a:t>
+            </a:r>
+            <a:r>
+              <a:rPr lang="de-DE" sz="2200" dirty="0" err="1">
+                <a:solidFill>
+                  <a:srgbClr val="7D0020"/>
+                </a:solidFill>
+                <a:latin typeface="Arial" panose="020B0604020202020204" pitchFamily="34" charset="0"/>
+              </a:rPr>
+              <a:t>msItem</a:t>
+            </a:r>
+            <a:r>
+              <a:rPr lang="de-DE" sz="2200" dirty="0">
+                <a:solidFill>
+                  <a:srgbClr val="FF7F7F"/>
+                </a:solidFill>
+                <a:latin typeface="Arial" panose="020B0604020202020204" pitchFamily="34" charset="0"/>
+              </a:rPr>
+              <a:t>"</a:t>
+            </a:r>
+            <a:r>
+              <a:rPr lang="de-DE" sz="2200" dirty="0">
+                <a:solidFill>
+                  <a:srgbClr val="0000FF"/>
+                </a:solidFill>
+                <a:latin typeface="Arial" panose="020B0604020202020204" pitchFamily="34" charset="0"/>
+              </a:rPr>
+              <a:t>&gt;</a:t>
+            </a:r>
+          </a:p>
+          <a:p>
+            <a:pPr marL="1828800" lvl="4" indent="0">
+              <a:buNone/>
+            </a:pPr>
+            <a:r>
+              <a:rPr lang="en-US" sz="2200" dirty="0">
+                <a:solidFill>
+                  <a:srgbClr val="3EFF3E"/>
+                </a:solidFill>
+                <a:latin typeface="Arial" panose="020B0604020202020204" pitchFamily="34" charset="0"/>
+              </a:rPr>
+              <a:t>&lt;li&gt; </a:t>
+            </a:r>
+            <a:r>
+              <a:rPr lang="en-US" sz="2200" dirty="0">
+                <a:solidFill>
+                  <a:srgbClr val="0000FF"/>
+                </a:solidFill>
+                <a:latin typeface="Arial" panose="020B0604020202020204" pitchFamily="34" charset="0"/>
+              </a:rPr>
+              <a:t>&lt;</a:t>
+            </a:r>
+            <a:r>
+              <a:rPr lang="en-US" sz="2200" dirty="0" err="1">
+                <a:solidFill>
+                  <a:srgbClr val="0000FF"/>
+                </a:solidFill>
+                <a:latin typeface="Arial" panose="020B0604020202020204" pitchFamily="34" charset="0"/>
+              </a:rPr>
+              <a:t>xsl:value-of</a:t>
+            </a:r>
+            <a:r>
+              <a:rPr lang="en-US" sz="2200" dirty="0">
+                <a:solidFill>
+                  <a:srgbClr val="0000FF"/>
+                </a:solidFill>
+                <a:latin typeface="Arial" panose="020B0604020202020204" pitchFamily="34" charset="0"/>
+              </a:rPr>
+              <a:t> </a:t>
+            </a:r>
+            <a:r>
+              <a:rPr lang="en-US" sz="2200" dirty="0">
+                <a:solidFill>
+                  <a:srgbClr val="FF7F7F"/>
+                </a:solidFill>
+                <a:latin typeface="Arial" panose="020B0604020202020204" pitchFamily="34" charset="0"/>
+              </a:rPr>
+              <a:t>select="</a:t>
+            </a:r>
+            <a:r>
+              <a:rPr lang="en-US" sz="2200" dirty="0">
+                <a:solidFill>
+                  <a:srgbClr val="7D0020"/>
+                </a:solidFill>
+                <a:latin typeface="Arial" panose="020B0604020202020204" pitchFamily="34" charset="0"/>
+              </a:rPr>
+              <a:t>title</a:t>
+            </a:r>
+            <a:r>
+              <a:rPr lang="en-US" sz="2200" dirty="0">
+                <a:solidFill>
+                  <a:srgbClr val="FF7F7F"/>
+                </a:solidFill>
+                <a:latin typeface="Arial" panose="020B0604020202020204" pitchFamily="34" charset="0"/>
+              </a:rPr>
+              <a:t>"</a:t>
+            </a:r>
+            <a:r>
+              <a:rPr lang="en-US" sz="2200" dirty="0">
+                <a:solidFill>
+                  <a:srgbClr val="0000FF"/>
+                </a:solidFill>
+                <a:latin typeface="Arial" panose="020B0604020202020204" pitchFamily="34" charset="0"/>
+              </a:rPr>
+              <a:t>/&gt; </a:t>
+            </a:r>
+            <a:r>
+              <a:rPr lang="en-US" sz="2200" dirty="0">
+                <a:solidFill>
+                  <a:srgbClr val="3EFF3E"/>
+                </a:solidFill>
+                <a:latin typeface="Arial" panose="020B0604020202020204" pitchFamily="34" charset="0"/>
+              </a:rPr>
+              <a:t>&lt;/li&gt;</a:t>
+            </a:r>
+          </a:p>
+          <a:p>
+            <a:pPr marL="1371600" lvl="3" indent="0">
+              <a:buNone/>
+            </a:pPr>
+            <a:r>
+              <a:rPr lang="de-DE" sz="2200" dirty="0">
+                <a:solidFill>
+                  <a:srgbClr val="0000FF"/>
+                </a:solidFill>
+                <a:latin typeface="Arial" panose="020B0604020202020204" pitchFamily="34" charset="0"/>
+              </a:rPr>
+              <a:t>&lt;/xsl:for-each&gt;</a:t>
+            </a:r>
+          </a:p>
+          <a:p>
+            <a:pPr marL="1371600" lvl="3" indent="0">
+              <a:buNone/>
+            </a:pPr>
+            <a:r>
+              <a:rPr lang="de-DE" sz="2200" dirty="0">
+                <a:solidFill>
+                  <a:srgbClr val="3EFF3E"/>
+                </a:solidFill>
+                <a:latin typeface="Arial" panose="020B0604020202020204" pitchFamily="34" charset="0"/>
+              </a:rPr>
+              <a:t>&lt;/</a:t>
+            </a:r>
+            <a:r>
+              <a:rPr lang="de-DE" sz="2200" dirty="0" err="1">
+                <a:solidFill>
+                  <a:srgbClr val="3EFF3E"/>
+                </a:solidFill>
+                <a:latin typeface="Arial" panose="020B0604020202020204" pitchFamily="34" charset="0"/>
+              </a:rPr>
+              <a:t>ul</a:t>
+            </a:r>
+            <a:r>
+              <a:rPr lang="de-DE" sz="2200" dirty="0">
+                <a:solidFill>
+                  <a:srgbClr val="3EFF3E"/>
+                </a:solidFill>
+                <a:latin typeface="Arial" panose="020B0604020202020204" pitchFamily="34" charset="0"/>
+              </a:rPr>
+              <a:t>&gt;</a:t>
+            </a:r>
+          </a:p>
+          <a:p>
+            <a:pPr marL="0" indent="0">
+              <a:buNone/>
+            </a:pPr>
+            <a:endParaRPr lang="de-DE" dirty="0"/>
+          </a:p>
+        </p:txBody>
+      </p:sp>
+    </p:spTree>
+    <p:extLst>
+      <p:ext uri="{BB962C8B-B14F-4D97-AF65-F5344CB8AC3E}">
+        <p14:creationId xmlns:p14="http://schemas.microsoft.com/office/powerpoint/2010/main" val="22047978"/>
+      </p:ext>
+    </p:extLst>
+  </p:cSld>
+  <p:clrMapOvr>
+    <a:masterClrMapping/>
+  </p:clrMapOvr>
+</p:sld>
+</file>
+
+<file path=ppt/slides/slide23.xml><?xml version="1.0" encoding="utf-8"?>
+<p:sld xmlns:a="http://schemas.openxmlformats.org/drawingml/2006/main" xmlns:r="http://schemas.openxmlformats.org/officeDocument/2006/relationships" xmlns:p="http://schemas.openxmlformats.org/presentationml/2006/main">
+  <p:cSld>
+    <p:spTree>
+      <p:nvGrpSpPr>
+        <p:cNvPr id="1" name=""/>
+        <p:cNvGrpSpPr/>
+        <p:nvPr/>
+      </p:nvGrpSpPr>
+      <p:grpSpPr>
+        <a:xfrm>
+          <a:off x="0" y="0"/>
+          <a:ext cx="0" cy="0"/>
+          <a:chOff x="0" y="0"/>
+          <a:chExt cx="0" cy="0"/>
+        </a:xfrm>
+      </p:grpSpPr>
+      <p:sp>
+        <p:nvSpPr>
+          <p:cNvPr id="2" name="Titel 1">
+            <a:extLst>
+              <a:ext uri="{FF2B5EF4-FFF2-40B4-BE49-F238E27FC236}">
+                <a16:creationId xmlns:a16="http://schemas.microsoft.com/office/drawing/2014/main" id="{F4F1AA7F-4DE5-46CF-A02E-88FCAB0DFAC8}"/>
+              </a:ext>
+            </a:extLst>
+          </p:cNvPr>
+          <p:cNvSpPr>
+            <a:spLocks noGrp="1"/>
+          </p:cNvSpPr>
+          <p:nvPr>
+            <p:ph type="title"/>
+          </p:nvPr>
+        </p:nvSpPr>
+        <p:spPr/>
+        <p:txBody>
+          <a:bodyPr/>
+          <a:lstStyle/>
+          <a:p>
+            <a:r>
+              <a:rPr lang="de-DE" dirty="0"/>
+              <a:t>Bedingungen I</a:t>
+            </a:r>
+          </a:p>
+        </p:txBody>
+      </p:sp>
+      <p:sp>
+        <p:nvSpPr>
+          <p:cNvPr id="3" name="Inhaltsplatzhalter 2">
+            <a:extLst>
+              <a:ext uri="{FF2B5EF4-FFF2-40B4-BE49-F238E27FC236}">
+                <a16:creationId xmlns:a16="http://schemas.microsoft.com/office/drawing/2014/main" id="{C274896E-F33F-4361-8DAF-E7534CB01F3A}"/>
+              </a:ext>
+            </a:extLst>
+          </p:cNvPr>
+          <p:cNvSpPr>
+            <a:spLocks noGrp="1"/>
+          </p:cNvSpPr>
+          <p:nvPr>
+            <p:ph idx="1"/>
+          </p:nvPr>
+        </p:nvSpPr>
+        <p:spPr/>
+        <p:txBody>
+          <a:bodyPr/>
+          <a:lstStyle/>
+          <a:p>
+            <a:pPr marL="0" indent="0">
+              <a:buNone/>
+            </a:pPr>
+            <a:r>
+              <a:rPr lang="en-US" sz="2200" dirty="0">
+                <a:solidFill>
+                  <a:srgbClr val="0000FF"/>
+                </a:solidFill>
+                <a:latin typeface="Arial" panose="020B0604020202020204" pitchFamily="34" charset="0"/>
+              </a:rPr>
+              <a:t>&lt;</a:t>
+            </a:r>
+            <a:r>
+              <a:rPr lang="en-US" sz="2200" dirty="0" err="1">
+                <a:solidFill>
+                  <a:srgbClr val="0000FF"/>
+                </a:solidFill>
+                <a:latin typeface="Arial" panose="020B0604020202020204" pitchFamily="34" charset="0"/>
+              </a:rPr>
+              <a:t>xsl:if</a:t>
+            </a:r>
+            <a:r>
+              <a:rPr lang="en-US" sz="2200" dirty="0">
+                <a:solidFill>
+                  <a:srgbClr val="0000FF"/>
+                </a:solidFill>
+                <a:latin typeface="Arial" panose="020B0604020202020204" pitchFamily="34" charset="0"/>
+              </a:rPr>
+              <a:t> </a:t>
+            </a:r>
+            <a:r>
+              <a:rPr lang="en-US" sz="2200" dirty="0">
+                <a:solidFill>
+                  <a:srgbClr val="FF7F7F"/>
+                </a:solidFill>
+                <a:latin typeface="Arial" panose="020B0604020202020204" pitchFamily="34" charset="0"/>
+              </a:rPr>
+              <a:t>test=" </a:t>
+            </a:r>
+            <a:r>
+              <a:rPr lang="en-US" sz="2200" i="1" dirty="0" err="1">
+                <a:solidFill>
+                  <a:srgbClr val="7D0020"/>
+                </a:solidFill>
+                <a:latin typeface="Arial" panose="020B0604020202020204" pitchFamily="34" charset="0"/>
+              </a:rPr>
+              <a:t>xpath-ausdruck</a:t>
+            </a:r>
+            <a:r>
+              <a:rPr lang="en-US" sz="2200" i="1" dirty="0">
+                <a:solidFill>
+                  <a:srgbClr val="7D0020"/>
+                </a:solidFill>
+                <a:latin typeface="Arial" panose="020B0604020202020204" pitchFamily="34" charset="0"/>
+              </a:rPr>
+              <a:t> </a:t>
+            </a:r>
+            <a:r>
+              <a:rPr lang="en-US" sz="2200" dirty="0">
+                <a:solidFill>
+                  <a:srgbClr val="FF7F7F"/>
+                </a:solidFill>
+                <a:latin typeface="Arial" panose="020B0604020202020204" pitchFamily="34" charset="0"/>
+              </a:rPr>
+              <a:t>"</a:t>
+            </a:r>
+            <a:r>
+              <a:rPr lang="en-US" sz="2200" dirty="0">
+                <a:solidFill>
+                  <a:srgbClr val="0000FF"/>
+                </a:solidFill>
+                <a:latin typeface="Arial" panose="020B0604020202020204" pitchFamily="34" charset="0"/>
+              </a:rPr>
+              <a:t>&gt; … &lt;/</a:t>
+            </a:r>
+            <a:r>
+              <a:rPr lang="en-US" sz="2200" dirty="0" err="1">
+                <a:solidFill>
+                  <a:srgbClr val="0000FF"/>
+                </a:solidFill>
+                <a:latin typeface="Arial" panose="020B0604020202020204" pitchFamily="34" charset="0"/>
+              </a:rPr>
+              <a:t>xsl:if</a:t>
+            </a:r>
+            <a:r>
+              <a:rPr lang="en-US" sz="2200" dirty="0">
+                <a:solidFill>
+                  <a:srgbClr val="0000FF"/>
+                </a:solidFill>
+                <a:latin typeface="Arial" panose="020B0604020202020204" pitchFamily="34" charset="0"/>
+              </a:rPr>
+              <a:t>&gt;</a:t>
+            </a:r>
+          </a:p>
+          <a:p>
+            <a:pPr marL="0" indent="0">
+              <a:buNone/>
+            </a:pPr>
+            <a:endParaRPr lang="en-US" sz="2200" dirty="0">
+              <a:solidFill>
+                <a:srgbClr val="0000FF"/>
+              </a:solidFill>
+              <a:latin typeface="Arial" panose="020B0604020202020204" pitchFamily="34" charset="0"/>
+            </a:endParaRPr>
+          </a:p>
+          <a:p>
+            <a:pPr lvl="1"/>
+            <a:r>
+              <a:rPr lang="de-DE" sz="2200" dirty="0">
+                <a:latin typeface="Arial" panose="020B0604020202020204" pitchFamily="34" charset="0"/>
+              </a:rPr>
+              <a:t>Führt Anweisungen nur aus, wenn die Bedingung in @</a:t>
+            </a:r>
+            <a:r>
+              <a:rPr lang="de-DE" sz="2200" dirty="0" err="1">
+                <a:latin typeface="Arial" panose="020B0604020202020204" pitchFamily="34" charset="0"/>
+              </a:rPr>
+              <a:t>test</a:t>
+            </a:r>
+            <a:r>
+              <a:rPr lang="de-DE" sz="2200" dirty="0">
+                <a:latin typeface="Arial" panose="020B0604020202020204" pitchFamily="34" charset="0"/>
+              </a:rPr>
+              <a:t> erfüllt ist.</a:t>
+            </a:r>
+          </a:p>
+          <a:p>
+            <a:pPr lvl="1"/>
+            <a:endParaRPr lang="de-DE" sz="2200" dirty="0">
+              <a:latin typeface="Arial" panose="020B0604020202020204" pitchFamily="34" charset="0"/>
+            </a:endParaRPr>
+          </a:p>
+          <a:p>
+            <a:r>
+              <a:rPr lang="de-DE" sz="2200" dirty="0">
+                <a:latin typeface="Arial" panose="020B0604020202020204" pitchFamily="34" charset="0"/>
+              </a:rPr>
+              <a:t>Beispiel:</a:t>
+            </a:r>
+          </a:p>
+          <a:p>
+            <a:pPr marL="457200" lvl="1" indent="0">
+              <a:buNone/>
+            </a:pPr>
+            <a:r>
+              <a:rPr lang="de-DE" sz="2200" dirty="0">
+                <a:solidFill>
+                  <a:srgbClr val="0000FF"/>
+                </a:solidFill>
+                <a:latin typeface="Arial" panose="020B0604020202020204" pitchFamily="34" charset="0"/>
+              </a:rPr>
+              <a:t>&lt;xsl:for-each </a:t>
+            </a:r>
+            <a:r>
+              <a:rPr lang="de-DE" sz="2200" dirty="0" err="1">
+                <a:solidFill>
+                  <a:srgbClr val="FF7F7F"/>
+                </a:solidFill>
+                <a:latin typeface="Arial" panose="020B0604020202020204" pitchFamily="34" charset="0"/>
+              </a:rPr>
+              <a:t>select</a:t>
+            </a:r>
+            <a:r>
+              <a:rPr lang="de-DE" sz="2200" dirty="0">
+                <a:solidFill>
+                  <a:srgbClr val="FF7F7F"/>
+                </a:solidFill>
+                <a:latin typeface="Arial" panose="020B0604020202020204" pitchFamily="34" charset="0"/>
+              </a:rPr>
+              <a:t>="</a:t>
+            </a:r>
+            <a:r>
+              <a:rPr lang="de-DE" sz="2200" dirty="0">
+                <a:solidFill>
+                  <a:srgbClr val="7D0020"/>
+                </a:solidFill>
+                <a:latin typeface="Arial" panose="020B0604020202020204" pitchFamily="34" charset="0"/>
+              </a:rPr>
+              <a:t>//</a:t>
+            </a:r>
+            <a:r>
+              <a:rPr lang="de-DE" sz="2200" dirty="0" err="1">
+                <a:solidFill>
+                  <a:srgbClr val="7D0020"/>
+                </a:solidFill>
+                <a:latin typeface="Arial" panose="020B0604020202020204" pitchFamily="34" charset="0"/>
+              </a:rPr>
+              <a:t>book</a:t>
+            </a:r>
+            <a:r>
+              <a:rPr lang="de-DE" sz="2200" dirty="0">
+                <a:solidFill>
+                  <a:srgbClr val="FF7F7F"/>
+                </a:solidFill>
+                <a:latin typeface="Arial" panose="020B0604020202020204" pitchFamily="34" charset="0"/>
+              </a:rPr>
+              <a:t>"</a:t>
+            </a:r>
+            <a:r>
+              <a:rPr lang="de-DE" sz="2200" dirty="0">
+                <a:solidFill>
+                  <a:srgbClr val="0000FF"/>
+                </a:solidFill>
+                <a:latin typeface="Arial" panose="020B0604020202020204" pitchFamily="34" charset="0"/>
+              </a:rPr>
+              <a:t>&gt;</a:t>
+            </a:r>
+          </a:p>
+          <a:p>
+            <a:pPr marL="457200" lvl="1" indent="0">
+              <a:buNone/>
+            </a:pPr>
+            <a:r>
+              <a:rPr lang="en-US" sz="2200" dirty="0">
+                <a:solidFill>
+                  <a:srgbClr val="0000FF"/>
+                </a:solidFill>
+                <a:latin typeface="Arial" panose="020B0604020202020204" pitchFamily="34" charset="0"/>
+              </a:rPr>
+              <a:t>&lt;</a:t>
+            </a:r>
+            <a:r>
+              <a:rPr lang="en-US" sz="2200" dirty="0" err="1">
+                <a:solidFill>
+                  <a:srgbClr val="0000FF"/>
+                </a:solidFill>
+                <a:latin typeface="Arial" panose="020B0604020202020204" pitchFamily="34" charset="0"/>
+              </a:rPr>
+              <a:t>xsl:if</a:t>
+            </a:r>
+            <a:r>
+              <a:rPr lang="en-US" sz="2200" dirty="0">
+                <a:solidFill>
+                  <a:srgbClr val="0000FF"/>
+                </a:solidFill>
+                <a:latin typeface="Arial" panose="020B0604020202020204" pitchFamily="34" charset="0"/>
+              </a:rPr>
+              <a:t> </a:t>
+            </a:r>
+            <a:r>
+              <a:rPr lang="en-US" sz="2200" dirty="0">
+                <a:solidFill>
+                  <a:srgbClr val="FF7F7F"/>
+                </a:solidFill>
+                <a:latin typeface="Arial" panose="020B0604020202020204" pitchFamily="34" charset="0"/>
+              </a:rPr>
+              <a:t>test=" </a:t>
+            </a:r>
+            <a:r>
+              <a:rPr lang="en-US" sz="2200" dirty="0">
+                <a:solidFill>
+                  <a:srgbClr val="7D0020"/>
+                </a:solidFill>
+                <a:latin typeface="Arial" panose="020B0604020202020204" pitchFamily="34" charset="0"/>
+              </a:rPr>
+              <a:t>author = '</a:t>
+            </a:r>
+            <a:r>
+              <a:rPr lang="en-US" sz="2200" dirty="0" err="1">
+                <a:solidFill>
+                  <a:srgbClr val="7D0020"/>
+                </a:solidFill>
+                <a:latin typeface="Arial" panose="020B0604020202020204" pitchFamily="34" charset="0"/>
+              </a:rPr>
+              <a:t>Cassiodor</a:t>
+            </a:r>
+            <a:r>
+              <a:rPr lang="en-US" sz="2200" dirty="0">
+                <a:solidFill>
+                  <a:srgbClr val="7D0020"/>
+                </a:solidFill>
+                <a:latin typeface="Arial" panose="020B0604020202020204" pitchFamily="34" charset="0"/>
+              </a:rPr>
+              <a:t>' </a:t>
+            </a:r>
+            <a:r>
+              <a:rPr lang="en-US" sz="2200" dirty="0">
+                <a:solidFill>
+                  <a:srgbClr val="FF7F7F"/>
+                </a:solidFill>
+                <a:latin typeface="Arial" panose="020B0604020202020204" pitchFamily="34" charset="0"/>
+              </a:rPr>
+              <a:t>"</a:t>
+            </a:r>
+            <a:r>
+              <a:rPr lang="en-US" sz="2200" dirty="0">
+                <a:solidFill>
+                  <a:srgbClr val="0000FF"/>
+                </a:solidFill>
+                <a:latin typeface="Arial" panose="020B0604020202020204" pitchFamily="34" charset="0"/>
+              </a:rPr>
+              <a:t>&gt;</a:t>
+            </a:r>
+          </a:p>
+          <a:p>
+            <a:pPr marL="1371600" lvl="3" indent="0">
+              <a:buNone/>
+            </a:pPr>
+            <a:r>
+              <a:rPr lang="en-US" sz="2200" dirty="0">
+                <a:solidFill>
+                  <a:srgbClr val="3EFF3E"/>
+                </a:solidFill>
+                <a:latin typeface="Arial" panose="020B0604020202020204" pitchFamily="34" charset="0"/>
+              </a:rPr>
+              <a:t>&lt;li&gt;</a:t>
+            </a:r>
+            <a:r>
+              <a:rPr lang="en-US" sz="2200" dirty="0">
+                <a:solidFill>
+                  <a:srgbClr val="0000FF"/>
+                </a:solidFill>
+                <a:latin typeface="Arial" panose="020B0604020202020204" pitchFamily="34" charset="0"/>
+              </a:rPr>
+              <a:t>&lt;</a:t>
+            </a:r>
+            <a:r>
+              <a:rPr lang="en-US" sz="2200" dirty="0" err="1">
+                <a:solidFill>
+                  <a:srgbClr val="0000FF"/>
+                </a:solidFill>
+                <a:latin typeface="Arial" panose="020B0604020202020204" pitchFamily="34" charset="0"/>
+              </a:rPr>
+              <a:t>xsl:value-of</a:t>
+            </a:r>
+            <a:r>
+              <a:rPr lang="en-US" sz="2200" dirty="0">
+                <a:solidFill>
+                  <a:srgbClr val="0000FF"/>
+                </a:solidFill>
+                <a:latin typeface="Arial" panose="020B0604020202020204" pitchFamily="34" charset="0"/>
+              </a:rPr>
+              <a:t> </a:t>
+            </a:r>
+            <a:r>
+              <a:rPr lang="en-US" sz="2200" dirty="0">
+                <a:solidFill>
+                  <a:srgbClr val="FF7F7F"/>
+                </a:solidFill>
+                <a:latin typeface="Arial" panose="020B0604020202020204" pitchFamily="34" charset="0"/>
+              </a:rPr>
+              <a:t>select="</a:t>
+            </a:r>
+            <a:r>
+              <a:rPr lang="en-US" sz="2200" dirty="0">
+                <a:solidFill>
+                  <a:srgbClr val="7D0020"/>
+                </a:solidFill>
+                <a:latin typeface="Arial" panose="020B0604020202020204" pitchFamily="34" charset="0"/>
+              </a:rPr>
+              <a:t>title</a:t>
+            </a:r>
+            <a:r>
+              <a:rPr lang="en-US" sz="2200" dirty="0">
+                <a:solidFill>
+                  <a:srgbClr val="FF7F7F"/>
+                </a:solidFill>
+                <a:latin typeface="Arial" panose="020B0604020202020204" pitchFamily="34" charset="0"/>
+              </a:rPr>
+              <a:t>"</a:t>
+            </a:r>
+            <a:r>
+              <a:rPr lang="en-US" sz="2200" dirty="0">
+                <a:solidFill>
+                  <a:srgbClr val="986633"/>
+                </a:solidFill>
+                <a:latin typeface="Arial" panose="020B0604020202020204" pitchFamily="34" charset="0"/>
+              </a:rPr>
+              <a:t>/&gt;</a:t>
+            </a:r>
+            <a:r>
+              <a:rPr lang="en-US" sz="2200" dirty="0">
+                <a:solidFill>
+                  <a:srgbClr val="3EFF3E"/>
+                </a:solidFill>
+                <a:latin typeface="Arial" panose="020B0604020202020204" pitchFamily="34" charset="0"/>
+              </a:rPr>
+              <a:t>&lt;/li&gt;</a:t>
+            </a:r>
+          </a:p>
+          <a:p>
+            <a:pPr marL="457200" lvl="1" indent="0">
+              <a:buNone/>
+            </a:pPr>
+            <a:r>
+              <a:rPr lang="de-DE" sz="2200" dirty="0">
+                <a:solidFill>
+                  <a:srgbClr val="0000FF"/>
+                </a:solidFill>
+                <a:latin typeface="Arial" panose="020B0604020202020204" pitchFamily="34" charset="0"/>
+              </a:rPr>
+              <a:t>&lt;/xsl:if&gt;</a:t>
+            </a:r>
+          </a:p>
+          <a:p>
+            <a:pPr marL="457200" lvl="1" indent="0">
+              <a:buNone/>
+            </a:pPr>
+            <a:r>
+              <a:rPr lang="de-DE" sz="2200" dirty="0">
+                <a:solidFill>
+                  <a:srgbClr val="0000FF"/>
+                </a:solidFill>
+                <a:latin typeface="Arial" panose="020B0604020202020204" pitchFamily="34" charset="0"/>
+              </a:rPr>
+              <a:t>&lt;/xsl:for-each&gt;</a:t>
+            </a:r>
+          </a:p>
+          <a:p>
+            <a:pPr marL="0" indent="0">
+              <a:buNone/>
+            </a:pPr>
+            <a:endParaRPr lang="de-DE" dirty="0"/>
+          </a:p>
+        </p:txBody>
+      </p:sp>
+    </p:spTree>
+    <p:extLst>
+      <p:ext uri="{BB962C8B-B14F-4D97-AF65-F5344CB8AC3E}">
+        <p14:creationId xmlns:p14="http://schemas.microsoft.com/office/powerpoint/2010/main" val="3238944102"/>
+      </p:ext>
+    </p:extLst>
+  </p:cSld>
+  <p:clrMapOvr>
+    <a:masterClrMapping/>
+  </p:clrMapOvr>
+</p:sld>
+</file>
+
+<file path=ppt/slides/slide24.xml><?xml version="1.0" encoding="utf-8"?>
+<p:sld xmlns:a="http://schemas.openxmlformats.org/drawingml/2006/main" xmlns:r="http://schemas.openxmlformats.org/officeDocument/2006/relationships" xmlns:p="http://schemas.openxmlformats.org/presentationml/2006/main">
+  <p:cSld>
+    <p:spTree>
+      <p:nvGrpSpPr>
+        <p:cNvPr id="1" name=""/>
+        <p:cNvGrpSpPr/>
+        <p:nvPr/>
+      </p:nvGrpSpPr>
+      <p:grpSpPr>
+        <a:xfrm>
+          <a:off x="0" y="0"/>
+          <a:ext cx="0" cy="0"/>
+          <a:chOff x="0" y="0"/>
+          <a:chExt cx="0" cy="0"/>
+        </a:xfrm>
+      </p:grpSpPr>
+      <p:sp>
+        <p:nvSpPr>
+          <p:cNvPr id="2" name="Titel 1">
+            <a:extLst>
+              <a:ext uri="{FF2B5EF4-FFF2-40B4-BE49-F238E27FC236}">
+                <a16:creationId xmlns:a16="http://schemas.microsoft.com/office/drawing/2014/main" id="{0416667E-8050-4266-A5FA-9671210A1DE8}"/>
+              </a:ext>
+            </a:extLst>
+          </p:cNvPr>
+          <p:cNvSpPr>
+            <a:spLocks noGrp="1"/>
+          </p:cNvSpPr>
+          <p:nvPr>
+            <p:ph type="title"/>
+          </p:nvPr>
+        </p:nvSpPr>
+        <p:spPr/>
+        <p:txBody>
+          <a:bodyPr/>
+          <a:lstStyle/>
+          <a:p>
+            <a:r>
+              <a:rPr lang="de-DE" dirty="0"/>
+              <a:t>Bedingungen II</a:t>
+            </a:r>
+          </a:p>
+        </p:txBody>
+      </p:sp>
+      <p:sp>
+        <p:nvSpPr>
+          <p:cNvPr id="3" name="Inhaltsplatzhalter 2">
+            <a:extLst>
+              <a:ext uri="{FF2B5EF4-FFF2-40B4-BE49-F238E27FC236}">
+                <a16:creationId xmlns:a16="http://schemas.microsoft.com/office/drawing/2014/main" id="{4CE094D2-27FE-41EC-93F0-758A0336A3C5}"/>
+              </a:ext>
+            </a:extLst>
+          </p:cNvPr>
+          <p:cNvSpPr>
+            <a:spLocks noGrp="1"/>
+          </p:cNvSpPr>
+          <p:nvPr>
+            <p:ph idx="1"/>
+          </p:nvPr>
+        </p:nvSpPr>
+        <p:spPr/>
+        <p:txBody>
+          <a:bodyPr/>
+          <a:lstStyle/>
+          <a:p>
+            <a:pPr marL="0" indent="0">
+              <a:buNone/>
+            </a:pPr>
+            <a:r>
+              <a:rPr lang="de-DE" sz="2200" dirty="0">
+                <a:solidFill>
+                  <a:srgbClr val="0000FF"/>
+                </a:solidFill>
+                <a:latin typeface="Arial" panose="020B0604020202020204" pitchFamily="34" charset="0"/>
+              </a:rPr>
+              <a:t>&lt;xsl:choose&gt;</a:t>
+            </a:r>
+          </a:p>
+          <a:p>
+            <a:pPr marL="457200" lvl="1" indent="0">
+              <a:buNone/>
+            </a:pPr>
+            <a:r>
+              <a:rPr lang="en-US" sz="2200" dirty="0">
+                <a:solidFill>
+                  <a:srgbClr val="0000FF"/>
+                </a:solidFill>
+                <a:latin typeface="Arial" panose="020B0604020202020204" pitchFamily="34" charset="0"/>
+              </a:rPr>
+              <a:t>&lt;</a:t>
+            </a:r>
+            <a:r>
+              <a:rPr lang="en-US" sz="2200" dirty="0" err="1">
+                <a:solidFill>
+                  <a:srgbClr val="0000FF"/>
+                </a:solidFill>
+                <a:latin typeface="Arial" panose="020B0604020202020204" pitchFamily="34" charset="0"/>
+              </a:rPr>
+              <a:t>xsl:when</a:t>
+            </a:r>
+            <a:r>
+              <a:rPr lang="en-US" sz="2200" dirty="0">
+                <a:solidFill>
+                  <a:srgbClr val="0000FF"/>
+                </a:solidFill>
+                <a:latin typeface="Arial" panose="020B0604020202020204" pitchFamily="34" charset="0"/>
+              </a:rPr>
+              <a:t> </a:t>
+            </a:r>
+            <a:r>
+              <a:rPr lang="en-US" sz="2200" dirty="0">
+                <a:solidFill>
+                  <a:srgbClr val="FF7F7F"/>
+                </a:solidFill>
+                <a:latin typeface="Arial" panose="020B0604020202020204" pitchFamily="34" charset="0"/>
+              </a:rPr>
+              <a:t>test=" </a:t>
+            </a:r>
+            <a:r>
+              <a:rPr lang="en-US" sz="2200" i="1" dirty="0" err="1">
+                <a:solidFill>
+                  <a:srgbClr val="7D0020"/>
+                </a:solidFill>
+                <a:latin typeface="Arial" panose="020B0604020202020204" pitchFamily="34" charset="0"/>
+              </a:rPr>
+              <a:t>xpath-ausdruck</a:t>
+            </a:r>
+            <a:r>
+              <a:rPr lang="en-US" sz="2200" i="1" dirty="0">
+                <a:solidFill>
+                  <a:srgbClr val="7D0020"/>
+                </a:solidFill>
+                <a:latin typeface="Arial" panose="020B0604020202020204" pitchFamily="34" charset="0"/>
+              </a:rPr>
+              <a:t> </a:t>
+            </a:r>
+            <a:r>
+              <a:rPr lang="en-US" sz="2200" dirty="0">
+                <a:solidFill>
+                  <a:srgbClr val="FF7F7F"/>
+                </a:solidFill>
+                <a:latin typeface="Arial" panose="020B0604020202020204" pitchFamily="34" charset="0"/>
+              </a:rPr>
+              <a:t>"</a:t>
+            </a:r>
+            <a:r>
+              <a:rPr lang="en-US" sz="2200" dirty="0">
+                <a:solidFill>
+                  <a:srgbClr val="0000FF"/>
+                </a:solidFill>
+                <a:latin typeface="Arial" panose="020B0604020202020204" pitchFamily="34" charset="0"/>
+              </a:rPr>
+              <a:t>&gt; … &lt;/</a:t>
+            </a:r>
+            <a:r>
+              <a:rPr lang="en-US" sz="2200" dirty="0" err="1">
+                <a:solidFill>
+                  <a:srgbClr val="0000FF"/>
+                </a:solidFill>
+                <a:latin typeface="Arial" panose="020B0604020202020204" pitchFamily="34" charset="0"/>
+              </a:rPr>
+              <a:t>xsl:when</a:t>
+            </a:r>
+            <a:r>
+              <a:rPr lang="en-US" sz="2200" dirty="0">
+                <a:solidFill>
+                  <a:srgbClr val="0000FF"/>
+                </a:solidFill>
+                <a:latin typeface="Arial" panose="020B0604020202020204" pitchFamily="34" charset="0"/>
+              </a:rPr>
+              <a:t>&gt;</a:t>
+            </a:r>
+          </a:p>
+          <a:p>
+            <a:pPr marL="457200" lvl="1" indent="0">
+              <a:buNone/>
+            </a:pPr>
+            <a:r>
+              <a:rPr lang="de-DE" sz="2200" dirty="0">
+                <a:solidFill>
+                  <a:srgbClr val="0000FF"/>
+                </a:solidFill>
+                <a:latin typeface="Arial" panose="020B0604020202020204" pitchFamily="34" charset="0"/>
+              </a:rPr>
+              <a:t>&lt;</a:t>
+            </a:r>
+            <a:r>
+              <a:rPr lang="de-DE" sz="2200" dirty="0" err="1">
+                <a:solidFill>
+                  <a:srgbClr val="0000FF"/>
+                </a:solidFill>
+                <a:latin typeface="Arial" panose="020B0604020202020204" pitchFamily="34" charset="0"/>
+              </a:rPr>
+              <a:t>xsl:otherwise</a:t>
+            </a:r>
+            <a:r>
+              <a:rPr lang="de-DE" sz="2200" dirty="0">
+                <a:solidFill>
+                  <a:srgbClr val="0000FF"/>
+                </a:solidFill>
+                <a:latin typeface="Arial" panose="020B0604020202020204" pitchFamily="34" charset="0"/>
+              </a:rPr>
+              <a:t>&gt;&lt;/</a:t>
+            </a:r>
+            <a:r>
+              <a:rPr lang="de-DE" sz="2200" dirty="0" err="1">
+                <a:solidFill>
+                  <a:srgbClr val="0000FF"/>
+                </a:solidFill>
+                <a:latin typeface="Arial" panose="020B0604020202020204" pitchFamily="34" charset="0"/>
+              </a:rPr>
+              <a:t>xsl:otherwise</a:t>
+            </a:r>
+            <a:r>
+              <a:rPr lang="de-DE" sz="2200" dirty="0">
+                <a:solidFill>
+                  <a:srgbClr val="0000FF"/>
+                </a:solidFill>
+                <a:latin typeface="Arial" panose="020B0604020202020204" pitchFamily="34" charset="0"/>
+              </a:rPr>
+              <a:t>&gt;</a:t>
+            </a:r>
+          </a:p>
+          <a:p>
+            <a:pPr marL="0" indent="0">
+              <a:buNone/>
+            </a:pPr>
+            <a:r>
+              <a:rPr lang="de-DE" sz="2200" dirty="0">
+                <a:solidFill>
+                  <a:srgbClr val="0000FF"/>
+                </a:solidFill>
+                <a:latin typeface="Arial" panose="020B0604020202020204" pitchFamily="34" charset="0"/>
+              </a:rPr>
+              <a:t>&lt;/xsl:choose&gt;</a:t>
+            </a:r>
+          </a:p>
+          <a:p>
+            <a:pPr marL="0" indent="0">
+              <a:buNone/>
+            </a:pPr>
+            <a:endParaRPr lang="de-DE" sz="2200" dirty="0">
+              <a:solidFill>
+                <a:srgbClr val="0000FF"/>
+              </a:solidFill>
+              <a:latin typeface="Arial" panose="020B0604020202020204" pitchFamily="34" charset="0"/>
+            </a:endParaRPr>
+          </a:p>
+          <a:p>
+            <a:pPr lvl="1"/>
+            <a:r>
+              <a:rPr lang="de-DE" sz="2000" dirty="0">
+                <a:latin typeface="Arial" panose="020B0604020202020204" pitchFamily="34" charset="0"/>
+              </a:rPr>
+              <a:t>Unterscheidet mehrere Fälle, in denen Anweisungen nur ausgeführt werden, wenn die Bedingung in @</a:t>
+            </a:r>
+            <a:r>
+              <a:rPr lang="de-DE" sz="2000" dirty="0" err="1">
+                <a:latin typeface="Arial" panose="020B0604020202020204" pitchFamily="34" charset="0"/>
+              </a:rPr>
+              <a:t>test</a:t>
+            </a:r>
+            <a:r>
+              <a:rPr lang="de-DE" sz="2000" dirty="0">
+                <a:latin typeface="Arial" panose="020B0604020202020204" pitchFamily="34" charset="0"/>
+              </a:rPr>
+              <a:t> erfüllt ist. Ansonsten werden die Anweisungen des </a:t>
+            </a:r>
+            <a:r>
+              <a:rPr lang="de-DE" sz="2000" dirty="0" err="1">
+                <a:latin typeface="Arial" panose="020B0604020202020204" pitchFamily="34" charset="0"/>
+              </a:rPr>
+              <a:t>xsl:otherwise</a:t>
+            </a:r>
+            <a:r>
+              <a:rPr lang="de-DE" sz="2000" dirty="0">
+                <a:latin typeface="Arial" panose="020B0604020202020204" pitchFamily="34" charset="0"/>
+              </a:rPr>
+              <a:t> ausgeführt.</a:t>
+            </a:r>
+          </a:p>
+          <a:p>
+            <a:pPr marL="0" indent="0">
+              <a:buNone/>
+            </a:pPr>
+            <a:endParaRPr lang="de-DE" dirty="0"/>
+          </a:p>
+        </p:txBody>
+      </p:sp>
+    </p:spTree>
+    <p:extLst>
+      <p:ext uri="{BB962C8B-B14F-4D97-AF65-F5344CB8AC3E}">
+        <p14:creationId xmlns:p14="http://schemas.microsoft.com/office/powerpoint/2010/main" val="4238915483"/>
+      </p:ext>
+    </p:extLst>
+  </p:cSld>
+  <p:clrMapOvr>
+    <a:masterClrMapping/>
+  </p:clrMapOvr>
+</p:sld>
+</file>
+
+<file path=ppt/slides/slide25.xml><?xml version="1.0" encoding="utf-8"?>
+<p:sld xmlns:a="http://schemas.openxmlformats.org/drawingml/2006/main" xmlns:r="http://schemas.openxmlformats.org/officeDocument/2006/relationships" xmlns:p="http://schemas.openxmlformats.org/presentationml/2006/main">
+  <p:cSld>
+    <p:spTree>
+      <p:nvGrpSpPr>
+        <p:cNvPr id="1" name=""/>
+        <p:cNvGrpSpPr/>
+        <p:nvPr/>
+      </p:nvGrpSpPr>
+      <p:grpSpPr>
+        <a:xfrm>
+          <a:off x="0" y="0"/>
+          <a:ext cx="0" cy="0"/>
+          <a:chOff x="0" y="0"/>
+          <a:chExt cx="0" cy="0"/>
+        </a:xfrm>
+      </p:grpSpPr>
+      <p:sp>
+        <p:nvSpPr>
+          <p:cNvPr id="2" name="Titel 1">
+            <a:extLst>
+              <a:ext uri="{FF2B5EF4-FFF2-40B4-BE49-F238E27FC236}">
+                <a16:creationId xmlns:a16="http://schemas.microsoft.com/office/drawing/2014/main" id="{5E2D953C-FF10-43B0-B6D9-2394B78601F7}"/>
+              </a:ext>
+            </a:extLst>
+          </p:cNvPr>
+          <p:cNvSpPr>
+            <a:spLocks noGrp="1"/>
+          </p:cNvSpPr>
+          <p:nvPr>
+            <p:ph type="title"/>
+          </p:nvPr>
+        </p:nvSpPr>
+        <p:spPr/>
+        <p:txBody>
+          <a:bodyPr/>
+          <a:lstStyle/>
+          <a:p>
+            <a:r>
+              <a:rPr lang="de-DE" dirty="0"/>
+              <a:t>Sortieren</a:t>
+            </a:r>
+          </a:p>
+        </p:txBody>
+      </p:sp>
+      <p:sp>
+        <p:nvSpPr>
+          <p:cNvPr id="3" name="Inhaltsplatzhalter 2">
+            <a:extLst>
+              <a:ext uri="{FF2B5EF4-FFF2-40B4-BE49-F238E27FC236}">
+                <a16:creationId xmlns:a16="http://schemas.microsoft.com/office/drawing/2014/main" id="{012684B3-D0DE-4AA5-A36C-BBFB1060D491}"/>
+              </a:ext>
+            </a:extLst>
+          </p:cNvPr>
+          <p:cNvSpPr>
+            <a:spLocks noGrp="1"/>
+          </p:cNvSpPr>
+          <p:nvPr>
+            <p:ph idx="1"/>
+          </p:nvPr>
+        </p:nvSpPr>
+        <p:spPr/>
+        <p:txBody>
+          <a:bodyPr>
+            <a:normAutofit fontScale="70000" lnSpcReduction="20000"/>
+          </a:bodyPr>
+          <a:lstStyle/>
+          <a:p>
+            <a:pPr marL="0" indent="0">
+              <a:buNone/>
+            </a:pPr>
+            <a:r>
+              <a:rPr lang="de-DE" dirty="0">
+                <a:solidFill>
+                  <a:srgbClr val="0000FF"/>
+                </a:solidFill>
+                <a:latin typeface="Arial" panose="020B0604020202020204" pitchFamily="34" charset="0"/>
+              </a:rPr>
+              <a:t>&lt;xsl:sort </a:t>
+            </a:r>
+            <a:r>
+              <a:rPr lang="de-DE" dirty="0" err="1">
+                <a:solidFill>
+                  <a:srgbClr val="FF7F7F"/>
+                </a:solidFill>
+                <a:latin typeface="Arial" panose="020B0604020202020204" pitchFamily="34" charset="0"/>
+              </a:rPr>
+              <a:t>select</a:t>
+            </a:r>
+            <a:r>
+              <a:rPr lang="de-DE" dirty="0">
+                <a:solidFill>
+                  <a:srgbClr val="FF7F7F"/>
+                </a:solidFill>
+                <a:latin typeface="Arial" panose="020B0604020202020204" pitchFamily="34" charset="0"/>
+              </a:rPr>
+              <a:t>=" </a:t>
+            </a:r>
+            <a:r>
+              <a:rPr lang="de-DE" i="1" dirty="0" err="1">
+                <a:solidFill>
+                  <a:srgbClr val="7D0020"/>
+                </a:solidFill>
+                <a:latin typeface="Arial" panose="020B0604020202020204" pitchFamily="34" charset="0"/>
+              </a:rPr>
+              <a:t>xpath</a:t>
+            </a:r>
+            <a:r>
+              <a:rPr lang="de-DE" i="1" dirty="0">
+                <a:solidFill>
+                  <a:srgbClr val="7D0020"/>
+                </a:solidFill>
+                <a:latin typeface="Arial" panose="020B0604020202020204" pitchFamily="34" charset="0"/>
+              </a:rPr>
+              <a:t>-ausdruck </a:t>
+            </a:r>
+            <a:r>
+              <a:rPr lang="de-DE" dirty="0">
+                <a:solidFill>
+                  <a:srgbClr val="FF7F7F"/>
+                </a:solidFill>
+                <a:latin typeface="Arial" panose="020B0604020202020204" pitchFamily="34" charset="0"/>
+              </a:rPr>
+              <a:t>"</a:t>
+            </a:r>
+            <a:r>
+              <a:rPr lang="de-DE" dirty="0">
+                <a:solidFill>
+                  <a:srgbClr val="0000FF"/>
+                </a:solidFill>
+                <a:latin typeface="Arial" panose="020B0604020202020204" pitchFamily="34" charset="0"/>
+              </a:rPr>
+              <a:t>/&gt;</a:t>
+            </a:r>
+          </a:p>
+          <a:p>
+            <a:pPr marL="0" indent="0">
+              <a:buNone/>
+            </a:pPr>
+            <a:endParaRPr lang="de-DE" dirty="0">
+              <a:solidFill>
+                <a:srgbClr val="0000FF"/>
+              </a:solidFill>
+              <a:latin typeface="Arial" panose="020B0604020202020204" pitchFamily="34" charset="0"/>
+            </a:endParaRPr>
+          </a:p>
+          <a:p>
+            <a:pPr lvl="1"/>
+            <a:r>
+              <a:rPr lang="de-DE" dirty="0">
+                <a:latin typeface="Arial" panose="020B0604020202020204" pitchFamily="34" charset="0"/>
+              </a:rPr>
+              <a:t>Sortiert die Elemente einer Schleife (nach dem ausgewählten Kriterium)</a:t>
+            </a:r>
+          </a:p>
+          <a:p>
+            <a:pPr marR="1030" lvl="1"/>
+            <a:r>
+              <a:rPr lang="de-DE" dirty="0">
+                <a:latin typeface="Arial" panose="020B0604020202020204" pitchFamily="34" charset="0"/>
+              </a:rPr>
+              <a:t>Wird immer innerhalb von &lt;xsl:for-each&gt; oder &lt;</a:t>
+            </a:r>
+            <a:r>
+              <a:rPr lang="de-DE" dirty="0" err="1">
+                <a:latin typeface="Arial" panose="020B0604020202020204" pitchFamily="34" charset="0"/>
+              </a:rPr>
+              <a:t>xsl:apply</a:t>
+            </a:r>
+            <a:r>
+              <a:rPr lang="de-DE" dirty="0">
+                <a:latin typeface="Arial" panose="020B0604020202020204" pitchFamily="34" charset="0"/>
+              </a:rPr>
+              <a:t>- </a:t>
+            </a:r>
+            <a:r>
+              <a:rPr lang="de-DE" dirty="0" err="1">
+                <a:latin typeface="Arial" panose="020B0604020202020204" pitchFamily="34" charset="0"/>
+              </a:rPr>
+              <a:t>templates</a:t>
+            </a:r>
+            <a:r>
+              <a:rPr lang="de-DE" dirty="0">
+                <a:latin typeface="Arial" panose="020B0604020202020204" pitchFamily="34" charset="0"/>
+              </a:rPr>
+              <a:t>&gt; verwendet</a:t>
+            </a:r>
+          </a:p>
+          <a:p>
+            <a:pPr marR="1030" lvl="1"/>
+            <a:endParaRPr lang="de-DE" dirty="0">
+              <a:latin typeface="Arial" panose="020B0604020202020204" pitchFamily="34" charset="0"/>
+            </a:endParaRPr>
+          </a:p>
+          <a:p>
+            <a:pPr marR="1030"/>
+            <a:r>
+              <a:rPr lang="de-DE" dirty="0">
+                <a:latin typeface="Arial" panose="020B0604020202020204" pitchFamily="34" charset="0"/>
+              </a:rPr>
+              <a:t>Beispiel:</a:t>
+            </a:r>
+          </a:p>
+          <a:p>
+            <a:pPr marL="0" marR="1030" indent="0">
+              <a:buNone/>
+            </a:pPr>
+            <a:r>
+              <a:rPr lang="de-DE" dirty="0">
+                <a:solidFill>
+                  <a:srgbClr val="3EFF3E"/>
+                </a:solidFill>
+                <a:latin typeface="Arial" panose="020B0604020202020204" pitchFamily="34" charset="0"/>
+              </a:rPr>
+              <a:t>&lt;</a:t>
+            </a:r>
+            <a:r>
+              <a:rPr lang="de-DE" dirty="0" err="1">
+                <a:solidFill>
+                  <a:srgbClr val="3EFF3E"/>
+                </a:solidFill>
+                <a:latin typeface="Arial" panose="020B0604020202020204" pitchFamily="34" charset="0"/>
+              </a:rPr>
+              <a:t>ul</a:t>
+            </a:r>
+            <a:r>
+              <a:rPr lang="de-DE" dirty="0">
+                <a:solidFill>
+                  <a:srgbClr val="3EFF3E"/>
+                </a:solidFill>
+                <a:latin typeface="Arial" panose="020B0604020202020204" pitchFamily="34" charset="0"/>
+              </a:rPr>
+              <a:t>&gt;</a:t>
+            </a:r>
+          </a:p>
+          <a:p>
+            <a:pPr marL="0" indent="0">
+              <a:buNone/>
+            </a:pPr>
+            <a:r>
+              <a:rPr lang="de-DE" dirty="0">
+                <a:solidFill>
+                  <a:srgbClr val="0000FF"/>
+                </a:solidFill>
+                <a:latin typeface="Arial" panose="020B0604020202020204" pitchFamily="34" charset="0"/>
+              </a:rPr>
+              <a:t>&lt;xsl:for-each </a:t>
+            </a:r>
+            <a:r>
+              <a:rPr lang="de-DE" dirty="0" err="1">
+                <a:solidFill>
+                  <a:srgbClr val="FF7F7F"/>
+                </a:solidFill>
+                <a:latin typeface="Arial" panose="020B0604020202020204" pitchFamily="34" charset="0"/>
+              </a:rPr>
+              <a:t>select</a:t>
+            </a:r>
+            <a:r>
+              <a:rPr lang="de-DE" dirty="0">
+                <a:solidFill>
+                  <a:srgbClr val="FF7F7F"/>
+                </a:solidFill>
+                <a:latin typeface="Arial" panose="020B0604020202020204" pitchFamily="34" charset="0"/>
+              </a:rPr>
+              <a:t>="</a:t>
+            </a:r>
+            <a:r>
+              <a:rPr lang="de-DE" dirty="0">
+                <a:solidFill>
+                  <a:srgbClr val="7D0020"/>
+                </a:solidFill>
+                <a:latin typeface="Arial" panose="020B0604020202020204" pitchFamily="34" charset="0"/>
+              </a:rPr>
+              <a:t>//</a:t>
+            </a:r>
+            <a:r>
+              <a:rPr lang="de-DE" dirty="0" err="1">
+                <a:solidFill>
+                  <a:srgbClr val="7D0020"/>
+                </a:solidFill>
+                <a:latin typeface="Arial" panose="020B0604020202020204" pitchFamily="34" charset="0"/>
+              </a:rPr>
+              <a:t>msItem</a:t>
+            </a:r>
+            <a:r>
+              <a:rPr lang="de-DE" dirty="0">
+                <a:solidFill>
+                  <a:srgbClr val="FF7F7F"/>
+                </a:solidFill>
+                <a:latin typeface="Arial" panose="020B0604020202020204" pitchFamily="34" charset="0"/>
+              </a:rPr>
+              <a:t>"</a:t>
+            </a:r>
+            <a:r>
+              <a:rPr lang="de-DE" dirty="0">
+                <a:solidFill>
+                  <a:srgbClr val="0000FF"/>
+                </a:solidFill>
+                <a:latin typeface="Arial" panose="020B0604020202020204" pitchFamily="34" charset="0"/>
+              </a:rPr>
+              <a:t>&gt;</a:t>
+            </a:r>
+          </a:p>
+          <a:p>
+            <a:pPr marL="457200" lvl="1" indent="0">
+              <a:buNone/>
+            </a:pPr>
+            <a:r>
+              <a:rPr lang="de-DE" sz="2800" dirty="0">
+                <a:solidFill>
+                  <a:srgbClr val="0000FF"/>
+                </a:solidFill>
+                <a:latin typeface="Arial" panose="020B0604020202020204" pitchFamily="34" charset="0"/>
+              </a:rPr>
+              <a:t>&lt;xsl:sort </a:t>
+            </a:r>
+            <a:r>
+              <a:rPr lang="de-DE" sz="2800" dirty="0" err="1">
+                <a:solidFill>
+                  <a:srgbClr val="FF7F7F"/>
+                </a:solidFill>
+                <a:latin typeface="Arial" panose="020B0604020202020204" pitchFamily="34" charset="0"/>
+              </a:rPr>
+              <a:t>select</a:t>
+            </a:r>
+            <a:r>
+              <a:rPr lang="de-DE" sz="2800" dirty="0">
+                <a:solidFill>
+                  <a:srgbClr val="FF7F7F"/>
+                </a:solidFill>
+                <a:latin typeface="Arial" panose="020B0604020202020204" pitchFamily="34" charset="0"/>
+              </a:rPr>
+              <a:t>="</a:t>
+            </a:r>
+            <a:r>
+              <a:rPr lang="de-DE" sz="2800" dirty="0" err="1">
+                <a:solidFill>
+                  <a:srgbClr val="7D0020"/>
+                </a:solidFill>
+                <a:latin typeface="Arial" panose="020B0604020202020204" pitchFamily="34" charset="0"/>
+              </a:rPr>
+              <a:t>author</a:t>
+            </a:r>
+            <a:r>
+              <a:rPr lang="de-DE" sz="2800" dirty="0">
+                <a:solidFill>
+                  <a:srgbClr val="FF7F7F"/>
+                </a:solidFill>
+                <a:latin typeface="Arial" panose="020B0604020202020204" pitchFamily="34" charset="0"/>
+              </a:rPr>
+              <a:t>"</a:t>
+            </a:r>
+            <a:r>
+              <a:rPr lang="de-DE" sz="2800" dirty="0">
+                <a:solidFill>
+                  <a:srgbClr val="0000FF"/>
+                </a:solidFill>
+                <a:latin typeface="Arial" panose="020B0604020202020204" pitchFamily="34" charset="0"/>
+              </a:rPr>
+              <a:t>/&gt;</a:t>
+            </a:r>
+          </a:p>
+          <a:p>
+            <a:pPr marL="457200" lvl="1" indent="0">
+              <a:buNone/>
+            </a:pPr>
+            <a:r>
+              <a:rPr lang="en-US" sz="2800" dirty="0">
+                <a:solidFill>
+                  <a:srgbClr val="3EFF3E"/>
+                </a:solidFill>
+                <a:latin typeface="Arial" panose="020B0604020202020204" pitchFamily="34" charset="0"/>
+              </a:rPr>
+              <a:t>&lt;li&gt; </a:t>
+            </a:r>
+            <a:r>
+              <a:rPr lang="en-US" sz="2800" dirty="0">
+                <a:solidFill>
+                  <a:srgbClr val="0000FF"/>
+                </a:solidFill>
+                <a:latin typeface="Arial" panose="020B0604020202020204" pitchFamily="34" charset="0"/>
+              </a:rPr>
+              <a:t>&lt;</a:t>
+            </a:r>
+            <a:r>
+              <a:rPr lang="en-US" sz="2800" dirty="0" err="1">
+                <a:solidFill>
+                  <a:srgbClr val="0000FF"/>
+                </a:solidFill>
+                <a:latin typeface="Arial" panose="020B0604020202020204" pitchFamily="34" charset="0"/>
+              </a:rPr>
+              <a:t>xsl:value-of</a:t>
+            </a:r>
+            <a:r>
+              <a:rPr lang="en-US" sz="2800" dirty="0">
+                <a:solidFill>
+                  <a:srgbClr val="0000FF"/>
+                </a:solidFill>
+                <a:latin typeface="Arial" panose="020B0604020202020204" pitchFamily="34" charset="0"/>
+              </a:rPr>
+              <a:t> </a:t>
+            </a:r>
+            <a:r>
+              <a:rPr lang="en-US" sz="2800" dirty="0">
+                <a:solidFill>
+                  <a:srgbClr val="FF7F7F"/>
+                </a:solidFill>
+                <a:latin typeface="Arial" panose="020B0604020202020204" pitchFamily="34" charset="0"/>
+              </a:rPr>
+              <a:t>select="</a:t>
+            </a:r>
+            <a:r>
+              <a:rPr lang="en-US" sz="2800" dirty="0">
+                <a:solidFill>
+                  <a:srgbClr val="7D0020"/>
+                </a:solidFill>
+                <a:latin typeface="Arial" panose="020B0604020202020204" pitchFamily="34" charset="0"/>
+              </a:rPr>
+              <a:t>title</a:t>
+            </a:r>
+            <a:r>
+              <a:rPr lang="en-US" sz="2800" dirty="0">
+                <a:solidFill>
+                  <a:srgbClr val="FF7F7F"/>
+                </a:solidFill>
+                <a:latin typeface="Arial" panose="020B0604020202020204" pitchFamily="34" charset="0"/>
+              </a:rPr>
+              <a:t>"</a:t>
+            </a:r>
+            <a:r>
+              <a:rPr lang="en-US" sz="2800" dirty="0">
+                <a:solidFill>
+                  <a:srgbClr val="0000FF"/>
+                </a:solidFill>
+                <a:latin typeface="Arial" panose="020B0604020202020204" pitchFamily="34" charset="0"/>
+              </a:rPr>
+              <a:t>/&gt;</a:t>
+            </a:r>
+          </a:p>
+          <a:p>
+            <a:pPr marL="914400" lvl="2" indent="0">
+              <a:buNone/>
+            </a:pPr>
+            <a:r>
+              <a:rPr lang="de-DE" sz="2800" dirty="0">
+                <a:solidFill>
+                  <a:srgbClr val="0000FF"/>
+                </a:solidFill>
+                <a:latin typeface="Arial" panose="020B0604020202020204" pitchFamily="34" charset="0"/>
+              </a:rPr>
+              <a:t>&lt;</a:t>
+            </a:r>
+            <a:r>
+              <a:rPr lang="de-DE" sz="2800" dirty="0" err="1">
+                <a:solidFill>
+                  <a:srgbClr val="0000FF"/>
+                </a:solidFill>
+                <a:latin typeface="Arial" panose="020B0604020202020204" pitchFamily="34" charset="0"/>
+              </a:rPr>
+              <a:t>xsl:text</a:t>
+            </a:r>
+            <a:r>
+              <a:rPr lang="de-DE" sz="2800" dirty="0">
+                <a:solidFill>
+                  <a:srgbClr val="0000FF"/>
+                </a:solidFill>
+                <a:latin typeface="Arial" panose="020B0604020202020204" pitchFamily="34" charset="0"/>
+              </a:rPr>
+              <a:t>&gt; </a:t>
+            </a:r>
+            <a:r>
+              <a:rPr lang="de-DE" sz="2800" dirty="0">
+                <a:solidFill>
+                  <a:srgbClr val="000000"/>
+                </a:solidFill>
+                <a:latin typeface="Arial" panose="020B0604020202020204" pitchFamily="34" charset="0"/>
+              </a:rPr>
+              <a:t>von </a:t>
+            </a:r>
+            <a:r>
+              <a:rPr lang="de-DE" sz="2800" dirty="0">
+                <a:solidFill>
+                  <a:srgbClr val="0000FF"/>
+                </a:solidFill>
+                <a:latin typeface="Arial" panose="020B0604020202020204" pitchFamily="34" charset="0"/>
+              </a:rPr>
+              <a:t>&lt;/</a:t>
+            </a:r>
+            <a:r>
+              <a:rPr lang="de-DE" sz="2800" dirty="0" err="1">
+                <a:solidFill>
+                  <a:srgbClr val="0000FF"/>
+                </a:solidFill>
+                <a:latin typeface="Arial" panose="020B0604020202020204" pitchFamily="34" charset="0"/>
+              </a:rPr>
+              <a:t>xsl:text</a:t>
+            </a:r>
+            <a:r>
+              <a:rPr lang="de-DE" sz="2800" dirty="0">
+                <a:solidFill>
+                  <a:srgbClr val="0000FF"/>
+                </a:solidFill>
+                <a:latin typeface="Arial" panose="020B0604020202020204" pitchFamily="34" charset="0"/>
+              </a:rPr>
+              <a:t>&gt;</a:t>
+            </a:r>
+          </a:p>
+          <a:p>
+            <a:pPr marL="1371600" lvl="3" indent="0">
+              <a:buNone/>
+            </a:pPr>
+            <a:r>
+              <a:rPr lang="en-US" sz="2800" dirty="0">
+                <a:solidFill>
+                  <a:srgbClr val="0000FF"/>
+                </a:solidFill>
+                <a:latin typeface="Arial" panose="020B0604020202020204" pitchFamily="34" charset="0"/>
+              </a:rPr>
+              <a:t>&lt;</a:t>
+            </a:r>
+            <a:r>
+              <a:rPr lang="en-US" sz="2800" dirty="0" err="1">
+                <a:solidFill>
+                  <a:srgbClr val="0000FF"/>
+                </a:solidFill>
+                <a:latin typeface="Arial" panose="020B0604020202020204" pitchFamily="34" charset="0"/>
+              </a:rPr>
+              <a:t>xsl:value-of</a:t>
+            </a:r>
+            <a:r>
+              <a:rPr lang="en-US" sz="2800" dirty="0">
+                <a:solidFill>
+                  <a:srgbClr val="0000FF"/>
+                </a:solidFill>
+                <a:latin typeface="Arial" panose="020B0604020202020204" pitchFamily="34" charset="0"/>
+              </a:rPr>
+              <a:t> </a:t>
+            </a:r>
+            <a:r>
+              <a:rPr lang="en-US" sz="2800" dirty="0">
+                <a:solidFill>
+                  <a:srgbClr val="FF7F7F"/>
+                </a:solidFill>
+                <a:latin typeface="Arial" panose="020B0604020202020204" pitchFamily="34" charset="0"/>
+              </a:rPr>
+              <a:t>select="</a:t>
+            </a:r>
+            <a:r>
+              <a:rPr lang="en-US" sz="2800" dirty="0">
+                <a:solidFill>
+                  <a:srgbClr val="7D0020"/>
+                </a:solidFill>
+                <a:latin typeface="Arial" panose="020B0604020202020204" pitchFamily="34" charset="0"/>
+              </a:rPr>
+              <a:t>author</a:t>
+            </a:r>
+            <a:r>
+              <a:rPr lang="en-US" sz="2800" dirty="0">
+                <a:solidFill>
+                  <a:srgbClr val="FF7F7F"/>
+                </a:solidFill>
+                <a:latin typeface="Arial" panose="020B0604020202020204" pitchFamily="34" charset="0"/>
+              </a:rPr>
+              <a:t>"</a:t>
+            </a:r>
+            <a:r>
+              <a:rPr lang="en-US" sz="2800" dirty="0">
+                <a:solidFill>
+                  <a:srgbClr val="0000FF"/>
+                </a:solidFill>
+                <a:latin typeface="Arial" panose="020B0604020202020204" pitchFamily="34" charset="0"/>
+              </a:rPr>
+              <a:t>/&gt; </a:t>
+            </a:r>
+            <a:r>
+              <a:rPr lang="en-US" sz="2800" dirty="0">
+                <a:solidFill>
+                  <a:srgbClr val="3EFF3E"/>
+                </a:solidFill>
+                <a:latin typeface="Arial" panose="020B0604020202020204" pitchFamily="34" charset="0"/>
+              </a:rPr>
+              <a:t>&lt;/li&gt;</a:t>
+            </a:r>
+          </a:p>
+          <a:p>
+            <a:pPr marL="457200" lvl="1" indent="0">
+              <a:buNone/>
+            </a:pPr>
+            <a:r>
+              <a:rPr lang="de-DE" sz="2800" dirty="0">
+                <a:solidFill>
+                  <a:srgbClr val="0000FF"/>
+                </a:solidFill>
+                <a:latin typeface="Arial" panose="020B0604020202020204" pitchFamily="34" charset="0"/>
+              </a:rPr>
+              <a:t>&lt;/xsl:for-each&gt;</a:t>
+            </a:r>
+          </a:p>
+          <a:p>
+            <a:pPr marL="0" indent="0">
+              <a:buNone/>
+            </a:pPr>
+            <a:r>
+              <a:rPr lang="de-DE" dirty="0">
+                <a:solidFill>
+                  <a:srgbClr val="3EFF3E"/>
+                </a:solidFill>
+                <a:latin typeface="Arial" panose="020B0604020202020204" pitchFamily="34" charset="0"/>
+              </a:rPr>
+              <a:t>&lt;/</a:t>
+            </a:r>
+            <a:r>
+              <a:rPr lang="de-DE" dirty="0" err="1">
+                <a:solidFill>
+                  <a:srgbClr val="3EFF3E"/>
+                </a:solidFill>
+                <a:latin typeface="Arial" panose="020B0604020202020204" pitchFamily="34" charset="0"/>
+              </a:rPr>
+              <a:t>ul</a:t>
+            </a:r>
+            <a:r>
+              <a:rPr lang="de-DE" dirty="0">
+                <a:solidFill>
+                  <a:srgbClr val="3EFF3E"/>
+                </a:solidFill>
+                <a:latin typeface="Arial" panose="020B0604020202020204" pitchFamily="34" charset="0"/>
+              </a:rPr>
+              <a:t>&gt;</a:t>
+            </a:r>
+          </a:p>
+          <a:p>
+            <a:endParaRPr lang="de-DE" dirty="0"/>
+          </a:p>
+        </p:txBody>
+      </p:sp>
+    </p:spTree>
+    <p:extLst>
+      <p:ext uri="{BB962C8B-B14F-4D97-AF65-F5344CB8AC3E}">
+        <p14:creationId xmlns:p14="http://schemas.microsoft.com/office/powerpoint/2010/main" val="4000709141"/>
+      </p:ext>
+    </p:extLst>
+  </p:cSld>
+  <p:clrMapOvr>
+    <a:masterClrMapping/>
+  </p:clrMapOvr>
+</p:sld>
+</file>
+
+<file path=ppt/slides/slide26.xml><?xml version="1.0" encoding="utf-8"?>
+<p:sld xmlns:a="http://schemas.openxmlformats.org/drawingml/2006/main" xmlns:r="http://schemas.openxmlformats.org/officeDocument/2006/relationships" xmlns:p="http://schemas.openxmlformats.org/presentationml/2006/main">
+  <p:cSld>
+    <p:spTree>
+      <p:nvGrpSpPr>
+        <p:cNvPr id="1" name=""/>
+        <p:cNvGrpSpPr/>
+        <p:nvPr/>
+      </p:nvGrpSpPr>
+      <p:grpSpPr>
+        <a:xfrm>
+          <a:off x="0" y="0"/>
+          <a:ext cx="0" cy="0"/>
+          <a:chOff x="0" y="0"/>
+          <a:chExt cx="0" cy="0"/>
+        </a:xfrm>
+      </p:grpSpPr>
+      <p:sp>
+        <p:nvSpPr>
+          <p:cNvPr id="2" name="Titel 1">
+            <a:extLst>
+              <a:ext uri="{FF2B5EF4-FFF2-40B4-BE49-F238E27FC236}">
+                <a16:creationId xmlns:a16="http://schemas.microsoft.com/office/drawing/2014/main" id="{221FB2C9-75BD-4EAE-87CA-F08A851147FF}"/>
+              </a:ext>
+            </a:extLst>
+          </p:cNvPr>
+          <p:cNvSpPr>
+            <a:spLocks noGrp="1"/>
+          </p:cNvSpPr>
+          <p:nvPr>
+            <p:ph type="title"/>
+          </p:nvPr>
+        </p:nvSpPr>
+        <p:spPr/>
+        <p:txBody>
+          <a:bodyPr/>
+          <a:lstStyle/>
+          <a:p>
+            <a:r>
+              <a:rPr lang="de-DE" dirty="0"/>
+              <a:t>Kopieren</a:t>
+            </a:r>
+          </a:p>
+        </p:txBody>
+      </p:sp>
+      <p:sp>
+        <p:nvSpPr>
+          <p:cNvPr id="3" name="Inhaltsplatzhalter 2">
+            <a:extLst>
+              <a:ext uri="{FF2B5EF4-FFF2-40B4-BE49-F238E27FC236}">
+                <a16:creationId xmlns:a16="http://schemas.microsoft.com/office/drawing/2014/main" id="{3F48E1AC-7557-4EE3-BECC-341E978D26E6}"/>
+              </a:ext>
+            </a:extLst>
+          </p:cNvPr>
+          <p:cNvSpPr>
+            <a:spLocks noGrp="1"/>
+          </p:cNvSpPr>
+          <p:nvPr>
+            <p:ph idx="1"/>
+          </p:nvPr>
+        </p:nvSpPr>
+        <p:spPr/>
+        <p:txBody>
+          <a:bodyPr/>
+          <a:lstStyle/>
+          <a:p>
+            <a:pPr marL="0" indent="0">
+              <a:buNone/>
+            </a:pPr>
+            <a:r>
+              <a:rPr lang="de-DE" sz="2200" dirty="0">
+                <a:solidFill>
+                  <a:srgbClr val="0000FF"/>
+                </a:solidFill>
+                <a:latin typeface="Arial" panose="020B0604020202020204" pitchFamily="34" charset="0"/>
+              </a:rPr>
+              <a:t>&lt;</a:t>
+            </a:r>
+            <a:r>
+              <a:rPr lang="de-DE" sz="2200" dirty="0" err="1">
+                <a:solidFill>
+                  <a:srgbClr val="0000FF"/>
+                </a:solidFill>
+                <a:latin typeface="Arial" panose="020B0604020202020204" pitchFamily="34" charset="0"/>
+              </a:rPr>
+              <a:t>xsl:copy</a:t>
+            </a:r>
+            <a:r>
+              <a:rPr lang="de-DE" sz="2200" dirty="0">
+                <a:solidFill>
+                  <a:srgbClr val="0000FF"/>
+                </a:solidFill>
+                <a:latin typeface="Arial" panose="020B0604020202020204" pitchFamily="34" charset="0"/>
+              </a:rPr>
+              <a:t>/&gt;</a:t>
+            </a:r>
+          </a:p>
+          <a:p>
+            <a:pPr marR="24840"/>
+            <a:r>
+              <a:rPr lang="de-DE" sz="2400" dirty="0">
+                <a:latin typeface="Arial" panose="020B0604020202020204" pitchFamily="34" charset="0"/>
+              </a:rPr>
+              <a:t>Kopiert den aktuellen Knoten inklusive Namespace Kopiert keine Attribute, Inhalte, </a:t>
+            </a:r>
+            <a:r>
+              <a:rPr lang="de-DE" sz="2400" dirty="0" err="1">
+                <a:latin typeface="Arial" panose="020B0604020202020204" pitchFamily="34" charset="0"/>
+              </a:rPr>
+              <a:t>Kindknoten</a:t>
+            </a:r>
+            <a:endParaRPr lang="de-DE" sz="2400" dirty="0">
+              <a:latin typeface="Arial" panose="020B0604020202020204" pitchFamily="34" charset="0"/>
+            </a:endParaRPr>
+          </a:p>
+          <a:p>
+            <a:pPr marL="0" marR="24840" indent="0">
+              <a:buNone/>
+            </a:pPr>
+            <a:endParaRPr lang="de-DE" sz="2400" dirty="0">
+              <a:latin typeface="Arial" panose="020B0604020202020204" pitchFamily="34" charset="0"/>
+            </a:endParaRPr>
+          </a:p>
+          <a:p>
+            <a:pPr marL="0" indent="0">
+              <a:buNone/>
+            </a:pPr>
+            <a:r>
+              <a:rPr lang="de-DE" sz="2200" dirty="0">
+                <a:solidFill>
+                  <a:srgbClr val="0000FF"/>
+                </a:solidFill>
+                <a:latin typeface="Arial" panose="020B0604020202020204" pitchFamily="34" charset="0"/>
+              </a:rPr>
+              <a:t>&lt;</a:t>
+            </a:r>
+            <a:r>
+              <a:rPr lang="de-DE" sz="2200" dirty="0" err="1">
+                <a:solidFill>
+                  <a:srgbClr val="0000FF"/>
+                </a:solidFill>
+                <a:latin typeface="Arial" panose="020B0604020202020204" pitchFamily="34" charset="0"/>
+              </a:rPr>
+              <a:t>xsl:copy-of</a:t>
+            </a:r>
+            <a:r>
+              <a:rPr lang="de-DE" sz="2200" dirty="0">
+                <a:solidFill>
+                  <a:srgbClr val="0000FF"/>
+                </a:solidFill>
+                <a:latin typeface="Arial" panose="020B0604020202020204" pitchFamily="34" charset="0"/>
+              </a:rPr>
+              <a:t> </a:t>
+            </a:r>
+            <a:r>
+              <a:rPr lang="de-DE" sz="2200" dirty="0" err="1">
+                <a:solidFill>
+                  <a:srgbClr val="FF7F7F"/>
+                </a:solidFill>
+                <a:latin typeface="Arial" panose="020B0604020202020204" pitchFamily="34" charset="0"/>
+              </a:rPr>
+              <a:t>select</a:t>
+            </a:r>
+            <a:r>
+              <a:rPr lang="de-DE" sz="2200" dirty="0">
+                <a:solidFill>
+                  <a:srgbClr val="FF7F7F"/>
+                </a:solidFill>
+                <a:latin typeface="Arial" panose="020B0604020202020204" pitchFamily="34" charset="0"/>
+              </a:rPr>
+              <a:t>="</a:t>
+            </a:r>
+            <a:r>
+              <a:rPr lang="de-DE" sz="2200" i="1" dirty="0" err="1">
+                <a:solidFill>
+                  <a:srgbClr val="7D0020"/>
+                </a:solidFill>
+                <a:latin typeface="Arial" panose="020B0604020202020204" pitchFamily="34" charset="0"/>
+              </a:rPr>
+              <a:t>xpath</a:t>
+            </a:r>
+            <a:r>
+              <a:rPr lang="de-DE" sz="2200" i="1" dirty="0">
+                <a:solidFill>
+                  <a:srgbClr val="7D0020"/>
+                </a:solidFill>
+                <a:latin typeface="Arial" panose="020B0604020202020204" pitchFamily="34" charset="0"/>
+              </a:rPr>
+              <a:t>-ausdruck</a:t>
+            </a:r>
+            <a:r>
+              <a:rPr lang="de-DE" sz="2200" i="1" dirty="0">
+                <a:solidFill>
+                  <a:srgbClr val="FF7F7F"/>
+                </a:solidFill>
+                <a:latin typeface="Arial" panose="020B0604020202020204" pitchFamily="34" charset="0"/>
+              </a:rPr>
+              <a:t>"</a:t>
+            </a:r>
+            <a:r>
+              <a:rPr lang="de-DE" sz="2200" dirty="0">
+                <a:solidFill>
+                  <a:srgbClr val="0000FF"/>
+                </a:solidFill>
+                <a:latin typeface="Arial" panose="020B0604020202020204" pitchFamily="34" charset="0"/>
+              </a:rPr>
+              <a:t>/&gt;</a:t>
+            </a:r>
+          </a:p>
+          <a:p>
+            <a:r>
+              <a:rPr lang="de-DE" sz="2400" dirty="0">
+                <a:latin typeface="Arial" panose="020B0604020202020204" pitchFamily="34" charset="0"/>
+              </a:rPr>
+              <a:t>Kopiert den ausgewählten Knoten inklusive aller </a:t>
+            </a:r>
+            <a:r>
+              <a:rPr lang="de-DE" sz="2400" dirty="0" err="1">
+                <a:latin typeface="Arial" panose="020B0604020202020204" pitchFamily="34" charset="0"/>
+              </a:rPr>
+              <a:t>Kindknoten</a:t>
+            </a:r>
+            <a:r>
+              <a:rPr lang="de-DE" sz="2400" dirty="0">
+                <a:latin typeface="Arial" panose="020B0604020202020204" pitchFamily="34" charset="0"/>
+              </a:rPr>
+              <a:t> und Attribute</a:t>
+            </a:r>
+          </a:p>
+          <a:p>
+            <a:pPr marL="0" indent="0">
+              <a:buNone/>
+            </a:pPr>
+            <a:endParaRPr lang="de-DE" dirty="0"/>
+          </a:p>
+        </p:txBody>
+      </p:sp>
+    </p:spTree>
+    <p:extLst>
+      <p:ext uri="{BB962C8B-B14F-4D97-AF65-F5344CB8AC3E}">
+        <p14:creationId xmlns:p14="http://schemas.microsoft.com/office/powerpoint/2010/main" val="2513513777"/>
+      </p:ext>
+    </p:extLst>
+  </p:cSld>
+  <p:clrMapOvr>
+    <a:masterClrMapping/>
+  </p:clrMapOvr>
+</p:sld>
+</file>
+
+<file path=ppt/slides/slide27.xml><?xml version="1.0" encoding="utf-8"?>
+<p:sld xmlns:a="http://schemas.openxmlformats.org/drawingml/2006/main" xmlns:r="http://schemas.openxmlformats.org/officeDocument/2006/relationships" xmlns:p="http://schemas.openxmlformats.org/presentationml/2006/main">
+  <p:cSld>
+    <p:spTree>
+      <p:nvGrpSpPr>
+        <p:cNvPr id="1" name=""/>
+        <p:cNvGrpSpPr/>
+        <p:nvPr/>
+      </p:nvGrpSpPr>
+      <p:grpSpPr>
+        <a:xfrm>
+          <a:off x="0" y="0"/>
+          <a:ext cx="0" cy="0"/>
+          <a:chOff x="0" y="0"/>
+          <a:chExt cx="0" cy="0"/>
+        </a:xfrm>
+      </p:grpSpPr>
+      <p:sp>
+        <p:nvSpPr>
+          <p:cNvPr id="2" name="Titel 1">
+            <a:extLst>
+              <a:ext uri="{FF2B5EF4-FFF2-40B4-BE49-F238E27FC236}">
+                <a16:creationId xmlns:a16="http://schemas.microsoft.com/office/drawing/2014/main" id="{221FB2C9-75BD-4EAE-87CA-F08A851147FF}"/>
+              </a:ext>
+            </a:extLst>
+          </p:cNvPr>
+          <p:cNvSpPr>
+            <a:spLocks noGrp="1"/>
+          </p:cNvSpPr>
+          <p:nvPr>
+            <p:ph type="title"/>
+          </p:nvPr>
+        </p:nvSpPr>
+        <p:spPr/>
+        <p:txBody>
+          <a:bodyPr/>
+          <a:lstStyle/>
+          <a:p>
+            <a:r>
+              <a:rPr lang="de-DE" dirty="0"/>
+              <a:t>Variablen / Parameter</a:t>
+            </a:r>
+          </a:p>
+        </p:txBody>
+      </p:sp>
+      <p:sp>
+        <p:nvSpPr>
+          <p:cNvPr id="3" name="Inhaltsplatzhalter 2">
+            <a:extLst>
+              <a:ext uri="{FF2B5EF4-FFF2-40B4-BE49-F238E27FC236}">
+                <a16:creationId xmlns:a16="http://schemas.microsoft.com/office/drawing/2014/main" id="{3F48E1AC-7557-4EE3-BECC-341E978D26E6}"/>
+              </a:ext>
+            </a:extLst>
+          </p:cNvPr>
+          <p:cNvSpPr>
+            <a:spLocks noGrp="1"/>
+          </p:cNvSpPr>
+          <p:nvPr>
+            <p:ph idx="1"/>
+          </p:nvPr>
+        </p:nvSpPr>
+        <p:spPr/>
+        <p:txBody>
+          <a:bodyPr/>
+          <a:lstStyle/>
+          <a:p>
+            <a:pPr marL="0" indent="0">
+              <a:buNone/>
+            </a:pPr>
+            <a:r>
+              <a:rPr lang="de-DE" sz="2200" dirty="0">
+                <a:solidFill>
+                  <a:srgbClr val="0000FF"/>
+                </a:solidFill>
+                <a:latin typeface="Arial" panose="020B0604020202020204" pitchFamily="34" charset="0"/>
+              </a:rPr>
+              <a:t>&lt;xsl:variable </a:t>
+            </a:r>
+            <a:r>
+              <a:rPr lang="de-DE" sz="2200" dirty="0" err="1">
+                <a:solidFill>
+                  <a:srgbClr val="FF7F7F"/>
+                </a:solidFill>
+                <a:latin typeface="Arial" panose="020B0604020202020204" pitchFamily="34" charset="0"/>
+              </a:rPr>
+              <a:t>name</a:t>
+            </a:r>
+            <a:r>
+              <a:rPr lang="de-DE" sz="2200" dirty="0">
+                <a:solidFill>
+                  <a:srgbClr val="FF7F7F"/>
+                </a:solidFill>
+                <a:latin typeface="Arial" panose="020B0604020202020204" pitchFamily="34" charset="0"/>
+              </a:rPr>
+              <a:t>="“ </a:t>
+            </a:r>
+            <a:r>
+              <a:rPr lang="de-DE" sz="2200" dirty="0">
+                <a:solidFill>
+                  <a:srgbClr val="0000FF"/>
+                </a:solidFill>
+                <a:latin typeface="Arial" panose="020B0604020202020204" pitchFamily="34" charset="0"/>
+              </a:rPr>
+              <a:t>/&gt;</a:t>
+            </a:r>
+          </a:p>
+          <a:p>
+            <a:pPr lvl="1"/>
+            <a:r>
+              <a:rPr lang="de-DE" dirty="0">
+                <a:latin typeface="Arial" panose="020B0604020202020204" pitchFamily="34" charset="0"/>
+              </a:rPr>
+              <a:t>wird einmalig festgelegt</a:t>
+            </a:r>
+          </a:p>
+          <a:p>
+            <a:pPr marL="457200" lvl="1" indent="0">
+              <a:buNone/>
+            </a:pPr>
+            <a:endParaRPr lang="de-DE" dirty="0">
+              <a:latin typeface="Arial" panose="020B0604020202020204" pitchFamily="34" charset="0"/>
+            </a:endParaRPr>
+          </a:p>
+          <a:p>
+            <a:pPr marL="0" indent="0">
+              <a:buNone/>
+            </a:pPr>
+            <a:r>
+              <a:rPr lang="de-DE" sz="2200" dirty="0">
+                <a:solidFill>
+                  <a:srgbClr val="0000FF"/>
+                </a:solidFill>
+                <a:latin typeface="Arial" panose="020B0604020202020204" pitchFamily="34" charset="0"/>
+              </a:rPr>
+              <a:t>&lt;</a:t>
+            </a:r>
+            <a:r>
+              <a:rPr lang="de-DE" sz="2200" dirty="0" err="1">
+                <a:solidFill>
+                  <a:srgbClr val="0000FF"/>
+                </a:solidFill>
+                <a:latin typeface="Arial" panose="020B0604020202020204" pitchFamily="34" charset="0"/>
+              </a:rPr>
+              <a:t>xsl:param</a:t>
+            </a:r>
+            <a:r>
+              <a:rPr lang="de-DE" sz="2200" dirty="0">
+                <a:solidFill>
+                  <a:srgbClr val="0000FF"/>
+                </a:solidFill>
+                <a:latin typeface="Arial" panose="020B0604020202020204" pitchFamily="34" charset="0"/>
+              </a:rPr>
+              <a:t> </a:t>
+            </a:r>
+            <a:r>
+              <a:rPr lang="de-DE" sz="2200" dirty="0" err="1">
+                <a:solidFill>
+                  <a:srgbClr val="FF7F7F"/>
+                </a:solidFill>
+                <a:latin typeface="Arial" panose="020B0604020202020204" pitchFamily="34" charset="0"/>
+              </a:rPr>
+              <a:t>name</a:t>
+            </a:r>
+            <a:r>
+              <a:rPr lang="de-DE" sz="2200" dirty="0">
+                <a:solidFill>
+                  <a:srgbClr val="FF7F7F"/>
+                </a:solidFill>
+                <a:latin typeface="Arial" panose="020B0604020202020204" pitchFamily="34" charset="0"/>
+              </a:rPr>
+              <a:t>="</a:t>
+            </a:r>
+            <a:r>
+              <a:rPr lang="de-DE" sz="2200" i="1" dirty="0">
+                <a:solidFill>
+                  <a:srgbClr val="FF7F7F"/>
+                </a:solidFill>
+                <a:latin typeface="Arial" panose="020B0604020202020204" pitchFamily="34" charset="0"/>
+              </a:rPr>
+              <a:t>"</a:t>
+            </a:r>
+            <a:r>
+              <a:rPr lang="de-DE" sz="2200" dirty="0">
+                <a:solidFill>
+                  <a:srgbClr val="0000FF"/>
+                </a:solidFill>
+                <a:latin typeface="Arial" panose="020B0604020202020204" pitchFamily="34" charset="0"/>
+              </a:rPr>
+              <a:t>/&gt;</a:t>
+            </a:r>
+          </a:p>
+          <a:p>
+            <a:pPr lvl="1"/>
+            <a:r>
+              <a:rPr lang="de-DE" dirty="0">
+                <a:latin typeface="Arial" panose="020B0604020202020204" pitchFamily="34" charset="0"/>
+              </a:rPr>
+              <a:t>kann „unterwegs“ verändert werden</a:t>
+            </a:r>
+          </a:p>
+        </p:txBody>
+      </p:sp>
+    </p:spTree>
+    <p:extLst>
+      <p:ext uri="{BB962C8B-B14F-4D97-AF65-F5344CB8AC3E}">
+        <p14:creationId xmlns:p14="http://schemas.microsoft.com/office/powerpoint/2010/main" val="607941435"/>
+      </p:ext>
+    </p:extLst>
+  </p:cSld>
+  <p:clrMapOvr>
+    <a:masterClrMapping/>
+  </p:clrMapOvr>
+</p:sld>
+</file>
+
+<file path=ppt/slides/slide28.xml><?xml version="1.0" encoding="utf-8"?>
+<p:sld xmlns:a="http://schemas.openxmlformats.org/drawingml/2006/main" xmlns:r="http://schemas.openxmlformats.org/officeDocument/2006/relationships" xmlns:p="http://schemas.openxmlformats.org/presentationml/2006/main">
+  <p:cSld>
+    <p:spTree>
+      <p:nvGrpSpPr>
+        <p:cNvPr id="1" name=""/>
+        <p:cNvGrpSpPr/>
+        <p:nvPr/>
+      </p:nvGrpSpPr>
+      <p:grpSpPr>
+        <a:xfrm>
+          <a:off x="0" y="0"/>
+          <a:ext cx="0" cy="0"/>
+          <a:chOff x="0" y="0"/>
+          <a:chExt cx="0" cy="0"/>
+        </a:xfrm>
+      </p:grpSpPr>
+      <p:sp>
+        <p:nvSpPr>
+          <p:cNvPr id="2" name="Titel 1">
+            <a:extLst>
+              <a:ext uri="{FF2B5EF4-FFF2-40B4-BE49-F238E27FC236}">
+                <a16:creationId xmlns:a16="http://schemas.microsoft.com/office/drawing/2014/main" id="{AB32E9E2-7334-4C27-BD64-F81A2CE2E0E3}"/>
+              </a:ext>
+            </a:extLst>
+          </p:cNvPr>
+          <p:cNvSpPr>
+            <a:spLocks noGrp="1"/>
+          </p:cNvSpPr>
+          <p:nvPr>
+            <p:ph type="title"/>
+          </p:nvPr>
+        </p:nvSpPr>
+        <p:spPr/>
+        <p:txBody>
+          <a:bodyPr/>
+          <a:lstStyle/>
+          <a:p>
+            <a:r>
+              <a:rPr lang="de-DE" dirty="0"/>
+              <a:t>Übungen</a:t>
+            </a:r>
+          </a:p>
+        </p:txBody>
+      </p:sp>
+      <p:sp>
+        <p:nvSpPr>
+          <p:cNvPr id="3" name="Inhaltsplatzhalter 2">
+            <a:extLst>
+              <a:ext uri="{FF2B5EF4-FFF2-40B4-BE49-F238E27FC236}">
+                <a16:creationId xmlns:a16="http://schemas.microsoft.com/office/drawing/2014/main" id="{327B4034-100E-4CA2-A1AF-62949DD52A9C}"/>
+              </a:ext>
+            </a:extLst>
+          </p:cNvPr>
+          <p:cNvSpPr>
+            <a:spLocks noGrp="1"/>
+          </p:cNvSpPr>
+          <p:nvPr>
+            <p:ph idx="1"/>
+          </p:nvPr>
+        </p:nvSpPr>
+        <p:spPr>
+          <a:xfrm>
+            <a:off x="838200" y="1825625"/>
+            <a:ext cx="11353800" cy="4351338"/>
+          </a:xfrm>
+        </p:spPr>
+        <p:txBody>
+          <a:bodyPr>
+            <a:normAutofit/>
+          </a:bodyPr>
+          <a:lstStyle/>
+          <a:p>
+            <a:pPr marL="0" indent="0">
+              <a:buNone/>
+            </a:pPr>
+            <a:r>
+              <a:rPr lang="de-DE" sz="2400" dirty="0"/>
+              <a:t>0. Push/Pull: </a:t>
+            </a:r>
+          </a:p>
+          <a:p>
+            <a:pPr marL="0" indent="0">
+              <a:buNone/>
+            </a:pPr>
+            <a:r>
+              <a:rPr lang="de-DE" sz="2400" b="1" dirty="0"/>
+              <a:t>Haiku_tei.xml + haiku-transform_1.xsl</a:t>
+            </a:r>
+            <a:r>
+              <a:rPr lang="de-DE" sz="2400" dirty="0"/>
+              <a:t> -&gt; </a:t>
+            </a:r>
+            <a:r>
+              <a:rPr lang="de-DE" sz="2400" dirty="0" err="1"/>
+              <a:t>haiku</a:t>
+            </a:r>
+            <a:r>
+              <a:rPr lang="de-DE" sz="2400" dirty="0"/>
+              <a:t>_&lt;KÜRZEL&gt;_1.xml</a:t>
+            </a:r>
+          </a:p>
+          <a:p>
+            <a:pPr marL="0" indent="0">
+              <a:buNone/>
+            </a:pPr>
+            <a:endParaRPr lang="de-DE" sz="2400" dirty="0"/>
+          </a:p>
+          <a:p>
+            <a:pPr marL="514350" indent="-514350">
+              <a:buAutoNum type="arabicPeriod"/>
+            </a:pPr>
+            <a:r>
+              <a:rPr lang="de-DE" sz="2400" dirty="0"/>
+              <a:t> </a:t>
+            </a:r>
+            <a:r>
+              <a:rPr lang="de-DE" sz="2400" dirty="0" err="1"/>
+              <a:t>for-each</a:t>
+            </a:r>
+            <a:r>
+              <a:rPr lang="de-DE" sz="2400" dirty="0"/>
+              <a:t>, </a:t>
+            </a:r>
+            <a:r>
+              <a:rPr lang="de-DE" sz="2400" dirty="0" err="1"/>
+              <a:t>sort</a:t>
+            </a:r>
+            <a:r>
+              <a:rPr lang="de-DE" sz="2400" dirty="0"/>
+              <a:t>, </a:t>
+            </a:r>
+            <a:r>
+              <a:rPr lang="de-DE" sz="2400" dirty="0" err="1"/>
+              <a:t>call</a:t>
+            </a:r>
+            <a:r>
+              <a:rPr lang="de-DE" sz="2400" dirty="0"/>
+              <a:t> </a:t>
+            </a:r>
+            <a:r>
+              <a:rPr lang="de-DE" sz="2400" dirty="0" err="1"/>
+              <a:t>template</a:t>
+            </a:r>
+            <a:endParaRPr lang="de-DE" sz="2400" dirty="0"/>
+          </a:p>
+          <a:p>
+            <a:pPr marL="0" indent="0">
+              <a:buNone/>
+            </a:pPr>
+            <a:r>
+              <a:rPr lang="de-DE" sz="2400" b="1" dirty="0"/>
+              <a:t>Haiku_tei.xml + haiku-transform_2.xsl</a:t>
+            </a:r>
+            <a:r>
+              <a:rPr lang="de-DE" sz="2400" dirty="0"/>
+              <a:t> -&gt; </a:t>
+            </a:r>
+            <a:r>
+              <a:rPr lang="de-DE" sz="2400" dirty="0" err="1"/>
+              <a:t>haiku</a:t>
+            </a:r>
+            <a:r>
+              <a:rPr lang="de-DE" sz="2400" dirty="0"/>
+              <a:t>_&lt;KÜRZEL&gt;_2.xml</a:t>
+            </a:r>
+          </a:p>
+          <a:p>
+            <a:pPr marL="0" indent="0">
+              <a:buNone/>
+            </a:pPr>
+            <a:endParaRPr lang="de-DE" sz="2400" dirty="0"/>
+          </a:p>
+          <a:p>
+            <a:pPr marL="0" indent="0">
+              <a:buNone/>
+            </a:pPr>
+            <a:r>
+              <a:rPr lang="de-DE" sz="2400" dirty="0"/>
+              <a:t>2. Identity Transform, </a:t>
+            </a:r>
+            <a:r>
+              <a:rPr lang="de-DE" sz="2400" dirty="0" err="1"/>
+              <a:t>normalize-space</a:t>
+            </a:r>
+            <a:r>
+              <a:rPr lang="de-DE" sz="2400" dirty="0"/>
+              <a:t>(), </a:t>
+            </a:r>
+            <a:r>
+              <a:rPr lang="de-DE" sz="2400" dirty="0" err="1"/>
+              <a:t>value-of</a:t>
+            </a:r>
+            <a:endParaRPr lang="de-DE" sz="2400" dirty="0"/>
+          </a:p>
+          <a:p>
+            <a:pPr marL="0" indent="0">
+              <a:buNone/>
+            </a:pPr>
+            <a:r>
+              <a:rPr lang="de-DE" sz="2400" b="1" dirty="0"/>
+              <a:t>spd-07_1972-11-29-t1510_WN.xml </a:t>
+            </a:r>
+            <a:r>
+              <a:rPr lang="de-DE" sz="2400" dirty="0"/>
+              <a:t>+ </a:t>
+            </a:r>
+            <a:r>
+              <a:rPr lang="de-DE" sz="2400" b="1" dirty="0"/>
+              <a:t>1_tabRemoval.xsl</a:t>
+            </a:r>
+            <a:r>
+              <a:rPr lang="de-DE" sz="2400" dirty="0"/>
+              <a:t> -&gt; </a:t>
+            </a:r>
+            <a:r>
+              <a:rPr lang="de-DE" sz="2400" dirty="0" err="1"/>
+              <a:t>spd</a:t>
+            </a:r>
+            <a:r>
+              <a:rPr lang="de-DE" sz="2400" dirty="0"/>
+              <a:t>_&lt;KÜRZEL&gt;_tabs.xml</a:t>
+            </a:r>
+          </a:p>
+        </p:txBody>
+      </p:sp>
+    </p:spTree>
+    <p:extLst>
+      <p:ext uri="{BB962C8B-B14F-4D97-AF65-F5344CB8AC3E}">
+        <p14:creationId xmlns:p14="http://schemas.microsoft.com/office/powerpoint/2010/main" val="2578746161"/>
+      </p:ext>
+    </p:extLst>
+  </p:cSld>
+  <p:clrMapOvr>
+    <a:masterClrMapping/>
+  </p:clrMapOvr>
+</p:sld>
+</file>
+
+<file path=ppt/slides/slide29.xml><?xml version="1.0" encoding="utf-8"?>
+<p:sld xmlns:a="http://schemas.openxmlformats.org/drawingml/2006/main" xmlns:r="http://schemas.openxmlformats.org/officeDocument/2006/relationships" xmlns:p="http://schemas.openxmlformats.org/presentationml/2006/main">
+  <p:cSld>
+    <p:spTree>
+      <p:nvGrpSpPr>
+        <p:cNvPr id="1" name=""/>
+        <p:cNvGrpSpPr/>
+        <p:nvPr/>
+      </p:nvGrpSpPr>
+      <p:grpSpPr>
+        <a:xfrm>
+          <a:off x="0" y="0"/>
+          <a:ext cx="0" cy="0"/>
+          <a:chOff x="0" y="0"/>
+          <a:chExt cx="0" cy="0"/>
+        </a:xfrm>
+      </p:grpSpPr>
+      <p:sp>
+        <p:nvSpPr>
+          <p:cNvPr id="2" name="Titel 1">
+            <a:extLst>
+              <a:ext uri="{FF2B5EF4-FFF2-40B4-BE49-F238E27FC236}">
+                <a16:creationId xmlns:a16="http://schemas.microsoft.com/office/drawing/2014/main" id="{73B1E76A-9444-4977-ACC5-E8C6F017E364}"/>
+              </a:ext>
+            </a:extLst>
+          </p:cNvPr>
+          <p:cNvSpPr>
+            <a:spLocks noGrp="1"/>
+          </p:cNvSpPr>
+          <p:nvPr>
+            <p:ph type="title"/>
+          </p:nvPr>
+        </p:nvSpPr>
+        <p:spPr/>
+        <p:txBody>
+          <a:bodyPr/>
+          <a:lstStyle/>
+          <a:p>
+            <a:r>
+              <a:rPr lang="de-DE" dirty="0"/>
+              <a:t>Übungen II</a:t>
+            </a:r>
+          </a:p>
+        </p:txBody>
+      </p:sp>
+      <p:sp>
+        <p:nvSpPr>
+          <p:cNvPr id="3" name="Inhaltsplatzhalter 2">
+            <a:extLst>
+              <a:ext uri="{FF2B5EF4-FFF2-40B4-BE49-F238E27FC236}">
+                <a16:creationId xmlns:a16="http://schemas.microsoft.com/office/drawing/2014/main" id="{1340753B-85F2-4049-8C88-7AF5C3DA74B9}"/>
+              </a:ext>
+            </a:extLst>
+          </p:cNvPr>
+          <p:cNvSpPr>
+            <a:spLocks noGrp="1"/>
+          </p:cNvSpPr>
+          <p:nvPr>
+            <p:ph idx="1"/>
+          </p:nvPr>
+        </p:nvSpPr>
+        <p:spPr/>
+        <p:txBody>
+          <a:bodyPr>
+            <a:normAutofit/>
+          </a:bodyPr>
+          <a:lstStyle/>
+          <a:p>
+            <a:pPr marL="0" indent="0">
+              <a:buNone/>
+            </a:pPr>
+            <a:r>
+              <a:rPr lang="de-DE" dirty="0"/>
+              <a:t>3. ##</a:t>
+            </a:r>
+          </a:p>
+          <a:p>
+            <a:pPr marL="0" indent="0">
+              <a:buNone/>
+            </a:pPr>
+            <a:r>
+              <a:rPr lang="de-DE" b="1" dirty="0"/>
+              <a:t>spd_tabs.xml</a:t>
+            </a:r>
+            <a:r>
+              <a:rPr lang="de-DE" dirty="0"/>
+              <a:t> + </a:t>
+            </a:r>
+            <a:r>
+              <a:rPr lang="de-DE" b="1" dirty="0"/>
+              <a:t>2_kapitaelchen.xsl</a:t>
+            </a:r>
+            <a:r>
+              <a:rPr lang="de-DE" dirty="0"/>
+              <a:t> -&gt; </a:t>
+            </a:r>
+            <a:r>
+              <a:rPr lang="de-DE" dirty="0" err="1"/>
+              <a:t>spd</a:t>
+            </a:r>
+            <a:r>
+              <a:rPr lang="de-DE" dirty="0"/>
+              <a:t>_&lt;KÜRZEL&gt;_kapitaelchen.xml</a:t>
+            </a:r>
+          </a:p>
+          <a:p>
+            <a:pPr marL="0" indent="0">
+              <a:buNone/>
+            </a:pPr>
+            <a:r>
+              <a:rPr lang="de-DE" dirty="0"/>
+              <a:t>   -&gt; ggf. mit </a:t>
+            </a:r>
+            <a:r>
+              <a:rPr lang="de-DE" dirty="0" err="1"/>
+              <a:t>XPath</a:t>
+            </a:r>
+            <a:r>
+              <a:rPr lang="de-DE" dirty="0"/>
+              <a:t> </a:t>
+            </a:r>
+            <a:r>
+              <a:rPr lang="de-DE" dirty="0" err="1"/>
+              <a:t>Builder</a:t>
+            </a:r>
+            <a:r>
+              <a:rPr lang="de-DE" dirty="0"/>
+              <a:t> überprüfen, ob alle raus sind</a:t>
+            </a:r>
+          </a:p>
+          <a:p>
+            <a:pPr marL="0" indent="0">
+              <a:buNone/>
+            </a:pPr>
+            <a:endParaRPr lang="de-DE" dirty="0"/>
+          </a:p>
+          <a:p>
+            <a:pPr marL="0" indent="0">
+              <a:buNone/>
+            </a:pPr>
+            <a:r>
+              <a:rPr lang="de-DE" dirty="0"/>
+              <a:t>4.  generate-</a:t>
+            </a:r>
+            <a:r>
+              <a:rPr lang="de-DE" dirty="0" err="1"/>
+              <a:t>id</a:t>
+            </a:r>
+            <a:r>
+              <a:rPr lang="de-DE" dirty="0"/>
+              <a:t>(), </a:t>
+            </a:r>
+            <a:r>
+              <a:rPr lang="de-DE" dirty="0" err="1"/>
+              <a:t>apply</a:t>
+            </a:r>
+            <a:r>
+              <a:rPr lang="de-DE" dirty="0"/>
+              <a:t>-templates </a:t>
+            </a:r>
+          </a:p>
+          <a:p>
+            <a:pPr marL="0" indent="0">
+              <a:buNone/>
+            </a:pPr>
+            <a:r>
+              <a:rPr lang="de-DE" b="1" dirty="0"/>
+              <a:t>spd_kapitaelchen.xml</a:t>
+            </a:r>
+            <a:r>
+              <a:rPr lang="de-DE" dirty="0"/>
+              <a:t> + 3_insertIds.xsl -&gt; </a:t>
+            </a:r>
+            <a:r>
+              <a:rPr lang="de-DE" dirty="0" err="1"/>
+              <a:t>spd</a:t>
+            </a:r>
+            <a:r>
+              <a:rPr lang="de-DE" dirty="0"/>
+              <a:t>_&lt;KÜRZEL&gt;_ids.xml</a:t>
+            </a:r>
+          </a:p>
+          <a:p>
+            <a:pPr marL="0" indent="0">
+              <a:buNone/>
+            </a:pPr>
+            <a:r>
+              <a:rPr lang="de-DE" dirty="0"/>
+              <a:t>   -&gt; Vergleich </a:t>
+            </a:r>
+            <a:r>
+              <a:rPr lang="de-DE" dirty="0" err="1"/>
+              <a:t>value-of</a:t>
+            </a:r>
+            <a:endParaRPr lang="de-DE" dirty="0"/>
+          </a:p>
+          <a:p>
+            <a:pPr marL="0" indent="0">
+              <a:buNone/>
+            </a:pPr>
+            <a:r>
+              <a:rPr lang="de-DE" dirty="0"/>
+              <a:t>   -&gt; Namensraum für Zieldokument</a:t>
+            </a:r>
+          </a:p>
+        </p:txBody>
+      </p:sp>
+    </p:spTree>
+    <p:extLst>
+      <p:ext uri="{BB962C8B-B14F-4D97-AF65-F5344CB8AC3E}">
+        <p14:creationId xmlns:p14="http://schemas.microsoft.com/office/powerpoint/2010/main" val="3614438694"/>
       </p:ext>
     </p:extLst>
   </p:cSld>
@@ -3814,7 +11427,7 @@
           <p:cNvPr id="2" name="Titel 1">
             <a:extLst>
               <a:ext uri="{FF2B5EF4-FFF2-40B4-BE49-F238E27FC236}">
-                <a16:creationId xmlns:a16="http://schemas.microsoft.com/office/drawing/2014/main" id="{58F1B0DC-2704-48CE-ACDF-C81B74F08606}"/>
+                <a16:creationId xmlns:a16="http://schemas.microsoft.com/office/drawing/2014/main" id="{AFDF6281-5F96-4DB5-917E-8009F1C23ADD}"/>
               </a:ext>
             </a:extLst>
           </p:cNvPr>
@@ -3832,7 +11445,7 @@
           <a:p>
             <a:r>
               <a:rPr lang="de-DE" dirty="0"/>
-              <a:t>Brauch ich das oder kann das weg?</a:t>
+              <a:t>XML: Vor- und Nachteile</a:t>
             </a:r>
           </a:p>
         </p:txBody>
@@ -3842,7 +11455,7 @@
           <p:cNvPr id="3" name="Inhaltsplatzhalter 2">
             <a:extLst>
               <a:ext uri="{FF2B5EF4-FFF2-40B4-BE49-F238E27FC236}">
-                <a16:creationId xmlns:a16="http://schemas.microsoft.com/office/drawing/2014/main" id="{4B1E9BB3-F48F-4536-AA89-E0EE171F9F13}"/>
+                <a16:creationId xmlns:a16="http://schemas.microsoft.com/office/drawing/2014/main" id="{C22EAE10-2239-46C8-A3B2-B1CEAD30A366}"/>
               </a:ext>
             </a:extLst>
           </p:cNvPr>
@@ -3855,24 +11468,49 @@
         </p:nvSpPr>
         <p:spPr/>
         <p:txBody>
-          <a:bodyPr/>
+          <a:bodyPr>
+            <a:normAutofit/>
+          </a:bodyPr>
           <a:lstStyle/>
           <a:p>
             <a:r>
               <a:rPr lang="de-DE" dirty="0"/>
-              <a:t>Was ist XSLT</a:t>
-            </a:r>
-          </a:p>
-          <a:p>
-            <a:r>
-              <a:rPr lang="de-DE" dirty="0"/>
-              <a:t>Warum brauche ich XSLT/Was kann ich damit machen/Welche Fragen kann ich damit beantworten</a:t>
-            </a:r>
-          </a:p>
-          <a:p>
-            <a:r>
-              <a:rPr lang="de-DE" dirty="0"/>
-              <a:t>  - weiterführende Info</a:t>
+              <a:t>Vorteil: Die Trennung von Struktur, Inhalt und Aussehen.</a:t>
+            </a:r>
+          </a:p>
+          <a:p>
+            <a:r>
+              <a:rPr lang="de-DE" dirty="0"/>
+              <a:t>Nachteil: Die Trennung von Struktur, Inhalt und Aussehen.</a:t>
+            </a:r>
+          </a:p>
+          <a:p>
+            <a:endParaRPr lang="de-DE" dirty="0"/>
+          </a:p>
+          <a:p>
+            <a:r>
+              <a:rPr lang="de-DE" dirty="0"/>
+              <a:t>Problem: Wenn ein Ergebnis ausgegeben werden soll, muss man die Zielsprache auch kennen!</a:t>
+            </a:r>
+          </a:p>
+          <a:p>
+            <a:pPr lvl="1"/>
+            <a:r>
+              <a:rPr lang="de-DE" dirty="0"/>
+              <a:t>HTML, CSS, (JavaScript)</a:t>
+            </a:r>
+          </a:p>
+          <a:p>
+            <a:r>
+              <a:rPr lang="de-DE" dirty="0"/>
+              <a:t>Problem: Alles, was ein Ausgabedokument „leisten“ soll, muss in der Kodierung vorhanden sein.</a:t>
+            </a:r>
+          </a:p>
+          <a:p>
+            <a:pPr lvl="1"/>
+            <a:r>
+              <a:rPr lang="de-DE" dirty="0"/>
+              <a:t>z.B. Register, Verknüpfungen, Formatierungen</a:t>
             </a:r>
           </a:p>
         </p:txBody>
@@ -3880,7 +11518,672 @@
     </p:spTree>
     <p:extLst>
       <p:ext uri="{BB962C8B-B14F-4D97-AF65-F5344CB8AC3E}">
-        <p14:creationId xmlns:p14="http://schemas.microsoft.com/office/powerpoint/2010/main" val="3056719934"/>
+        <p14:creationId xmlns:p14="http://schemas.microsoft.com/office/powerpoint/2010/main" val="1577388851"/>
+      </p:ext>
+    </p:extLst>
+  </p:cSld>
+  <p:clrMapOvr>
+    <a:masterClrMapping/>
+  </p:clrMapOvr>
+</p:sld>
+</file>
+
+<file path=ppt/slides/slide30.xml><?xml version="1.0" encoding="utf-8"?>
+<p:sld xmlns:a="http://schemas.openxmlformats.org/drawingml/2006/main" xmlns:r="http://schemas.openxmlformats.org/officeDocument/2006/relationships" xmlns:p="http://schemas.openxmlformats.org/presentationml/2006/main">
+  <p:cSld>
+    <p:spTree>
+      <p:nvGrpSpPr>
+        <p:cNvPr id="1" name=""/>
+        <p:cNvGrpSpPr/>
+        <p:nvPr/>
+      </p:nvGrpSpPr>
+      <p:grpSpPr>
+        <a:xfrm>
+          <a:off x="0" y="0"/>
+          <a:ext cx="0" cy="0"/>
+          <a:chOff x="0" y="0"/>
+          <a:chExt cx="0" cy="0"/>
+        </a:xfrm>
+      </p:grpSpPr>
+      <p:sp>
+        <p:nvSpPr>
+          <p:cNvPr id="2" name="Titel 1">
+            <a:extLst>
+              <a:ext uri="{FF2B5EF4-FFF2-40B4-BE49-F238E27FC236}">
+                <a16:creationId xmlns:a16="http://schemas.microsoft.com/office/drawing/2014/main" id="{AE71EC52-B7FE-4602-9664-F41ECD46AE42}"/>
+              </a:ext>
+            </a:extLst>
+          </p:cNvPr>
+          <p:cNvSpPr>
+            <a:spLocks noGrp="1"/>
+          </p:cNvSpPr>
+          <p:nvPr>
+            <p:ph type="title"/>
+          </p:nvPr>
+        </p:nvSpPr>
+        <p:spPr/>
+        <p:txBody>
+          <a:bodyPr/>
+          <a:lstStyle/>
+          <a:p>
+            <a:r>
+              <a:rPr lang="de-DE" dirty="0"/>
+              <a:t>Übungen III</a:t>
+            </a:r>
+          </a:p>
+        </p:txBody>
+      </p:sp>
+      <p:sp>
+        <p:nvSpPr>
+          <p:cNvPr id="3" name="Inhaltsplatzhalter 2">
+            <a:extLst>
+              <a:ext uri="{FF2B5EF4-FFF2-40B4-BE49-F238E27FC236}">
+                <a16:creationId xmlns:a16="http://schemas.microsoft.com/office/drawing/2014/main" id="{8113E8A1-6193-4532-84F9-28011A45AF8F}"/>
+              </a:ext>
+            </a:extLst>
+          </p:cNvPr>
+          <p:cNvSpPr>
+            <a:spLocks noGrp="1"/>
+          </p:cNvSpPr>
+          <p:nvPr>
+            <p:ph idx="1"/>
+          </p:nvPr>
+        </p:nvSpPr>
+        <p:spPr/>
+        <p:txBody>
+          <a:bodyPr>
+            <a:normAutofit fontScale="85000" lnSpcReduction="20000"/>
+          </a:bodyPr>
+          <a:lstStyle/>
+          <a:p>
+            <a:pPr marL="0" indent="0">
+              <a:buNone/>
+            </a:pPr>
+            <a:r>
+              <a:rPr lang="de-DE" dirty="0"/>
+              <a:t>5.   </a:t>
+            </a:r>
+            <a:r>
+              <a:rPr lang="de-DE" dirty="0" err="1"/>
+              <a:t>xsl:element</a:t>
+            </a:r>
+            <a:r>
+              <a:rPr lang="de-DE" dirty="0"/>
+              <a:t>, </a:t>
+            </a:r>
+            <a:r>
+              <a:rPr lang="de-DE" dirty="0" err="1"/>
+              <a:t>apply</a:t>
+            </a:r>
+            <a:r>
+              <a:rPr lang="de-DE" dirty="0"/>
+              <a:t>-templates, </a:t>
+            </a:r>
+            <a:r>
+              <a:rPr lang="de-DE" dirty="0" err="1"/>
+              <a:t>import</a:t>
+            </a:r>
+            <a:endParaRPr lang="de-DE" dirty="0"/>
+          </a:p>
+          <a:p>
+            <a:pPr marL="0" indent="0">
+              <a:buNone/>
+            </a:pPr>
+            <a:r>
+              <a:rPr lang="de-DE" b="1" dirty="0"/>
+              <a:t>spd_ids.xml </a:t>
+            </a:r>
+            <a:r>
+              <a:rPr lang="de-DE" dirty="0"/>
+              <a:t>+ </a:t>
+            </a:r>
+            <a:r>
+              <a:rPr lang="de-DE" b="1" dirty="0"/>
+              <a:t>4_deleteIds.xsl</a:t>
+            </a:r>
+            <a:r>
+              <a:rPr lang="de-DE" dirty="0"/>
+              <a:t> -&gt; </a:t>
+            </a:r>
+            <a:r>
+              <a:rPr lang="de-DE" dirty="0" err="1"/>
+              <a:t>spd</a:t>
+            </a:r>
+            <a:r>
+              <a:rPr lang="de-DE" dirty="0"/>
+              <a:t>_&lt;KÜRZEL&gt;_deleteIds.xml</a:t>
+            </a:r>
+          </a:p>
+          <a:p>
+            <a:pPr marL="0" indent="0">
+              <a:buNone/>
+            </a:pPr>
+            <a:r>
+              <a:rPr lang="de-DE" dirty="0"/>
+              <a:t>    -&gt; vgl. ohne </a:t>
+            </a:r>
+            <a:r>
+              <a:rPr lang="de-DE" dirty="0" err="1"/>
+              <a:t>select</a:t>
+            </a:r>
+            <a:r>
+              <a:rPr lang="de-DE" dirty="0"/>
+              <a:t> und mit </a:t>
+            </a:r>
+            <a:r>
+              <a:rPr lang="de-DE" dirty="0" err="1"/>
+              <a:t>select</a:t>
+            </a:r>
+            <a:r>
+              <a:rPr lang="de-DE" dirty="0"/>
+              <a:t>="@\* | </a:t>
+            </a:r>
+            <a:r>
+              <a:rPr lang="de-DE" dirty="0" err="1"/>
+              <a:t>node</a:t>
+            </a:r>
+            <a:r>
+              <a:rPr lang="de-DE" dirty="0"/>
+              <a:t>()"</a:t>
+            </a:r>
+          </a:p>
+          <a:p>
+            <a:pPr marL="0" indent="0">
+              <a:buNone/>
+            </a:pPr>
+            <a:br>
+              <a:rPr lang="de-DE" dirty="0"/>
+            </a:br>
+            <a:r>
+              <a:rPr lang="de-DE" dirty="0"/>
+              <a:t>6. </a:t>
+            </a:r>
+            <a:r>
+              <a:rPr lang="de-DE" dirty="0" err="1"/>
+              <a:t>apply</a:t>
+            </a:r>
+            <a:r>
+              <a:rPr lang="de-DE" dirty="0"/>
+              <a:t>-templates, </a:t>
+            </a:r>
+            <a:r>
+              <a:rPr lang="de-DE" dirty="0" err="1"/>
+              <a:t>value-of</a:t>
+            </a:r>
+            <a:r>
+              <a:rPr lang="de-DE" dirty="0"/>
+              <a:t> (PUSH vs. PULL) [/, front/div[@type="SVP"], </a:t>
+            </a:r>
+            <a:r>
+              <a:rPr lang="de-DE" dirty="0" err="1"/>
+              <a:t>body</a:t>
+            </a:r>
+            <a:r>
+              <a:rPr lang="de-DE" dirty="0"/>
+              <a:t>/p]</a:t>
+            </a:r>
+          </a:p>
+          <a:p>
+            <a:pPr marL="0" indent="0">
+              <a:buNone/>
+            </a:pPr>
+            <a:r>
+              <a:rPr lang="de-DE" b="1" dirty="0"/>
+              <a:t>spd_deleteIds.xml</a:t>
+            </a:r>
+            <a:r>
+              <a:rPr lang="de-DE" dirty="0"/>
+              <a:t> + </a:t>
+            </a:r>
+            <a:r>
+              <a:rPr lang="de-DE" b="1" dirty="0"/>
+              <a:t>5_html.xsl</a:t>
+            </a:r>
+            <a:r>
+              <a:rPr lang="de-DE" dirty="0"/>
+              <a:t> -&gt; </a:t>
+            </a:r>
+            <a:r>
+              <a:rPr lang="de-DE" dirty="0" err="1"/>
+              <a:t>spd</a:t>
+            </a:r>
+            <a:r>
+              <a:rPr lang="de-DE" dirty="0"/>
+              <a:t>_&lt;KÜRZEL&gt;_html.html</a:t>
+            </a:r>
+          </a:p>
+          <a:p>
+            <a:pPr marL="0" indent="0">
+              <a:buNone/>
+            </a:pPr>
+            <a:r>
+              <a:rPr lang="de-DE" dirty="0"/>
+              <a:t>   -&gt; ACHTUNG DATEIENDUNG</a:t>
+            </a:r>
+            <a:br>
+              <a:rPr lang="de-DE" dirty="0"/>
+            </a:br>
+            <a:r>
+              <a:rPr lang="de-DE" dirty="0"/>
+              <a:t>   -&gt; </a:t>
+            </a:r>
+            <a:r>
+              <a:rPr lang="de-DE" dirty="0" err="1"/>
+              <a:t>Namespaces</a:t>
+            </a:r>
+            <a:endParaRPr lang="de-DE" dirty="0"/>
+          </a:p>
+          <a:p>
+            <a:pPr marL="0" indent="0">
+              <a:buNone/>
+            </a:pPr>
+            <a:endParaRPr lang="de-DE" dirty="0"/>
+          </a:p>
+          <a:p>
+            <a:pPr marL="0" indent="0">
+              <a:buNone/>
+            </a:pPr>
+            <a:r>
+              <a:rPr lang="de-DE" dirty="0"/>
+              <a:t>Weitere:</a:t>
+            </a:r>
+          </a:p>
+          <a:p>
+            <a:pPr marL="0" indent="0">
+              <a:buNone/>
+            </a:pPr>
+            <a:r>
+              <a:rPr lang="de-DE" dirty="0"/>
+              <a:t>Orientieren Sie sich an </a:t>
+            </a:r>
+            <a:r>
+              <a:rPr lang="de-DE" dirty="0">
+                <a:hlinkClick r:id="rId2"/>
+              </a:rPr>
+              <a:t>https://fraktionsprotokolle.de/handle/5184</a:t>
+            </a:r>
+            <a:endParaRPr lang="de-DE" dirty="0"/>
+          </a:p>
+          <a:p>
+            <a:pPr marL="0" indent="0">
+              <a:buNone/>
+            </a:pPr>
+            <a:r>
+              <a:rPr lang="de-DE" dirty="0" err="1"/>
+              <a:t>zB</a:t>
+            </a:r>
+            <a:r>
+              <a:rPr lang="de-DE" dirty="0"/>
+              <a:t> Personen unterschiedlich gestalten abhängig von Rolle (&lt;b&gt;, &lt;i&gt;, ...)</a:t>
+            </a:r>
+          </a:p>
+          <a:p>
+            <a:pPr marL="0" indent="0">
+              <a:buNone/>
+            </a:pPr>
+            <a:endParaRPr lang="de-DE" dirty="0"/>
+          </a:p>
+          <a:p>
+            <a:pPr marL="0" indent="0">
+              <a:buNone/>
+            </a:pPr>
+            <a:endParaRPr lang="de-DE" dirty="0"/>
+          </a:p>
+        </p:txBody>
+      </p:sp>
+    </p:spTree>
+    <p:extLst>
+      <p:ext uri="{BB962C8B-B14F-4D97-AF65-F5344CB8AC3E}">
+        <p14:creationId xmlns:p14="http://schemas.microsoft.com/office/powerpoint/2010/main" val="2248995646"/>
+      </p:ext>
+    </p:extLst>
+  </p:cSld>
+  <p:clrMapOvr>
+    <a:masterClrMapping/>
+  </p:clrMapOvr>
+</p:sld>
+</file>
+
+<file path=ppt/slides/slide31.xml><?xml version="1.0" encoding="utf-8"?>
+<p:sld xmlns:a="http://schemas.openxmlformats.org/drawingml/2006/main" xmlns:r="http://schemas.openxmlformats.org/officeDocument/2006/relationships" xmlns:p="http://schemas.openxmlformats.org/presentationml/2006/main">
+  <p:cSld>
+    <p:spTree>
+      <p:nvGrpSpPr>
+        <p:cNvPr id="1" name=""/>
+        <p:cNvGrpSpPr/>
+        <p:nvPr/>
+      </p:nvGrpSpPr>
+      <p:grpSpPr>
+        <a:xfrm>
+          <a:off x="0" y="0"/>
+          <a:ext cx="0" cy="0"/>
+          <a:chOff x="0" y="0"/>
+          <a:chExt cx="0" cy="0"/>
+        </a:xfrm>
+      </p:grpSpPr>
+      <p:sp>
+        <p:nvSpPr>
+          <p:cNvPr id="2" name="Titel 1">
+            <a:extLst>
+              <a:ext uri="{FF2B5EF4-FFF2-40B4-BE49-F238E27FC236}">
+                <a16:creationId xmlns:a16="http://schemas.microsoft.com/office/drawing/2014/main" id="{0A31387C-5FCC-4A83-9388-4DF56BD6E7A3}"/>
+              </a:ext>
+            </a:extLst>
+          </p:cNvPr>
+          <p:cNvSpPr>
+            <a:spLocks noGrp="1"/>
+          </p:cNvSpPr>
+          <p:nvPr>
+            <p:ph type="title"/>
+          </p:nvPr>
+        </p:nvSpPr>
+        <p:spPr/>
+        <p:txBody>
+          <a:bodyPr/>
+          <a:lstStyle/>
+          <a:p>
+            <a:r>
+              <a:rPr lang="de-DE" dirty="0"/>
+              <a:t>Übungen IV</a:t>
+            </a:r>
+          </a:p>
+        </p:txBody>
+      </p:sp>
+      <p:sp>
+        <p:nvSpPr>
+          <p:cNvPr id="3" name="Inhaltsplatzhalter 2">
+            <a:extLst>
+              <a:ext uri="{FF2B5EF4-FFF2-40B4-BE49-F238E27FC236}">
+                <a16:creationId xmlns:a16="http://schemas.microsoft.com/office/drawing/2014/main" id="{96D27370-B190-4571-AC9B-87534749C5FF}"/>
+              </a:ext>
+            </a:extLst>
+          </p:cNvPr>
+          <p:cNvSpPr>
+            <a:spLocks noGrp="1"/>
+          </p:cNvSpPr>
+          <p:nvPr>
+            <p:ph idx="1"/>
+          </p:nvPr>
+        </p:nvSpPr>
+        <p:spPr/>
+        <p:txBody>
+          <a:bodyPr>
+            <a:normAutofit/>
+          </a:bodyPr>
+          <a:lstStyle/>
+          <a:p>
+            <a:pPr marL="0" indent="0">
+              <a:buNone/>
+            </a:pPr>
+            <a:r>
+              <a:rPr lang="de-DE" sz="2200" dirty="0"/>
+              <a:t>7. Teile der Datei extrahieren und in neue Datei schreiben</a:t>
+            </a:r>
+          </a:p>
+          <a:p>
+            <a:pPr marL="0" indent="0">
+              <a:buNone/>
+            </a:pPr>
+            <a:r>
+              <a:rPr lang="de-DE" sz="2200" b="1" dirty="0"/>
+              <a:t>/Protokolle/Fraktionen/</a:t>
+            </a:r>
+            <a:r>
+              <a:rPr lang="de-DE" sz="2200" b="1" dirty="0" err="1"/>
+              <a:t>spd</a:t>
+            </a:r>
+            <a:r>
+              <a:rPr lang="de-DE" sz="2200" b="1" dirty="0"/>
+              <a:t>/07/</a:t>
+            </a:r>
+            <a:r>
+              <a:rPr lang="de-DE" sz="2200" dirty="0"/>
+              <a:t> + </a:t>
+            </a:r>
+            <a:r>
+              <a:rPr lang="de-DE" sz="2200" b="1" dirty="0"/>
+              <a:t>extractPersons.xsl </a:t>
+            </a:r>
+            <a:r>
+              <a:rPr lang="de-DE" sz="2200" dirty="0"/>
+              <a:t>-&gt; </a:t>
+            </a:r>
+            <a:r>
+              <a:rPr lang="de-DE" sz="2200" dirty="0" err="1"/>
+              <a:t>persons</a:t>
+            </a:r>
+            <a:r>
+              <a:rPr lang="de-DE" sz="2200" dirty="0"/>
+              <a:t>_&lt;KÜRZEL&gt;.</a:t>
+            </a:r>
+            <a:r>
+              <a:rPr lang="de-DE" sz="2200" dirty="0" err="1"/>
+              <a:t>xml</a:t>
+            </a:r>
+            <a:endParaRPr lang="de-DE" sz="2200" dirty="0"/>
+          </a:p>
+          <a:p>
+            <a:r>
+              <a:rPr lang="de-DE" sz="2200" b="1" dirty="0"/>
+              <a:t>Version 1</a:t>
+            </a:r>
+            <a:r>
+              <a:rPr lang="de-DE" sz="2200" dirty="0"/>
+              <a:t>: </a:t>
+            </a:r>
+            <a:r>
+              <a:rPr lang="de-DE" sz="2200" dirty="0" err="1"/>
+              <a:t>result-document</a:t>
+            </a:r>
+            <a:r>
+              <a:rPr lang="de-DE" sz="2200" dirty="0"/>
+              <a:t>, </a:t>
+            </a:r>
+            <a:r>
+              <a:rPr lang="de-DE" sz="2200" dirty="0" err="1"/>
+              <a:t>for</a:t>
+            </a:r>
+            <a:r>
+              <a:rPr lang="de-DE" sz="2200" dirty="0"/>
+              <a:t> </a:t>
+            </a:r>
+            <a:r>
+              <a:rPr lang="de-DE" sz="2200" dirty="0" err="1"/>
+              <a:t>each</a:t>
+            </a:r>
+            <a:r>
+              <a:rPr lang="de-DE" sz="2200" dirty="0"/>
+              <a:t>, </a:t>
+            </a:r>
+            <a:r>
+              <a:rPr lang="de-DE" sz="2200" dirty="0" err="1"/>
+              <a:t>collection</a:t>
+            </a:r>
+            <a:r>
+              <a:rPr lang="de-DE" sz="2200" dirty="0"/>
+              <a:t>,</a:t>
+            </a:r>
+          </a:p>
+          <a:p>
+            <a:r>
+              <a:rPr lang="de-DE" sz="2200" b="1" dirty="0"/>
+              <a:t>Version 2</a:t>
+            </a:r>
+            <a:r>
+              <a:rPr lang="de-DE" sz="2200" dirty="0"/>
+              <a:t>: </a:t>
+            </a:r>
+            <a:r>
+              <a:rPr lang="de-DE" sz="2200" dirty="0" err="1"/>
+              <a:t>if</a:t>
+            </a:r>
+            <a:r>
+              <a:rPr lang="de-DE" sz="2200" dirty="0"/>
+              <a:t> + </a:t>
+            </a:r>
+            <a:r>
+              <a:rPr lang="de-DE" sz="2200" dirty="0" err="1"/>
+              <a:t>message</a:t>
+            </a:r>
+            <a:endParaRPr lang="de-DE" sz="2200" dirty="0"/>
+          </a:p>
+          <a:p>
+            <a:pPr marL="0" indent="0">
+              <a:buNone/>
+            </a:pPr>
+            <a:endParaRPr lang="de-DE" sz="2200" dirty="0"/>
+          </a:p>
+          <a:p>
+            <a:pPr marL="0" indent="0">
+              <a:buNone/>
+            </a:pPr>
+            <a:endParaRPr lang="de-DE" sz="2200" dirty="0"/>
+          </a:p>
+          <a:p>
+            <a:pPr marL="0" indent="0">
+              <a:buNone/>
+            </a:pPr>
+            <a:endParaRPr lang="de-DE" sz="2200" dirty="0"/>
+          </a:p>
+        </p:txBody>
+      </p:sp>
+    </p:spTree>
+    <p:extLst>
+      <p:ext uri="{BB962C8B-B14F-4D97-AF65-F5344CB8AC3E}">
+        <p14:creationId xmlns:p14="http://schemas.microsoft.com/office/powerpoint/2010/main" val="2938335710"/>
+      </p:ext>
+    </p:extLst>
+  </p:cSld>
+  <p:clrMapOvr>
+    <a:masterClrMapping/>
+  </p:clrMapOvr>
+</p:sld>
+</file>
+
+<file path=ppt/slides/slide32.xml><?xml version="1.0" encoding="utf-8"?>
+<p:sld xmlns:a="http://schemas.openxmlformats.org/drawingml/2006/main" xmlns:r="http://schemas.openxmlformats.org/officeDocument/2006/relationships" xmlns:p="http://schemas.openxmlformats.org/presentationml/2006/main">
+  <p:cSld>
+    <p:spTree>
+      <p:nvGrpSpPr>
+        <p:cNvPr id="1" name=""/>
+        <p:cNvGrpSpPr/>
+        <p:nvPr/>
+      </p:nvGrpSpPr>
+      <p:grpSpPr>
+        <a:xfrm>
+          <a:off x="0" y="0"/>
+          <a:ext cx="0" cy="0"/>
+          <a:chOff x="0" y="0"/>
+          <a:chExt cx="0" cy="0"/>
+        </a:xfrm>
+      </p:grpSpPr>
+      <p:sp>
+        <p:nvSpPr>
+          <p:cNvPr id="2" name="Titel 1">
+            <a:extLst>
+              <a:ext uri="{FF2B5EF4-FFF2-40B4-BE49-F238E27FC236}">
+                <a16:creationId xmlns:a16="http://schemas.microsoft.com/office/drawing/2014/main" id="{0BA5D6FE-58D1-4E64-BD1F-08392D5C4BB5}"/>
+              </a:ext>
+            </a:extLst>
+          </p:cNvPr>
+          <p:cNvSpPr>
+            <a:spLocks noGrp="1"/>
+          </p:cNvSpPr>
+          <p:nvPr>
+            <p:ph type="title"/>
+          </p:nvPr>
+        </p:nvSpPr>
+        <p:spPr/>
+        <p:txBody>
+          <a:bodyPr/>
+          <a:lstStyle/>
+          <a:p>
+            <a:r>
+              <a:rPr lang="de-DE" dirty="0"/>
+              <a:t>Quellen</a:t>
+            </a:r>
+          </a:p>
+        </p:txBody>
+      </p:sp>
+      <p:sp>
+        <p:nvSpPr>
+          <p:cNvPr id="3" name="Inhaltsplatzhalter 2">
+            <a:extLst>
+              <a:ext uri="{FF2B5EF4-FFF2-40B4-BE49-F238E27FC236}">
+                <a16:creationId xmlns:a16="http://schemas.microsoft.com/office/drawing/2014/main" id="{AAA09693-A4EF-428F-83A9-8D7383AC61F2}"/>
+              </a:ext>
+            </a:extLst>
+          </p:cNvPr>
+          <p:cNvSpPr>
+            <a:spLocks noGrp="1"/>
+          </p:cNvSpPr>
+          <p:nvPr>
+            <p:ph idx="1"/>
+          </p:nvPr>
+        </p:nvSpPr>
+        <p:spPr/>
+        <p:txBody>
+          <a:bodyPr>
+            <a:normAutofit/>
+          </a:bodyPr>
+          <a:lstStyle/>
+          <a:p>
+            <a:r>
+              <a:rPr lang="de-DE" sz="2000" dirty="0"/>
+              <a:t>P. Sahle, „Verarbeitung von XML mit XSLT: Einführung“, IDE Winter School 2020, Wuppertal, </a:t>
+            </a:r>
+            <a:r>
+              <a:rPr lang="de-DE" sz="2000" dirty="0">
+                <a:hlinkClick r:id="rId2"/>
+              </a:rPr>
+              <a:t>https://www.i-d-e.de/wp-content/uploads/2020/02/02_XML-Einf%C3%BChrung.pdf</a:t>
+            </a:r>
+            <a:r>
+              <a:rPr lang="de-DE" sz="2000" dirty="0"/>
+              <a:t> (abgerufen am 02.10.21)</a:t>
+            </a:r>
+          </a:p>
+          <a:p>
+            <a:r>
+              <a:rPr lang="de-DE" sz="2000" dirty="0"/>
+              <a:t>T. </a:t>
+            </a:r>
+            <a:r>
+              <a:rPr lang="de-DE" sz="2000" dirty="0" err="1"/>
+              <a:t>Schaßan</a:t>
+            </a:r>
+            <a:r>
+              <a:rPr lang="de-DE" sz="2000" dirty="0"/>
+              <a:t>, „</a:t>
+            </a:r>
+            <a:r>
+              <a:rPr lang="de-DE" sz="2000" dirty="0" err="1"/>
+              <a:t>Transformationvon</a:t>
+            </a:r>
+            <a:r>
+              <a:rPr lang="de-DE" sz="2000" dirty="0"/>
+              <a:t> XML-Dokumenten“, IDE Summer School 2013, Chemnitz, </a:t>
+            </a:r>
+            <a:r>
+              <a:rPr lang="de-DE" sz="2000" dirty="0">
+                <a:hlinkClick r:id="rId3"/>
+              </a:rPr>
+              <a:t>https://docplayer.org/8546485-Transformation-von-xml-dokumenten-ide-summerschool-2013-chemnitz.html</a:t>
+            </a:r>
+            <a:r>
+              <a:rPr lang="de-DE" sz="2000" dirty="0"/>
+              <a:t> (abgerufen am 02.10.21)</a:t>
+            </a:r>
+          </a:p>
+          <a:p>
+            <a:endParaRPr lang="de-DE" sz="2000" dirty="0"/>
+          </a:p>
+        </p:txBody>
+      </p:sp>
+    </p:spTree>
+    <p:extLst>
+      <p:ext uri="{BB962C8B-B14F-4D97-AF65-F5344CB8AC3E}">
+        <p14:creationId xmlns:p14="http://schemas.microsoft.com/office/powerpoint/2010/main" val="359499801"/>
       </p:ext>
     </p:extLst>
   </p:cSld>
@@ -3930,7 +12233,7 @@
           <a:p>
             <a:r>
               <a:rPr lang="de-DE" dirty="0"/>
-              <a:t>Syntax/Spezifikation</a:t>
+              <a:t>Was ist XSLT?</a:t>
             </a:r>
           </a:p>
         </p:txBody>
@@ -3953,17 +12256,71 @@
         </p:nvSpPr>
         <p:spPr/>
         <p:txBody>
-          <a:bodyPr/>
+          <a:bodyPr>
+            <a:normAutofit/>
+          </a:bodyPr>
           <a:lstStyle/>
           <a:p>
-            <a:endParaRPr lang="de-DE" dirty="0"/>
+            <a:r>
+              <a:rPr lang="de-DE" dirty="0"/>
+              <a:t>XSLT ist eine Sprache, um XML-Dokumente in verschiedene Zielformate zu transformieren</a:t>
+            </a:r>
+          </a:p>
+          <a:p>
+            <a:r>
+              <a:rPr lang="de-DE" dirty="0"/>
+              <a:t>XSLT ist ein W3C-Standard seit 1999, aktuell: XSLT 3.0</a:t>
+            </a:r>
+          </a:p>
+          <a:p>
+            <a:r>
+              <a:rPr lang="fr-FR" i="1" dirty="0"/>
+              <a:t>XSLT </a:t>
+            </a:r>
+            <a:r>
+              <a:rPr lang="fr-FR" i="1" dirty="0" err="1"/>
+              <a:t>heißt</a:t>
+            </a:r>
+            <a:r>
+              <a:rPr lang="fr-FR" i="1" dirty="0"/>
+              <a:t> Extensible </a:t>
+            </a:r>
+            <a:r>
+              <a:rPr lang="fr-FR" i="1" dirty="0" err="1"/>
+              <a:t>Stylesheet</a:t>
+            </a:r>
+            <a:r>
+              <a:rPr lang="fr-FR" i="1" dirty="0"/>
+              <a:t> </a:t>
+            </a:r>
+            <a:r>
+              <a:rPr lang="fr-FR" i="1" dirty="0" err="1"/>
+              <a:t>Language</a:t>
+            </a:r>
+            <a:r>
+              <a:rPr lang="fr-FR" i="1" dirty="0"/>
+              <a:t> Transformation</a:t>
+            </a:r>
+            <a:endParaRPr lang="fr-FR" dirty="0"/>
+          </a:p>
+          <a:p>
+            <a:r>
+              <a:rPr lang="de-DE" dirty="0"/>
+              <a:t>XSLT ist selbst XML</a:t>
+            </a:r>
+          </a:p>
+          <a:p>
+            <a:r>
+              <a:rPr lang="de-DE" dirty="0"/>
+              <a:t>XSL = XSLT + XSL-FO</a:t>
+            </a:r>
           </a:p>
         </p:txBody>
       </p:sp>
     </p:spTree>
     <p:extLst>
       <p:ext uri="{BB962C8B-B14F-4D97-AF65-F5344CB8AC3E}">
-        <p14:creationId xmlns:p14="http://schemas.microsoft.com/office/powerpoint/2010/main" val="614686093"/>
+        <p14:creationId xmlns:p14="http://schemas.microsoft.com/office/powerpoint/2010/main" val="3056719934"/>
       </p:ext>
     </p:extLst>
   </p:cSld>
@@ -4008,14 +12365,12 @@
         </p:nvSpPr>
         <p:spPr/>
         <p:txBody>
-          <a:bodyPr>
-            <a:normAutofit/>
-          </a:bodyPr>
+          <a:bodyPr/>
           <a:lstStyle/>
           <a:p>
             <a:r>
               <a:rPr lang="de-DE" dirty="0"/>
-              <a:t>einführendes Beispiel</a:t>
+              <a:t>Wozu braucht man XSLT?</a:t>
             </a:r>
           </a:p>
         </p:txBody>
@@ -4038,65 +12393,99 @@
         </p:nvSpPr>
         <p:spPr/>
         <p:txBody>
-          <a:bodyPr/>
-          <a:lstStyle/>
-          <a:p>
-            <a:r>
-              <a:rPr lang="de-DE" dirty="0"/>
-              <a:t>-  XSLT arbeitet mit Mustererkennung</a:t>
-            </a:r>
-          </a:p>
-        </p:txBody>
-      </p:sp>
-      <p:sp>
-        <p:nvSpPr>
-          <p:cNvPr id="4" name="Textfeld 3">
-            <a:extLst>
-              <a:ext uri="{FF2B5EF4-FFF2-40B4-BE49-F238E27FC236}">
-                <a16:creationId xmlns:a16="http://schemas.microsoft.com/office/drawing/2014/main" id="{BC1B68E4-2C32-4F23-ADF7-715E2C62DE1D}"/>
-              </a:ext>
-            </a:extLst>
-          </p:cNvPr>
-          <p:cNvSpPr txBox="1"/>
-          <p:nvPr/>
-        </p:nvSpPr>
-        <p:spPr>
-          <a:xfrm>
-            <a:off x="8695113" y="6149465"/>
-            <a:ext cx="3150524" cy="461665"/>
-          </a:xfrm>
-          <a:prstGeom prst="rect">
-            <a:avLst/>
-          </a:prstGeom>
-          <a:noFill/>
-        </p:spPr>
-        <p:txBody>
-          <a:bodyPr wrap="square" rtlCol="0">
-            <a:spAutoFit/>
+          <a:bodyPr>
+            <a:normAutofit fontScale="77500" lnSpcReduction="20000"/>
           </a:bodyPr>
           <a:lstStyle/>
           <a:p>
-            <a:r>
-              <a:rPr lang="de-DE" sz="800" dirty="0"/>
-              <a:t>Quelle: P. Sahle, „XML als Datenstruktur: Einführung in </a:t>
-            </a:r>
-            <a:r>
-              <a:rPr lang="de-DE" sz="800" dirty="0" err="1"/>
-              <a:t>Xpath</a:t>
-            </a:r>
-            <a:r>
-              <a:rPr lang="de-DE" sz="800" dirty="0"/>
-              <a:t>“, Winter School 2020, Wuppertal </a:t>
-            </a:r>
-            <a:r>
-              <a:rPr lang="de-DE" sz="800" dirty="0">
-                <a:hlinkClick r:id="rId2"/>
-              </a:rPr>
-              <a:t>https://www.i-d-e.de/wp-content/uploads/2020/02/02_XML-Einf%C3%BChrung.pdf</a:t>
-            </a:r>
-            <a:r>
-              <a:rPr lang="de-DE" sz="800" dirty="0"/>
-              <a:t> </a:t>
+            <a:pPr marL="0" indent="0">
+              <a:buNone/>
+            </a:pPr>
+            <a:r>
+              <a:rPr lang="de-DE" dirty="0"/>
+              <a:t>Man braucht XSLT, um aus XML etwas (anderes) zu machen</a:t>
+            </a:r>
+          </a:p>
+          <a:p>
+            <a:r>
+              <a:rPr lang="de-DE" dirty="0"/>
+              <a:t>Reports</a:t>
+            </a:r>
+          </a:p>
+          <a:p>
+            <a:pPr lvl="1"/>
+            <a:r>
+              <a:rPr lang="de-DE" dirty="0"/>
+              <a:t>Z.B. Text</a:t>
+            </a:r>
+          </a:p>
+          <a:p>
+            <a:r>
+              <a:rPr lang="de-DE" dirty="0"/>
+              <a:t>Publikationen</a:t>
+            </a:r>
+          </a:p>
+          <a:p>
+            <a:pPr lvl="1"/>
+            <a:r>
+              <a:rPr lang="de-DE" dirty="0"/>
+              <a:t>Z.B. HTML/CSS</a:t>
+            </a:r>
+          </a:p>
+          <a:p>
+            <a:r>
+              <a:rPr lang="de-DE" dirty="0"/>
+              <a:t>Visualisierungen</a:t>
+            </a:r>
+          </a:p>
+          <a:p>
+            <a:pPr lvl="1"/>
+            <a:r>
+              <a:rPr lang="de-DE" dirty="0"/>
+              <a:t>Z.B. SVG, HTML/CSS/</a:t>
+            </a:r>
+            <a:r>
+              <a:rPr lang="de-DE" dirty="0" err="1"/>
+              <a:t>Javascript</a:t>
+            </a:r>
+            <a:endParaRPr lang="de-DE" dirty="0"/>
+          </a:p>
+          <a:p>
+            <a:r>
+              <a:rPr lang="de-DE" dirty="0"/>
+              <a:t>Exporte</a:t>
+            </a:r>
+          </a:p>
+          <a:p>
+            <a:pPr lvl="1"/>
+            <a:r>
+              <a:rPr lang="de-DE" dirty="0"/>
+              <a:t>Z.B. CSV, JSON, Datenbankformate</a:t>
+            </a:r>
+          </a:p>
+          <a:p>
+            <a:r>
+              <a:rPr lang="de-DE" dirty="0"/>
+              <a:t>XML</a:t>
+            </a:r>
+          </a:p>
+          <a:p>
+            <a:pPr lvl="1"/>
+            <a:r>
+              <a:rPr lang="de-DE" dirty="0"/>
+              <a:t>Daten verändern, anreichern, zusammenführen, extrahieren</a:t>
+            </a:r>
+          </a:p>
+          <a:p>
+            <a:endParaRPr lang="de-DE" dirty="0"/>
+          </a:p>
+          <a:p>
+            <a:pPr marL="0" indent="0">
+              <a:buNone/>
+            </a:pPr>
+            <a:r>
+              <a:rPr lang="de-DE" dirty="0"/>
+              <a:t>… dies alles kann zusammenspielen!</a:t>
             </a:r>
           </a:p>
         </p:txBody>
@@ -4104,7 +12493,7 @@
     </p:spTree>
     <p:extLst>
       <p:ext uri="{BB962C8B-B14F-4D97-AF65-F5344CB8AC3E}">
-        <p14:creationId xmlns:p14="http://schemas.microsoft.com/office/powerpoint/2010/main" val="1695383832"/>
+        <p14:creationId xmlns:p14="http://schemas.microsoft.com/office/powerpoint/2010/main" val="614686093"/>
       </p:ext>
     </p:extLst>
   </p:cSld>
@@ -4156,7 +12545,7 @@
           <a:p>
             <a:r>
               <a:rPr lang="de-DE" dirty="0"/>
-              <a:t>Das Stylesheet</a:t>
+              <a:t>Grundsätzliche Funktionsweise</a:t>
             </a:r>
           </a:p>
         </p:txBody>
@@ -4177,22 +12566,139 @@
             <p:ph idx="1"/>
           </p:nvPr>
         </p:nvSpPr>
-        <p:spPr/>
+        <p:spPr>
+          <a:xfrm>
+            <a:off x="6226232" y="1825625"/>
+            <a:ext cx="5127567" cy="4351338"/>
+          </a:xfrm>
+        </p:spPr>
         <p:txBody>
           <a:bodyPr/>
           <a:lstStyle/>
           <a:p>
-            <a:r>
-              <a:rPr lang="de-DE" dirty="0"/>
-              <a:t> - Stylesheet Aufbau</a:t>
+            <a:pPr marL="0" indent="0">
+              <a:buNone/>
+            </a:pPr>
+            <a:r>
+              <a:rPr lang="de-DE" dirty="0"/>
+              <a:t>Grundsätzliche Funktionsweise</a:t>
+            </a:r>
+          </a:p>
+          <a:p>
+            <a:pPr lvl="1"/>
+            <a:r>
+              <a:rPr lang="de-DE" dirty="0"/>
+              <a:t>XSLT verwendet </a:t>
+            </a:r>
+            <a:r>
+              <a:rPr lang="de-DE" dirty="0" err="1"/>
+              <a:t>XPath</a:t>
+            </a:r>
+            <a:endParaRPr lang="de-DE" dirty="0"/>
+          </a:p>
+          <a:p>
+            <a:pPr lvl="1"/>
+            <a:r>
+              <a:rPr lang="de-DE" dirty="0"/>
+              <a:t>XSLT wird von einem XSLT-Prozessor ausgeführt</a:t>
+            </a:r>
+          </a:p>
+          <a:p>
+            <a:pPr lvl="1"/>
+            <a:r>
+              <a:rPr lang="de-DE" dirty="0"/>
+              <a:t>XML + XSLT -&gt; Zieldokument(e)</a:t>
             </a:r>
           </a:p>
         </p:txBody>
       </p:sp>
+      <p:sp>
+        <p:nvSpPr>
+          <p:cNvPr id="4" name="Textfeld 3">
+            <a:extLst>
+              <a:ext uri="{FF2B5EF4-FFF2-40B4-BE49-F238E27FC236}">
+                <a16:creationId xmlns:a16="http://schemas.microsoft.com/office/drawing/2014/main" id="{BC1B68E4-2C32-4F23-ADF7-715E2C62DE1D}"/>
+              </a:ext>
+            </a:extLst>
+          </p:cNvPr>
+          <p:cNvSpPr txBox="1"/>
+          <p:nvPr/>
+        </p:nvSpPr>
+        <p:spPr>
+          <a:xfrm>
+            <a:off x="8695113" y="6149465"/>
+            <a:ext cx="3150524" cy="461665"/>
+          </a:xfrm>
+          <a:prstGeom prst="rect">
+            <a:avLst/>
+          </a:prstGeom>
+          <a:noFill/>
+        </p:spPr>
+        <p:txBody>
+          <a:bodyPr wrap="square" rtlCol="0">
+            <a:spAutoFit/>
+          </a:bodyPr>
+          <a:lstStyle/>
+          <a:p>
+            <a:r>
+              <a:rPr lang="de-DE" sz="800" dirty="0"/>
+              <a:t>Quelle: P. Sahle, „XML als Datenstruktur: Einführung in </a:t>
+            </a:r>
+            <a:r>
+              <a:rPr lang="de-DE" sz="800" dirty="0" err="1"/>
+              <a:t>Xpath</a:t>
+            </a:r>
+            <a:r>
+              <a:rPr lang="de-DE" sz="800" dirty="0"/>
+              <a:t>“, Winter School 2020, Wuppertal </a:t>
+            </a:r>
+            <a:r>
+              <a:rPr lang="de-DE" sz="800" dirty="0">
+                <a:hlinkClick r:id="rId2"/>
+              </a:rPr>
+              <a:t>https://www.i-d-e.de/wp-content/uploads/2020/02/02_XML-Einf%C3%BChrung.pdf</a:t>
+            </a:r>
+            <a:r>
+              <a:rPr lang="de-DE" sz="800" dirty="0"/>
+              <a:t> </a:t>
+            </a:r>
+          </a:p>
+        </p:txBody>
+      </p:sp>
+      <p:pic>
+        <p:nvPicPr>
+          <p:cNvPr id="6" name="Grafik 5">
+            <a:extLst>
+              <a:ext uri="{FF2B5EF4-FFF2-40B4-BE49-F238E27FC236}">
+                <a16:creationId xmlns:a16="http://schemas.microsoft.com/office/drawing/2014/main" id="{DB6ACA4E-47AA-44AD-8425-1FA96C5D62F6}"/>
+              </a:ext>
+            </a:extLst>
+          </p:cNvPr>
+          <p:cNvPicPr>
+            <a:picLocks noChangeAspect="1"/>
+          </p:cNvPicPr>
+          <p:nvPr/>
+        </p:nvPicPr>
+        <p:blipFill>
+          <a:blip r:embed="rId3"/>
+          <a:stretch>
+            <a:fillRect/>
+          </a:stretch>
+        </p:blipFill>
+        <p:spPr>
+          <a:xfrm>
+            <a:off x="1070749" y="1399096"/>
+            <a:ext cx="4259949" cy="4907705"/>
+          </a:xfrm>
+          <a:prstGeom prst="rect">
+            <a:avLst/>
+          </a:prstGeom>
+        </p:spPr>
+      </p:pic>
     </p:spTree>
     <p:extLst>
       <p:ext uri="{BB962C8B-B14F-4D97-AF65-F5344CB8AC3E}">
-        <p14:creationId xmlns:p14="http://schemas.microsoft.com/office/powerpoint/2010/main" val="939684954"/>
+        <p14:creationId xmlns:p14="http://schemas.microsoft.com/office/powerpoint/2010/main" val="1695383832"/>
       </p:ext>
     </p:extLst>
   </p:cSld>
@@ -4244,7 +12750,7 @@
           <a:p>
             <a:r>
               <a:rPr lang="de-DE" dirty="0"/>
-              <a:t>Ein kleines Puzzle…</a:t>
+              <a:t>Grundsätzliche Funktionsweise</a:t>
             </a:r>
           </a:p>
         </p:txBody>
@@ -4267,12 +12773,55 @@
         </p:nvSpPr>
         <p:spPr/>
         <p:txBody>
-          <a:bodyPr/>
+          <a:bodyPr>
+            <a:normAutofit/>
+          </a:bodyPr>
           <a:lstStyle/>
           <a:p>
             <a:r>
               <a:rPr lang="de-DE" dirty="0"/>
-              <a:t>  Template</a:t>
+              <a:t>Das Prinzip der drei Bäume:</a:t>
+            </a:r>
+          </a:p>
+          <a:p>
+            <a:pPr lvl="1"/>
+            <a:r>
+              <a:rPr lang="de-DE" dirty="0"/>
+              <a:t>Eingabebaum –Verarbeitungsbaum –Ausgabebaum</a:t>
+            </a:r>
+          </a:p>
+          <a:p>
+            <a:r>
+              <a:rPr lang="de-DE" dirty="0"/>
+              <a:t>Das Prinzip der Verarbeitung</a:t>
+            </a:r>
+          </a:p>
+          <a:p>
+            <a:pPr lvl="1"/>
+            <a:r>
+              <a:rPr lang="de-DE" dirty="0"/>
+              <a:t>Gehe durch den Eingabebaum und berücksichtige dabei die Anweisungen des Verarbeitungsbaums um den Ausgabebaum zu schreiben</a:t>
+            </a:r>
+          </a:p>
+          <a:p>
+            <a:r>
+              <a:rPr lang="de-DE" dirty="0"/>
+              <a:t>Das Prinzip der „Schablonen“</a:t>
+            </a:r>
+          </a:p>
+          <a:p>
+            <a:pPr lvl="1"/>
+            <a:r>
+              <a:rPr lang="de-DE" dirty="0"/>
+              <a:t>Wenn diese Schablone (ein </a:t>
+            </a:r>
+            <a:r>
+              <a:rPr lang="de-DE" dirty="0" err="1"/>
+              <a:t>XPath</a:t>
+            </a:r>
+            <a:r>
+              <a:rPr lang="de-DE" dirty="0"/>
+              <a:t>-Muster) passt, dann folge ihren Anweisungen</a:t>
             </a:r>
           </a:p>
         </p:txBody>
@@ -4280,7 +12829,7 @@
     </p:spTree>
     <p:extLst>
       <p:ext uri="{BB962C8B-B14F-4D97-AF65-F5344CB8AC3E}">
-        <p14:creationId xmlns:p14="http://schemas.microsoft.com/office/powerpoint/2010/main" val="1470876705"/>
+        <p14:creationId xmlns:p14="http://schemas.microsoft.com/office/powerpoint/2010/main" val="939684954"/>
       </p:ext>
     </p:extLst>
   </p:cSld>
@@ -4332,7 +12881,7 @@
           <a:p>
             <a:r>
               <a:rPr lang="de-DE" dirty="0"/>
-              <a:t>Template-Sorten</a:t>
+              <a:t>Grundsätzliche Funktionsweise</a:t>
             </a:r>
           </a:p>
         </p:txBody>
@@ -4355,95 +12904,62 @@
         </p:nvSpPr>
         <p:spPr/>
         <p:txBody>
-          <a:bodyPr/>
+          <a:bodyPr>
+            <a:normAutofit/>
+          </a:bodyPr>
           <a:lstStyle/>
           <a:p>
-            <a:r>
-              <a:rPr lang="de-DE" dirty="0"/>
-              <a:t>  - </a:t>
-            </a:r>
-            <a:r>
-              <a:rPr lang="de-DE" dirty="0" err="1"/>
-              <a:t>value-of</a:t>
-            </a:r>
-            <a:endParaRPr lang="de-DE" dirty="0"/>
-          </a:p>
-          <a:p>
-            <a:r>
-              <a:rPr lang="de-DE" dirty="0"/>
-              <a:t>  - Schleifen (</a:t>
-            </a:r>
-            <a:r>
-              <a:rPr lang="de-DE" dirty="0" err="1"/>
-              <a:t>for</a:t>
-            </a:r>
-            <a:r>
-              <a:rPr lang="de-DE" dirty="0"/>
-              <a:t>)</a:t>
-            </a:r>
-          </a:p>
-          <a:p>
-            <a:r>
-              <a:rPr lang="de-DE" dirty="0"/>
-              <a:t>  - Bedingungen (</a:t>
-            </a:r>
-            <a:r>
-              <a:rPr lang="de-DE" dirty="0" err="1"/>
-              <a:t>if</a:t>
-            </a:r>
-            <a:r>
-              <a:rPr lang="de-DE" dirty="0"/>
-              <a:t> </a:t>
-            </a:r>
-            <a:r>
-              <a:rPr lang="de-DE" dirty="0" err="1"/>
-              <a:t>else</a:t>
-            </a:r>
-            <a:r>
-              <a:rPr lang="de-DE" dirty="0"/>
-              <a:t>, </a:t>
-            </a:r>
-            <a:r>
-              <a:rPr lang="de-DE" dirty="0" err="1"/>
-              <a:t>choose</a:t>
-            </a:r>
-            <a:r>
-              <a:rPr lang="de-DE" dirty="0"/>
-              <a:t>/</a:t>
-            </a:r>
-            <a:r>
-              <a:rPr lang="de-DE" dirty="0" err="1"/>
-              <a:t>when</a:t>
-            </a:r>
-            <a:r>
-              <a:rPr lang="de-DE" dirty="0"/>
-              <a:t>/</a:t>
-            </a:r>
-            <a:r>
-              <a:rPr lang="de-DE" dirty="0" err="1"/>
-              <a:t>otherwise</a:t>
-            </a:r>
-            <a:r>
-              <a:rPr lang="de-DE" dirty="0"/>
-              <a:t>)</a:t>
-            </a:r>
-          </a:p>
-          <a:p>
-            <a:r>
-              <a:rPr lang="de-DE" dirty="0"/>
-              <a:t>  - sortieren</a:t>
-            </a:r>
-          </a:p>
-          <a:p>
-            <a:r>
-              <a:rPr lang="de-DE" dirty="0"/>
-              <a:t>  - kopieren</a:t>
-            </a:r>
-          </a:p>
-          <a:p>
-            <a:r>
-              <a:rPr lang="de-DE" dirty="0"/>
-              <a:t>  - Variablen/Parameter</a:t>
+            <a:pPr marL="0" indent="0">
+              <a:buNone/>
+            </a:pPr>
+            <a:r>
+              <a:rPr lang="de-DE" dirty="0"/>
+              <a:t>Deutsch -&gt; XSLT</a:t>
+            </a:r>
+          </a:p>
+          <a:p>
+            <a:pPr marL="0" indent="0">
+              <a:buNone/>
+            </a:pPr>
+            <a:r>
+              <a:rPr lang="de-DE" dirty="0"/>
+              <a:t>Ich bin ein XML-Dokument</a:t>
+            </a:r>
+          </a:p>
+          <a:p>
+            <a:pPr marL="0" indent="0">
+              <a:buNone/>
+            </a:pPr>
+            <a:r>
+              <a:rPr lang="de-DE" dirty="0"/>
+              <a:t>   Ich bin ein XSLT-Stylesheet</a:t>
+            </a:r>
+          </a:p>
+          <a:p>
+            <a:pPr marL="0" indent="0">
+              <a:buNone/>
+            </a:pPr>
+            <a:r>
+              <a:rPr lang="de-DE" dirty="0"/>
+              <a:t>	Ich bin eine Schablone, ich passe auf ein Muster</a:t>
+            </a:r>
+          </a:p>
+          <a:p>
+            <a:pPr marL="0" indent="0">
+              <a:buNone/>
+            </a:pPr>
+            <a:r>
+              <a:rPr lang="de-DE" dirty="0"/>
+              <a:t>		Ich tue etwas, wenn das Muster im Ausgangsbaum 			gefunden wird. Meistens hole ich Informationen aus 			dem XML-Dokument, verarbeite sie und schreibe sie in das 		Zieldokument</a:t>
+            </a:r>
+          </a:p>
+          <a:p>
+            <a:pPr marL="0" indent="0">
+              <a:buNone/>
+            </a:pPr>
+            <a:r>
+              <a:rPr lang="de-DE" dirty="0"/>
+              <a:t>	Ich bin eine Schablone, ich passe auf ein Muster</a:t>
             </a:r>
           </a:p>
         </p:txBody>
@@ -4451,7 +12967,7 @@
     </p:spTree>
     <p:extLst>
       <p:ext uri="{BB962C8B-B14F-4D97-AF65-F5344CB8AC3E}">
-        <p14:creationId xmlns:p14="http://schemas.microsoft.com/office/powerpoint/2010/main" val="965227580"/>
+        <p14:creationId xmlns:p14="http://schemas.microsoft.com/office/powerpoint/2010/main" val="1470876705"/>
       </p:ext>
     </p:extLst>
   </p:cSld>
@@ -4483,7 +12999,7 @@
           <p:cNvPr id="2" name="Titel 1">
             <a:extLst>
               <a:ext uri="{FF2B5EF4-FFF2-40B4-BE49-F238E27FC236}">
-                <a16:creationId xmlns:a16="http://schemas.microsoft.com/office/drawing/2014/main" id="{AB32E9E2-7334-4C27-BD64-F81A2CE2E0E3}"/>
+                <a16:creationId xmlns:a16="http://schemas.microsoft.com/office/drawing/2014/main" id="{58F1B0DC-2704-48CE-ACDF-C81B74F08606}"/>
               </a:ext>
             </a:extLst>
           </p:cNvPr>
@@ -4496,12 +13012,14 @@
         </p:nvSpPr>
         <p:spPr/>
         <p:txBody>
-          <a:bodyPr/>
+          <a:bodyPr>
+            <a:normAutofit/>
+          </a:bodyPr>
           <a:lstStyle/>
           <a:p>
             <a:r>
               <a:rPr lang="de-DE" dirty="0"/>
-              <a:t>Übungen</a:t>
+              <a:t>Strategien</a:t>
             </a:r>
           </a:p>
         </p:txBody>
@@ -4511,7 +13029,7 @@
           <p:cNvPr id="3" name="Inhaltsplatzhalter 2">
             <a:extLst>
               <a:ext uri="{FF2B5EF4-FFF2-40B4-BE49-F238E27FC236}">
-                <a16:creationId xmlns:a16="http://schemas.microsoft.com/office/drawing/2014/main" id="{327B4034-100E-4CA2-A1AF-62949DD52A9C}"/>
+                <a16:creationId xmlns:a16="http://schemas.microsoft.com/office/drawing/2014/main" id="{4B1E9BB3-F48F-4536-AA89-E0EE171F9F13}"/>
               </a:ext>
             </a:extLst>
           </p:cNvPr>
@@ -4524,12 +13042,109 @@
         </p:nvSpPr>
         <p:spPr/>
         <p:txBody>
-          <a:bodyPr/>
+          <a:bodyPr>
+            <a:normAutofit/>
+          </a:bodyPr>
           <a:lstStyle/>
           <a:p>
-            <a:r>
-              <a:rPr lang="de-DE" dirty="0"/>
-              <a:t>…</a:t>
+            <a:pPr marL="0" indent="0">
+              <a:buNone/>
+            </a:pPr>
+            <a:r>
+              <a:rPr lang="de-DE" dirty="0"/>
+              <a:t>Pull</a:t>
+            </a:r>
+          </a:p>
+          <a:p>
+            <a:pPr lvl="1"/>
+            <a:r>
+              <a:rPr lang="de-DE" dirty="0"/>
+              <a:t>Hole gezielt Daten und tue etwas damit </a:t>
+            </a:r>
+          </a:p>
+          <a:p>
+            <a:pPr marL="457200" lvl="1" indent="0">
+              <a:buNone/>
+            </a:pPr>
+            <a:r>
+              <a:rPr lang="de-DE" dirty="0"/>
+              <a:t>-&gt; typisch: </a:t>
+            </a:r>
+            <a:r>
+              <a:rPr lang="de-DE" dirty="0" err="1"/>
+              <a:t>for-each</a:t>
+            </a:r>
+            <a:r>
+              <a:rPr lang="de-DE" dirty="0"/>
+              <a:t>, </a:t>
+            </a:r>
+            <a:r>
+              <a:rPr lang="de-DE" dirty="0" err="1"/>
+              <a:t>for</a:t>
+            </a:r>
+            <a:r>
+              <a:rPr lang="de-DE" dirty="0"/>
+              <a:t>-</a:t>
+            </a:r>
+            <a:r>
+              <a:rPr lang="de-DE" dirty="0" err="1"/>
+              <a:t>each</a:t>
+            </a:r>
+            <a:r>
+              <a:rPr lang="de-DE" dirty="0"/>
+              <a:t>-group</a:t>
+            </a:r>
+          </a:p>
+          <a:p>
+            <a:endParaRPr lang="de-DE" dirty="0"/>
+          </a:p>
+          <a:p>
+            <a:pPr marL="0" indent="0">
+              <a:buNone/>
+            </a:pPr>
+            <a:r>
+              <a:rPr lang="de-DE" dirty="0"/>
+              <a:t>Push</a:t>
+            </a:r>
+          </a:p>
+          <a:p>
+            <a:pPr lvl="1"/>
+            <a:r>
+              <a:rPr lang="de-DE" dirty="0"/>
+              <a:t>Verarbeite Daten, wenn sie Dir über den Weg laufen </a:t>
+            </a:r>
+          </a:p>
+          <a:p>
+            <a:pPr marL="457200" lvl="1" indent="0">
+              <a:buNone/>
+            </a:pPr>
+            <a:r>
+              <a:rPr lang="de-DE" dirty="0"/>
+              <a:t>-&gt; typisch: </a:t>
+            </a:r>
+            <a:r>
+              <a:rPr lang="de-DE" dirty="0" err="1"/>
+              <a:t>template</a:t>
+            </a:r>
+            <a:r>
+              <a:rPr lang="de-DE" dirty="0"/>
+              <a:t>, </a:t>
+            </a:r>
+            <a:r>
+              <a:rPr lang="de-DE" dirty="0" err="1"/>
+              <a:t>apply</a:t>
+            </a:r>
+            <a:r>
+              <a:rPr lang="de-DE" dirty="0"/>
+              <a:t>-templates, </a:t>
+            </a:r>
+            <a:r>
+              <a:rPr lang="de-DE" dirty="0" err="1"/>
+              <a:t>call</a:t>
+            </a:r>
+            <a:r>
+              <a:rPr lang="de-DE" dirty="0"/>
+              <a:t>-template</a:t>
             </a:r>
           </a:p>
         </p:txBody>
@@ -4537,7 +13152,7 @@
     </p:spTree>
     <p:extLst>
       <p:ext uri="{BB962C8B-B14F-4D97-AF65-F5344CB8AC3E}">
-        <p14:creationId xmlns:p14="http://schemas.microsoft.com/office/powerpoint/2010/main" val="2578746161"/>
+        <p14:creationId xmlns:p14="http://schemas.microsoft.com/office/powerpoint/2010/main" val="93296643"/>
       </p:ext>
     </p:extLst>
   </p:cSld>
